--- a/From-DDD-to-DDD.pptx
+++ b/From-DDD-to-DDD.pptx
@@ -5,23 +5,33 @@
     <p:sldMasterId id="2147483648" r:id="rId1"/>
   </p:sldMasterIdLst>
   <p:notesMasterIdLst>
-    <p:notesMasterId r:id="rId16"/>
+    <p:notesMasterId r:id="rId26"/>
   </p:notesMasterIdLst>
   <p:sldIdLst>
     <p:sldId id="256" r:id="rId2"/>
     <p:sldId id="257" r:id="rId3"/>
     <p:sldId id="258" r:id="rId4"/>
     <p:sldId id="259" r:id="rId5"/>
-    <p:sldId id="260" r:id="rId6"/>
-    <p:sldId id="263" r:id="rId7"/>
-    <p:sldId id="261" r:id="rId8"/>
-    <p:sldId id="262" r:id="rId9"/>
-    <p:sldId id="264" r:id="rId10"/>
-    <p:sldId id="265" r:id="rId11"/>
-    <p:sldId id="266" r:id="rId12"/>
-    <p:sldId id="267" r:id="rId13"/>
-    <p:sldId id="268" r:id="rId14"/>
-    <p:sldId id="269" r:id="rId15"/>
+    <p:sldId id="271" r:id="rId6"/>
+    <p:sldId id="273" r:id="rId7"/>
+    <p:sldId id="274" r:id="rId8"/>
+    <p:sldId id="275" r:id="rId9"/>
+    <p:sldId id="260" r:id="rId10"/>
+    <p:sldId id="277" r:id="rId11"/>
+    <p:sldId id="278" r:id="rId12"/>
+    <p:sldId id="261" r:id="rId13"/>
+    <p:sldId id="280" r:id="rId14"/>
+    <p:sldId id="279" r:id="rId15"/>
+    <p:sldId id="276" r:id="rId16"/>
+    <p:sldId id="263" r:id="rId17"/>
+    <p:sldId id="262" r:id="rId18"/>
+    <p:sldId id="264" r:id="rId19"/>
+    <p:sldId id="265" r:id="rId20"/>
+    <p:sldId id="266" r:id="rId21"/>
+    <p:sldId id="267" r:id="rId22"/>
+    <p:sldId id="268" r:id="rId23"/>
+    <p:sldId id="269" r:id="rId24"/>
+    <p:sldId id="272" r:id="rId25"/>
   </p:sldIdLst>
   <p:sldSz cx="12192000" cy="6858000"/>
   <p:notesSz cx="6858000" cy="9144000"/>
@@ -210,7 +220,7 @@
           <a:p>
             <a:fld id="{091D0E93-A79E-4E48-BBD9-877D0B03E02F}" type="datetimeFigureOut">
               <a:rPr lang="en-US" smtClean="0"/>
-              <a:t>8/10/2018</a:t>
+              <a:t>11/13/2018</a:t>
             </a:fld>
             <a:endParaRPr lang="en-US"/>
           </a:p>
@@ -547,7 +557,7 @@
               <a:rPr lang="en-US" smtClean="0"/>
               <a:t>1</a:t>
             </a:fld>
-            <a:endParaRPr lang="en-US"/>
+            <a:endParaRPr lang="en-US" dirty="0"/>
           </a:p>
         </p:txBody>
       </p:sp>
@@ -555,6 +565,101 @@
     <p:extLst>
       <p:ext uri="{BB962C8B-B14F-4D97-AF65-F5344CB8AC3E}">
         <p14:creationId xmlns:p14="http://schemas.microsoft.com/office/powerpoint/2010/main" val="3778373790"/>
+      </p:ext>
+    </p:extLst>
+  </p:cSld>
+  <p:clrMapOvr>
+    <a:masterClrMapping/>
+  </p:clrMapOvr>
+</p:notes>
+</file>
+
+<file path=ppt/notesSlides/notesSlide10.xml><?xml version="1.0" encoding="utf-8"?>
+<p:notes xmlns:a="http://purl.oclc.org/ooxml/drawingml/main" xmlns:r="http://purl.oclc.org/ooxml/officeDocument/relationships" xmlns:p="http://purl.oclc.org/ooxml/presentationml/main">
+  <p:cSld>
+    <p:spTree>
+      <p:nvGrpSpPr>
+        <p:cNvPr id="1" name=""/>
+        <p:cNvGrpSpPr/>
+        <p:nvPr/>
+      </p:nvGrpSpPr>
+      <p:grpSpPr>
+        <a:xfrm>
+          <a:off x="0" y="0"/>
+          <a:ext cx="0" cy="0"/>
+          <a:chOff x="0" y="0"/>
+          <a:chExt cx="0" cy="0"/>
+        </a:xfrm>
+      </p:grpSpPr>
+      <p:sp>
+        <p:nvSpPr>
+          <p:cNvPr id="2" name="Slide Image Placeholder 1"/>
+          <p:cNvSpPr>
+            <a:spLocks noGrp="1" noRot="1" noChangeAspect="1"/>
+          </p:cNvSpPr>
+          <p:nvPr>
+            <p:ph type="sldImg"/>
+          </p:nvPr>
+        </p:nvSpPr>
+        <p:spPr/>
+      </p:sp>
+      <p:sp>
+        <p:nvSpPr>
+          <p:cNvPr id="3" name="Notes Placeholder 2"/>
+          <p:cNvSpPr>
+            <a:spLocks noGrp="1"/>
+          </p:cNvSpPr>
+          <p:nvPr>
+            <p:ph type="body" idx="1"/>
+          </p:nvPr>
+        </p:nvSpPr>
+        <p:spPr/>
+        <p:txBody>
+          <a:bodyPr/>
+          <a:lstStyle/>
+          <a:p>
+            <a:r>
+              <a:rPr lang="en-US" dirty="0"/>
+              <a:t>Can actually share the </a:t>
+            </a:r>
+            <a:r>
+              <a:rPr lang="en-US" dirty="0" err="1"/>
+              <a:t>DbContext</a:t>
+            </a:r>
+            <a:r>
+              <a:rPr lang="en-US" dirty="0"/>
+              <a:t> but split it in 2 interfaces … </a:t>
+            </a:r>
+          </a:p>
+        </p:txBody>
+      </p:sp>
+      <p:sp>
+        <p:nvSpPr>
+          <p:cNvPr id="4" name="Slide Number Placeholder 3"/>
+          <p:cNvSpPr>
+            <a:spLocks noGrp="1"/>
+          </p:cNvSpPr>
+          <p:nvPr>
+            <p:ph type="sldNum" sz="quarter" idx="10"/>
+          </p:nvPr>
+        </p:nvSpPr>
+        <p:spPr/>
+        <p:txBody>
+          <a:bodyPr/>
+          <a:lstStyle/>
+          <a:p>
+            <a:fld id="{A96ED7F8-A0A2-43F5-BEED-47C4E428A0D6}" type="slidenum">
+              <a:rPr lang="en-US" smtClean="0"/>
+              <a:t>21</a:t>
+            </a:fld>
+            <a:endParaRPr lang="en-US"/>
+          </a:p>
+        </p:txBody>
+      </p:sp>
+    </p:spTree>
+    <p:extLst>
+      <p:ext uri="{BB962C8B-B14F-4D97-AF65-F5344CB8AC3E}">
+        <p14:creationId xmlns:p14="http://schemas.microsoft.com/office/powerpoint/2010/main" val="517647643"/>
       </p:ext>
     </p:extLst>
   </p:cSld>
@@ -643,6 +748,14 @@
                 <a:sym typeface="Wingdings" panose="05000000000000000000" pitchFamily="2" charset="2"/>
               </a:rPr>
               <a:t>Learn from my mistakes  </a:t>
+            </a:r>
+          </a:p>
+          <a:p>
+            <a:r>
+              <a:rPr lang="en-US" dirty="0">
+                <a:sym typeface="Wingdings" panose="05000000000000000000" pitchFamily="2" charset="2"/>
+              </a:rPr>
+              <a:t>A bit about code, a bit about architecture, mostly about the learning process</a:t>
             </a:r>
           </a:p>
         </p:txBody>
@@ -741,19 +854,22 @@
           <a:p>
             <a:r>
               <a:rPr lang="en-US" dirty="0"/>
+              <a:t>Learnt a bit about Design Patterns</a:t>
+            </a:r>
+          </a:p>
+          <a:p>
+            <a:r>
+              <a:rPr lang="en-US" dirty="0"/>
+              <a:t>Not much about real software engineering</a:t>
+            </a:r>
+          </a:p>
+          <a:p>
+            <a:endParaRPr lang="en-US" dirty="0"/>
+          </a:p>
+          <a:p>
+            <a:r>
+              <a:rPr lang="en-US" dirty="0"/>
               <a:t>Internship on the MS stack</a:t>
-            </a:r>
-          </a:p>
-          <a:p>
-            <a:r>
-              <a:rPr lang="en-US" dirty="0"/>
-              <a:t>Learnt a bit about Design Patterns</a:t>
-            </a:r>
-          </a:p>
-          <a:p>
-            <a:r>
-              <a:rPr lang="en-US" dirty="0"/>
-              <a:t>Not much about real software engineering</a:t>
             </a:r>
           </a:p>
         </p:txBody>
@@ -840,7 +956,13 @@
           <a:p>
             <a:r>
               <a:rPr lang="en-US" dirty="0"/>
-              <a:t>E-commerce web apps / web agency</a:t>
+              <a:t>End of study internship</a:t>
+            </a:r>
+          </a:p>
+          <a:p>
+            <a:r>
+              <a:rPr lang="en-US" dirty="0"/>
+              <a:t>E-commerce web apps / web agency … I was employee n°3 :P</a:t>
             </a:r>
           </a:p>
           <a:p>
@@ -1348,6 +1470,15 @@
           <a:p>
             <a:endParaRPr lang="en-US" dirty="0"/>
           </a:p>
+          <a:p>
+            <a:r>
+              <a:rPr lang="en-US" dirty="0"/>
+              <a:t>Db changes requested by Business Analysts</a:t>
+            </a:r>
+          </a:p>
+          <a:p>
+            <a:endParaRPr lang="en-US" dirty="0"/>
+          </a:p>
         </p:txBody>
       </p:sp>
       <p:sp>
@@ -1367,7 +1498,7 @@
           <a:p>
             <a:fld id="{A96ED7F8-A0A2-43F5-BEED-47C4E428A0D6}" type="slidenum">
               <a:rPr lang="en-US" smtClean="0"/>
-              <a:t>5</a:t>
+              <a:t>9</a:t>
             </a:fld>
             <a:endParaRPr lang="en-US"/>
           </a:p>
@@ -1432,13 +1563,7 @@
           <a:p>
             <a:r>
               <a:rPr lang="en-US" dirty="0"/>
-              <a:t>Other company … what I found when I arrived there</a:t>
-            </a:r>
-          </a:p>
-          <a:p>
-            <a:r>
-              <a:rPr lang="en-US" dirty="0"/>
-              <a:t>MVC app</a:t>
+              <a:t>Deliberate effort / need to communicate it to other team members</a:t>
             </a:r>
           </a:p>
         </p:txBody>
@@ -1460,7 +1585,193 @@
           <a:p>
             <a:fld id="{A96ED7F8-A0A2-43F5-BEED-47C4E428A0D6}" type="slidenum">
               <a:rPr lang="en-US" smtClean="0"/>
-              <a:t>9</a:t>
+              <a:t>16</a:t>
+            </a:fld>
+            <a:endParaRPr lang="en-US"/>
+          </a:p>
+        </p:txBody>
+      </p:sp>
+    </p:spTree>
+    <p:extLst>
+      <p:ext uri="{BB962C8B-B14F-4D97-AF65-F5344CB8AC3E}">
+        <p14:creationId xmlns:p14="http://schemas.microsoft.com/office/powerpoint/2010/main" val="2992408838"/>
+      </p:ext>
+    </p:extLst>
+  </p:cSld>
+  <p:clrMapOvr>
+    <a:masterClrMapping/>
+  </p:clrMapOvr>
+</p:notes>
+</file>
+
+<file path=ppt/notesSlides/notesSlide7.xml><?xml version="1.0" encoding="utf-8"?>
+<p:notes xmlns:a="http://purl.oclc.org/ooxml/drawingml/main" xmlns:r="http://purl.oclc.org/ooxml/officeDocument/relationships" xmlns:p="http://purl.oclc.org/ooxml/presentationml/main">
+  <p:cSld>
+    <p:spTree>
+      <p:nvGrpSpPr>
+        <p:cNvPr id="1" name=""/>
+        <p:cNvGrpSpPr/>
+        <p:nvPr/>
+      </p:nvGrpSpPr>
+      <p:grpSpPr>
+        <a:xfrm>
+          <a:off x="0" y="0"/>
+          <a:ext cx="0" cy="0"/>
+          <a:chOff x="0" y="0"/>
+          <a:chExt cx="0" cy="0"/>
+        </a:xfrm>
+      </p:grpSpPr>
+      <p:sp>
+        <p:nvSpPr>
+          <p:cNvPr id="2" name="Slide Image Placeholder 1"/>
+          <p:cNvSpPr>
+            <a:spLocks noGrp="1" noRot="1" noChangeAspect="1"/>
+          </p:cNvSpPr>
+          <p:nvPr>
+            <p:ph type="sldImg"/>
+          </p:nvPr>
+        </p:nvSpPr>
+        <p:spPr/>
+      </p:sp>
+      <p:sp>
+        <p:nvSpPr>
+          <p:cNvPr id="3" name="Notes Placeholder 2"/>
+          <p:cNvSpPr>
+            <a:spLocks noGrp="1"/>
+          </p:cNvSpPr>
+          <p:nvPr>
+            <p:ph type="body" idx="1"/>
+          </p:nvPr>
+        </p:nvSpPr>
+        <p:spPr/>
+        <p:txBody>
+          <a:bodyPr/>
+          <a:lstStyle/>
+          <a:p>
+            <a:endParaRPr lang="en-US" dirty="0"/>
+          </a:p>
+        </p:txBody>
+      </p:sp>
+      <p:sp>
+        <p:nvSpPr>
+          <p:cNvPr id="4" name="Slide Number Placeholder 3"/>
+          <p:cNvSpPr>
+            <a:spLocks noGrp="1"/>
+          </p:cNvSpPr>
+          <p:nvPr>
+            <p:ph type="sldNum" sz="quarter" idx="10"/>
+          </p:nvPr>
+        </p:nvSpPr>
+        <p:spPr/>
+        <p:txBody>
+          <a:bodyPr/>
+          <a:lstStyle/>
+          <a:p>
+            <a:fld id="{A96ED7F8-A0A2-43F5-BEED-47C4E428A0D6}" type="slidenum">
+              <a:rPr lang="en-US" smtClean="0"/>
+              <a:t>17</a:t>
+            </a:fld>
+            <a:endParaRPr lang="en-US"/>
+          </a:p>
+        </p:txBody>
+      </p:sp>
+    </p:spTree>
+    <p:extLst>
+      <p:ext uri="{BB962C8B-B14F-4D97-AF65-F5344CB8AC3E}">
+        <p14:creationId xmlns:p14="http://schemas.microsoft.com/office/powerpoint/2010/main" val="273176686"/>
+      </p:ext>
+    </p:extLst>
+  </p:cSld>
+  <p:clrMapOvr>
+    <a:masterClrMapping/>
+  </p:clrMapOvr>
+</p:notes>
+</file>
+
+<file path=ppt/notesSlides/notesSlide8.xml><?xml version="1.0" encoding="utf-8"?>
+<p:notes xmlns:a="http://purl.oclc.org/ooxml/drawingml/main" xmlns:r="http://purl.oclc.org/ooxml/officeDocument/relationships" xmlns:p="http://purl.oclc.org/ooxml/presentationml/main">
+  <p:cSld>
+    <p:spTree>
+      <p:nvGrpSpPr>
+        <p:cNvPr id="1" name=""/>
+        <p:cNvGrpSpPr/>
+        <p:nvPr/>
+      </p:nvGrpSpPr>
+      <p:grpSpPr>
+        <a:xfrm>
+          <a:off x="0" y="0"/>
+          <a:ext cx="0" cy="0"/>
+          <a:chOff x="0" y="0"/>
+          <a:chExt cx="0" cy="0"/>
+        </a:xfrm>
+      </p:grpSpPr>
+      <p:sp>
+        <p:nvSpPr>
+          <p:cNvPr id="2" name="Slide Image Placeholder 1"/>
+          <p:cNvSpPr>
+            <a:spLocks noGrp="1" noRot="1" noChangeAspect="1"/>
+          </p:cNvSpPr>
+          <p:nvPr>
+            <p:ph type="sldImg"/>
+          </p:nvPr>
+        </p:nvSpPr>
+        <p:spPr/>
+      </p:sp>
+      <p:sp>
+        <p:nvSpPr>
+          <p:cNvPr id="3" name="Notes Placeholder 2"/>
+          <p:cNvSpPr>
+            <a:spLocks noGrp="1"/>
+          </p:cNvSpPr>
+          <p:nvPr>
+            <p:ph type="body" idx="1"/>
+          </p:nvPr>
+        </p:nvSpPr>
+        <p:spPr/>
+        <p:txBody>
+          <a:bodyPr/>
+          <a:lstStyle/>
+          <a:p>
+            <a:r>
+              <a:rPr lang="en-US" dirty="0"/>
+              <a:t>Other company … what I found when I arrived there</a:t>
+            </a:r>
+          </a:p>
+          <a:p>
+            <a:r>
+              <a:rPr lang="en-US" dirty="0"/>
+              <a:t>MVC app</a:t>
+            </a:r>
+          </a:p>
+          <a:p>
+            <a:endParaRPr lang="en-US" dirty="0"/>
+          </a:p>
+          <a:p>
+            <a:r>
+              <a:rPr lang="en-US" dirty="0"/>
+              <a:t>Property containers</a:t>
+            </a:r>
+          </a:p>
+        </p:txBody>
+      </p:sp>
+      <p:sp>
+        <p:nvSpPr>
+          <p:cNvPr id="4" name="Slide Number Placeholder 3"/>
+          <p:cNvSpPr>
+            <a:spLocks noGrp="1"/>
+          </p:cNvSpPr>
+          <p:nvPr>
+            <p:ph type="sldNum" sz="quarter" idx="10"/>
+          </p:nvPr>
+        </p:nvSpPr>
+        <p:spPr/>
+        <p:txBody>
+          <a:bodyPr/>
+          <a:lstStyle/>
+          <a:p>
+            <a:fld id="{A96ED7F8-A0A2-43F5-BEED-47C4E428A0D6}" type="slidenum">
+              <a:rPr lang="en-US" smtClean="0"/>
+              <a:t>18</a:t>
             </a:fld>
             <a:endParaRPr lang="en-US"/>
           </a:p>
@@ -1470,6 +1781,93 @@
     <p:extLst>
       <p:ext uri="{BB962C8B-B14F-4D97-AF65-F5344CB8AC3E}">
         <p14:creationId xmlns:p14="http://schemas.microsoft.com/office/powerpoint/2010/main" val="3839884463"/>
+      </p:ext>
+    </p:extLst>
+  </p:cSld>
+  <p:clrMapOvr>
+    <a:masterClrMapping/>
+  </p:clrMapOvr>
+</p:notes>
+</file>
+
+<file path=ppt/notesSlides/notesSlide9.xml><?xml version="1.0" encoding="utf-8"?>
+<p:notes xmlns:a="http://purl.oclc.org/ooxml/drawingml/main" xmlns:r="http://purl.oclc.org/ooxml/officeDocument/relationships" xmlns:p="http://purl.oclc.org/ooxml/presentationml/main">
+  <p:cSld>
+    <p:spTree>
+      <p:nvGrpSpPr>
+        <p:cNvPr id="1" name=""/>
+        <p:cNvGrpSpPr/>
+        <p:nvPr/>
+      </p:nvGrpSpPr>
+      <p:grpSpPr>
+        <a:xfrm>
+          <a:off x="0" y="0"/>
+          <a:ext cx="0" cy="0"/>
+          <a:chOff x="0" y="0"/>
+          <a:chExt cx="0" cy="0"/>
+        </a:xfrm>
+      </p:grpSpPr>
+      <p:sp>
+        <p:nvSpPr>
+          <p:cNvPr id="2" name="Slide Image Placeholder 1"/>
+          <p:cNvSpPr>
+            <a:spLocks noGrp="1" noRot="1" noChangeAspect="1"/>
+          </p:cNvSpPr>
+          <p:nvPr>
+            <p:ph type="sldImg"/>
+          </p:nvPr>
+        </p:nvSpPr>
+        <p:spPr/>
+      </p:sp>
+      <p:sp>
+        <p:nvSpPr>
+          <p:cNvPr id="3" name="Notes Placeholder 2"/>
+          <p:cNvSpPr>
+            <a:spLocks noGrp="1"/>
+          </p:cNvSpPr>
+          <p:nvPr>
+            <p:ph type="body" idx="1"/>
+          </p:nvPr>
+        </p:nvSpPr>
+        <p:spPr/>
+        <p:txBody>
+          <a:bodyPr/>
+          <a:lstStyle/>
+          <a:p>
+            <a:r>
+              <a:rPr lang="en-US" dirty="0"/>
+              <a:t>Great for querying … the updates are meh</a:t>
+            </a:r>
+          </a:p>
+        </p:txBody>
+      </p:sp>
+      <p:sp>
+        <p:nvSpPr>
+          <p:cNvPr id="4" name="Slide Number Placeholder 3"/>
+          <p:cNvSpPr>
+            <a:spLocks noGrp="1"/>
+          </p:cNvSpPr>
+          <p:nvPr>
+            <p:ph type="sldNum" sz="quarter" idx="10"/>
+          </p:nvPr>
+        </p:nvSpPr>
+        <p:spPr/>
+        <p:txBody>
+          <a:bodyPr/>
+          <a:lstStyle/>
+          <a:p>
+            <a:fld id="{A96ED7F8-A0A2-43F5-BEED-47C4E428A0D6}" type="slidenum">
+              <a:rPr lang="en-US" smtClean="0"/>
+              <a:t>19</a:t>
+            </a:fld>
+            <a:endParaRPr lang="en-US"/>
+          </a:p>
+        </p:txBody>
+      </p:sp>
+    </p:spTree>
+    <p:extLst>
+      <p:ext uri="{BB962C8B-B14F-4D97-AF65-F5344CB8AC3E}">
+        <p14:creationId xmlns:p14="http://schemas.microsoft.com/office/powerpoint/2010/main" val="3251318581"/>
       </p:ext>
     </p:extLst>
   </p:cSld>
@@ -1824,7 +2222,7 @@
           <a:p>
             <a:fld id="{3E9ECFFD-526A-4968-AEB7-DBD6A53DBBB4}" type="datetimeFigureOut">
               <a:rPr lang="en-US" smtClean="0"/>
-              <a:t>8/10/2018</a:t>
+              <a:t>11/13/2018</a:t>
             </a:fld>
             <a:endParaRPr lang="en-US"/>
           </a:p>
@@ -2032,7 +2430,7 @@
           <a:p>
             <a:fld id="{3E9ECFFD-526A-4968-AEB7-DBD6A53DBBB4}" type="datetimeFigureOut">
               <a:rPr lang="en-US" smtClean="0"/>
-              <a:t>8/10/2018</a:t>
+              <a:t>11/13/2018</a:t>
             </a:fld>
             <a:endParaRPr lang="en-US"/>
           </a:p>
@@ -2230,7 +2628,7 @@
           <a:p>
             <a:fld id="{3E9ECFFD-526A-4968-AEB7-DBD6A53DBBB4}" type="datetimeFigureOut">
               <a:rPr lang="en-US" smtClean="0"/>
-              <a:t>8/10/2018</a:t>
+              <a:t>11/13/2018</a:t>
             </a:fld>
             <a:endParaRPr lang="en-US"/>
           </a:p>
@@ -2505,7 +2903,7 @@
           <a:p>
             <a:fld id="{3E9ECFFD-526A-4968-AEB7-DBD6A53DBBB4}" type="datetimeFigureOut">
               <a:rPr lang="en-US" smtClean="0"/>
-              <a:t>8/10/2018</a:t>
+              <a:t>11/13/2018</a:t>
             </a:fld>
             <a:endParaRPr lang="en-US"/>
           </a:p>
@@ -2770,7 +3168,7 @@
           <a:p>
             <a:fld id="{3E9ECFFD-526A-4968-AEB7-DBD6A53DBBB4}" type="datetimeFigureOut">
               <a:rPr lang="en-US" smtClean="0"/>
-              <a:t>8/10/2018</a:t>
+              <a:t>11/13/2018</a:t>
             </a:fld>
             <a:endParaRPr lang="en-US"/>
           </a:p>
@@ -3182,7 +3580,7 @@
           <a:p>
             <a:fld id="{3E9ECFFD-526A-4968-AEB7-DBD6A53DBBB4}" type="datetimeFigureOut">
               <a:rPr lang="en-US" smtClean="0"/>
-              <a:t>8/10/2018</a:t>
+              <a:t>11/13/2018</a:t>
             </a:fld>
             <a:endParaRPr lang="en-US"/>
           </a:p>
@@ -3323,7 +3721,7 @@
           <a:p>
             <a:fld id="{3E9ECFFD-526A-4968-AEB7-DBD6A53DBBB4}" type="datetimeFigureOut">
               <a:rPr lang="en-US" smtClean="0"/>
-              <a:t>8/10/2018</a:t>
+              <a:t>11/13/2018</a:t>
             </a:fld>
             <a:endParaRPr lang="en-US"/>
           </a:p>
@@ -3436,7 +3834,7 @@
           <a:p>
             <a:fld id="{3E9ECFFD-526A-4968-AEB7-DBD6A53DBBB4}" type="datetimeFigureOut">
               <a:rPr lang="en-US" smtClean="0"/>
-              <a:t>8/10/2018</a:t>
+              <a:t>11/13/2018</a:t>
             </a:fld>
             <a:endParaRPr lang="en-US"/>
           </a:p>
@@ -3747,7 +4145,7 @@
           <a:p>
             <a:fld id="{3E9ECFFD-526A-4968-AEB7-DBD6A53DBBB4}" type="datetimeFigureOut">
               <a:rPr lang="en-US" smtClean="0"/>
-              <a:t>8/10/2018</a:t>
+              <a:t>11/13/2018</a:t>
             </a:fld>
             <a:endParaRPr lang="en-US"/>
           </a:p>
@@ -4035,7 +4433,7 @@
           <a:p>
             <a:fld id="{3E9ECFFD-526A-4968-AEB7-DBD6A53DBBB4}" type="datetimeFigureOut">
               <a:rPr lang="en-US" smtClean="0"/>
-              <a:t>8/10/2018</a:t>
+              <a:t>11/13/2018</a:t>
             </a:fld>
             <a:endParaRPr lang="en-US"/>
           </a:p>
@@ -4276,7 +4674,7 @@
           <a:p>
             <a:fld id="{3E9ECFFD-526A-4968-AEB7-DBD6A53DBBB4}" type="datetimeFigureOut">
               <a:rPr lang="en-US" smtClean="0"/>
-              <a:t>8/10/2018</a:t>
+              <a:t>11/13/2018</a:t>
             </a:fld>
             <a:endParaRPr lang="en-US"/>
           </a:p>
@@ -4321,7 +4719,18 @@
             </a:lvl1pPr>
           </a:lstStyle>
           <a:p>
-            <a:endParaRPr lang="en-US"/>
+            <a:r>
+              <a:rPr lang="en-US" dirty="0"/>
+              <a:t>From </a:t>
+            </a:r>
+            <a:r>
+              <a:rPr lang="en-US" dirty="0" err="1"/>
+              <a:t>ddd</a:t>
+            </a:r>
+            <a:r>
+              <a:rPr lang="en-US" dirty="0"/>
+              <a:t> to DDD</a:t>
+            </a:r>
           </a:p>
         </p:txBody>
       </p:sp>
@@ -4709,14 +5118,56 @@
             <p:ph type="ctrTitle"/>
           </p:nvPr>
         </p:nvSpPr>
-        <p:spPr/>
+        <p:spPr>
+          <a:xfrm>
+            <a:off x="655898" y="1238111"/>
+            <a:ext cx="9144000" cy="2387600"/>
+          </a:xfrm>
+        </p:spPr>
         <p:txBody>
           <a:bodyPr/>
           <a:lstStyle/>
           <a:p>
             <a:r>
-              <a:rPr lang="en-US" dirty="0"/>
-              <a:t>From DDD to DDD</a:t>
+              <a:rPr lang="en-US" dirty="0">
+                <a:latin typeface="Ink Free" panose="03080402000500000000" pitchFamily="66" charset="0"/>
+              </a:rPr>
+              <a:t>From </a:t>
+            </a:r>
+            <a:r>
+              <a:rPr lang="en-US" b="1" dirty="0" err="1">
+                <a:solidFill>
+                  <a:srgbClr val="C00000"/>
+                </a:solidFill>
+                <a:latin typeface="Ink Free" panose="03080402000500000000" pitchFamily="66" charset="0"/>
+              </a:rPr>
+              <a:t>ddd</a:t>
+            </a:r>
+            <a:r>
+              <a:rPr lang="en-US" dirty="0">
+                <a:latin typeface="Ink Free" panose="03080402000500000000" pitchFamily="66" charset="0"/>
+              </a:rPr>
+              <a:t> </a:t>
+            </a:r>
+            <a:br>
+              <a:rPr lang="en-US" dirty="0">
+                <a:latin typeface="Ink Free" panose="03080402000500000000" pitchFamily="66" charset="0"/>
+              </a:rPr>
+            </a:br>
+            <a:r>
+              <a:rPr lang="en-US" dirty="0">
+                <a:latin typeface="Ink Free" panose="03080402000500000000" pitchFamily="66" charset="0"/>
+              </a:rPr>
+              <a:t>to </a:t>
+            </a:r>
+            <a:r>
+              <a:rPr lang="en-US" b="1" dirty="0">
+                <a:solidFill>
+                  <a:srgbClr val="4472C4"/>
+                </a:solidFill>
+                <a:latin typeface="Ink Free" panose="03080402000500000000" pitchFamily="66" charset="0"/>
+              </a:rPr>
+              <a:t>DDD</a:t>
             </a:r>
           </a:p>
         </p:txBody>
@@ -4737,31 +5188,296 @@
             <p:ph type="subTitle" idx="1"/>
           </p:nvPr>
         </p:nvSpPr>
-        <p:spPr/>
+        <p:spPr>
+          <a:xfrm>
+            <a:off x="655898" y="3717786"/>
+            <a:ext cx="9144000" cy="1655762"/>
+          </a:xfrm>
+        </p:spPr>
         <p:txBody>
           <a:bodyPr/>
           <a:lstStyle/>
           <a:p>
             <a:r>
-              <a:rPr lang="en-US" dirty="0"/>
-              <a:t>My journey from </a:t>
-            </a:r>
-            <a:r>
-              <a:rPr lang="en-US" b="1" dirty="0"/>
+              <a:rPr lang="en-US" dirty="0">
+                <a:solidFill>
+                  <a:schemeClr val="bg1">
+                    <a:lumMod val="50%"/>
+                  </a:schemeClr>
+                </a:solidFill>
+              </a:rPr>
+              <a:t>An on-going journey</a:t>
+            </a:r>
+          </a:p>
+        </p:txBody>
+      </p:sp>
+      <p:sp>
+        <p:nvSpPr>
+          <p:cNvPr id="4" name="TextBox 3">
+            <a:extLst>
+              <a:ext uri="{FF2B5EF4-FFF2-40B4-BE49-F238E27FC236}">
+                <a16:creationId xmlns:a16="http://schemas.microsoft.com/office/drawing/2014/main" id="{B1D57F69-8128-45E8-8459-119249BAE34E}"/>
+              </a:ext>
+            </a:extLst>
+          </p:cNvPr>
+          <p:cNvSpPr txBox="1"/>
+          <p:nvPr/>
+        </p:nvSpPr>
+        <p:spPr>
+          <a:xfrm rot="636190">
+            <a:off x="7516435" y="1090002"/>
+            <a:ext cx="2848989" cy="830997"/>
+          </a:xfrm>
+          <a:prstGeom prst="rect">
+            <a:avLst/>
+          </a:prstGeom>
+          <a:noFill/>
+        </p:spPr>
+        <p:txBody>
+          <a:bodyPr wrap="square" rtlCol="0">
+            <a:spAutoFit/>
+          </a:bodyPr>
+          <a:lstStyle/>
+          <a:p>
+            <a:r>
+              <a:rPr lang="en-US" sz="2400" b="1" dirty="0">
+                <a:solidFill>
+                  <a:srgbClr val="C00000"/>
+                </a:solidFill>
+                <a:latin typeface="Lucida Handwriting" panose="03010101010101010101" pitchFamily="66" charset="0"/>
+              </a:rPr>
               <a:t>data</a:t>
             </a:r>
             <a:r>
-              <a:rPr lang="en-US" dirty="0"/>
-              <a:t>-driven to </a:t>
-            </a:r>
-            <a:r>
-              <a:rPr lang="en-US" b="1" dirty="0"/>
-              <a:t>domain</a:t>
-            </a:r>
-            <a:r>
-              <a:rPr lang="en-US" dirty="0"/>
-              <a:t>-driven</a:t>
-            </a:r>
+              <a:rPr lang="en-US" sz="2400" b="1" dirty="0">
+                <a:solidFill>
+                  <a:schemeClr val="bg1">
+                    <a:lumMod val="65%"/>
+                  </a:schemeClr>
+                </a:solidFill>
+                <a:latin typeface="Lucida Handwriting" panose="03010101010101010101" pitchFamily="66" charset="0"/>
+              </a:rPr>
+              <a:t>-driven development</a:t>
+            </a:r>
+          </a:p>
+        </p:txBody>
+      </p:sp>
+      <p:sp>
+        <p:nvSpPr>
+          <p:cNvPr id="5" name="TextBox 4">
+            <a:extLst>
+              <a:ext uri="{FF2B5EF4-FFF2-40B4-BE49-F238E27FC236}">
+                <a16:creationId xmlns:a16="http://schemas.microsoft.com/office/drawing/2014/main" id="{2F0CF72B-7633-4783-9306-73FD5AE37CC8}"/>
+              </a:ext>
+            </a:extLst>
+          </p:cNvPr>
+          <p:cNvSpPr txBox="1"/>
+          <p:nvPr/>
+        </p:nvSpPr>
+        <p:spPr>
+          <a:xfrm rot="695110">
+            <a:off x="7410161" y="3540222"/>
+            <a:ext cx="2987211" cy="830997"/>
+          </a:xfrm>
+          <a:prstGeom prst="rect">
+            <a:avLst/>
+          </a:prstGeom>
+          <a:noFill/>
+        </p:spPr>
+        <p:txBody>
+          <a:bodyPr wrap="square" rtlCol="0">
+            <a:spAutoFit/>
+          </a:bodyPr>
+          <a:lstStyle/>
+          <a:p>
+            <a:pPr algn="ctr"/>
+            <a:r>
+              <a:rPr lang="en-US" sz="2400" b="1" dirty="0">
+                <a:solidFill>
+                  <a:schemeClr val="accent5">
+                    <a:lumMod val="75%"/>
+                  </a:schemeClr>
+                </a:solidFill>
+                <a:latin typeface="Lucida Handwriting" panose="03010101010101010101" pitchFamily="66" charset="0"/>
+              </a:rPr>
+              <a:t>Domain</a:t>
+            </a:r>
+            <a:r>
+              <a:rPr lang="en-US" sz="2400" b="1" dirty="0">
+                <a:solidFill>
+                  <a:schemeClr val="bg1">
+                    <a:lumMod val="65%"/>
+                  </a:schemeClr>
+                </a:solidFill>
+                <a:latin typeface="Lucida Handwriting" panose="03010101010101010101" pitchFamily="66" charset="0"/>
+              </a:rPr>
+              <a:t>-driven Design</a:t>
+            </a:r>
+          </a:p>
+        </p:txBody>
+      </p:sp>
+      <p:cxnSp>
+        <p:nvCxnSpPr>
+          <p:cNvPr id="7" name="Connector: Curved 6">
+            <a:extLst>
+              <a:ext uri="{FF2B5EF4-FFF2-40B4-BE49-F238E27FC236}">
+                <a16:creationId xmlns:a16="http://schemas.microsoft.com/office/drawing/2014/main" id="{7CBCABCF-70A5-433C-8944-CB7696C46AFC}"/>
+              </a:ext>
+            </a:extLst>
+          </p:cNvPr>
+          <p:cNvCxnSpPr>
+            <a:cxnSpLocks/>
+          </p:cNvCxnSpPr>
+          <p:nvPr/>
+        </p:nvCxnSpPr>
+        <p:spPr>
+          <a:xfrm rot="5400000">
+            <a:off x="7341398" y="1229259"/>
+            <a:ext cx="492323" cy="1702188"/>
+          </a:xfrm>
+          <a:prstGeom prst="curvedConnector2">
+            <a:avLst/>
+          </a:prstGeom>
+          <a:ln w="28575">
+            <a:solidFill>
+              <a:schemeClr val="bg1">
+                <a:lumMod val="50%"/>
+              </a:schemeClr>
+            </a:solidFill>
+            <a:prstDash val="sysDot"/>
+            <a:tailEnd type="triangle"/>
+          </a:ln>
+        </p:spPr>
+        <p:style>
+          <a:lnRef idx="2">
+            <a:schemeClr val="accent1"/>
+          </a:lnRef>
+          <a:fillRef idx="0">
+            <a:schemeClr val="accent1"/>
+          </a:fillRef>
+          <a:effectRef idx="1">
+            <a:schemeClr val="accent1"/>
+          </a:effectRef>
+          <a:fontRef idx="minor">
+            <a:schemeClr val="tx1"/>
+          </a:fontRef>
+        </p:style>
+      </p:cxnSp>
+      <p:cxnSp>
+        <p:nvCxnSpPr>
+          <p:cNvPr id="8" name="Connector: Curved 7">
+            <a:extLst>
+              <a:ext uri="{FF2B5EF4-FFF2-40B4-BE49-F238E27FC236}">
+                <a16:creationId xmlns:a16="http://schemas.microsoft.com/office/drawing/2014/main" id="{104207E4-FB8A-4CB7-816C-AB7A46A44768}"/>
+              </a:ext>
+            </a:extLst>
+          </p:cNvPr>
+          <p:cNvCxnSpPr>
+            <a:cxnSpLocks/>
+          </p:cNvCxnSpPr>
+          <p:nvPr/>
+        </p:nvCxnSpPr>
+        <p:spPr>
+          <a:xfrm rot="10800000">
+            <a:off x="6609147" y="3140214"/>
+            <a:ext cx="978413" cy="288786"/>
+          </a:xfrm>
+          <a:prstGeom prst="curvedConnector3">
+            <a:avLst>
+              <a:gd name="adj1" fmla="val 50000"/>
+            </a:avLst>
+          </a:prstGeom>
+          <a:ln w="28575">
+            <a:solidFill>
+              <a:schemeClr val="bg1">
+                <a:lumMod val="50%"/>
+              </a:schemeClr>
+            </a:solidFill>
+            <a:prstDash val="sysDot"/>
+            <a:tailEnd type="triangle"/>
+          </a:ln>
+        </p:spPr>
+        <p:style>
+          <a:lnRef idx="2">
+            <a:schemeClr val="accent1"/>
+          </a:lnRef>
+          <a:fillRef idx="0">
+            <a:schemeClr val="accent1"/>
+          </a:fillRef>
+          <a:effectRef idx="1">
+            <a:schemeClr val="accent1"/>
+          </a:effectRef>
+          <a:fontRef idx="minor">
+            <a:schemeClr val="tx1"/>
+          </a:fontRef>
+        </p:style>
+      </p:cxnSp>
+      <p:sp>
+        <p:nvSpPr>
+          <p:cNvPr id="21" name="TextBox 20">
+            <a:extLst>
+              <a:ext uri="{FF2B5EF4-FFF2-40B4-BE49-F238E27FC236}">
+                <a16:creationId xmlns:a16="http://schemas.microsoft.com/office/drawing/2014/main" id="{A782E196-FB89-4E15-87B4-40B356AA43D3}"/>
+              </a:ext>
+            </a:extLst>
+          </p:cNvPr>
+          <p:cNvSpPr txBox="1"/>
+          <p:nvPr/>
+        </p:nvSpPr>
+        <p:spPr>
+          <a:xfrm>
+            <a:off x="6516547" y="6328456"/>
+            <a:ext cx="5486400" cy="369332"/>
+          </a:xfrm>
+          <a:prstGeom prst="rect">
+            <a:avLst/>
+          </a:prstGeom>
+          <a:noFill/>
+        </p:spPr>
+        <p:txBody>
+          <a:bodyPr wrap="square" rtlCol="0">
+            <a:spAutoFit/>
+          </a:bodyPr>
+          <a:lstStyle/>
+          <a:p>
+            <a:pPr algn="r"/>
+            <a:r>
+              <a:rPr lang="en-US" b="1" dirty="0">
+                <a:solidFill>
+                  <a:schemeClr val="bg1">
+                    <a:lumMod val="50%"/>
+                  </a:schemeClr>
+                </a:solidFill>
+              </a:rPr>
+              <a:t>Thibaud Desodt - </a:t>
+            </a:r>
+            <a:r>
+              <a:rPr lang="en-US" dirty="0">
+                <a:solidFill>
+                  <a:schemeClr val="bg1">
+                    <a:lumMod val="50%"/>
+                  </a:schemeClr>
+                </a:solidFill>
+              </a:rPr>
+              <a:t>@</a:t>
+            </a:r>
+            <a:r>
+              <a:rPr lang="en-US" dirty="0" err="1">
+                <a:solidFill>
+                  <a:schemeClr val="bg1">
+                    <a:lumMod val="50%"/>
+                  </a:schemeClr>
+                </a:solidFill>
+              </a:rPr>
+              <a:t>tsimbalar</a:t>
+            </a:r>
+            <a:endParaRPr lang="en-US" dirty="0">
+              <a:solidFill>
+                <a:schemeClr val="bg1">
+                  <a:lumMod val="50%"/>
+                </a:schemeClr>
+              </a:solidFill>
+            </a:endParaRPr>
           </a:p>
         </p:txBody>
       </p:sp>
@@ -4800,7 +5516,7 @@
           <p:cNvPr id="2" name="Title 1">
             <a:extLst>
               <a:ext uri="{FF2B5EF4-FFF2-40B4-BE49-F238E27FC236}">
-                <a16:creationId xmlns:a16="http://schemas.microsoft.com/office/drawing/2014/main" id="{AEBD5852-8A7B-444B-9E3B-53351583E123}"/>
+                <a16:creationId xmlns:a16="http://schemas.microsoft.com/office/drawing/2014/main" id="{C2CEDA87-4C0E-49C2-A791-A82BC62DA3A4}"/>
               </a:ext>
             </a:extLst>
           </p:cNvPr>
@@ -4816,10 +5532,7 @@
           <a:bodyPr/>
           <a:lstStyle/>
           <a:p>
-            <a:r>
-              <a:rPr lang="en-US" dirty="0"/>
-              <a:t>“clean separation”</a:t>
-            </a:r>
+            <a:endParaRPr lang="en-US"/>
           </a:p>
         </p:txBody>
       </p:sp>
@@ -4828,7 +5541,7 @@
           <p:cNvPr id="3" name="Content Placeholder 2">
             <a:extLst>
               <a:ext uri="{FF2B5EF4-FFF2-40B4-BE49-F238E27FC236}">
-                <a16:creationId xmlns:a16="http://schemas.microsoft.com/office/drawing/2014/main" id="{0F1CAD08-E28F-4181-804A-7AD75370632F}"/>
+                <a16:creationId xmlns:a16="http://schemas.microsoft.com/office/drawing/2014/main" id="{6D351904-ABE5-49B3-A7C3-D8BB89FC7B89}"/>
               </a:ext>
             </a:extLst>
           </p:cNvPr>
@@ -4841,82 +5554,110 @@
         </p:nvSpPr>
         <p:spPr/>
         <p:txBody>
-          <a:bodyPr>
-            <a:normAutofit fontScale="85%" lnSpcReduction="20%"/>
+          <a:bodyPr/>
+          <a:lstStyle/>
+          <a:p>
+            <a:endParaRPr lang="en-US" dirty="0"/>
+          </a:p>
+        </p:txBody>
+      </p:sp>
+      <p:pic>
+        <p:nvPicPr>
+          <p:cNvPr id="4" name="Picture 3">
+            <a:extLst>
+              <a:ext uri="{FF2B5EF4-FFF2-40B4-BE49-F238E27FC236}">
+                <a16:creationId xmlns:a16="http://schemas.microsoft.com/office/drawing/2014/main" id="{A2B24010-CBC7-475C-BFAD-D350FB75D94A}"/>
+              </a:ext>
+            </a:extLst>
+          </p:cNvPr>
+          <p:cNvPicPr>
+            <a:picLocks noChangeAspect="1"/>
+          </p:cNvPicPr>
+          <p:nvPr/>
+        </p:nvPicPr>
+        <p:blipFill>
+          <a:blip r:embed="rId2"/>
+          <a:stretch>
+            <a:fillRect/>
+          </a:stretch>
+        </p:blipFill>
+        <p:spPr>
+          <a:xfrm>
+            <a:off x="2548582" y="365125"/>
+            <a:ext cx="7094835" cy="2537680"/>
+          </a:xfrm>
+          <a:prstGeom prst="rect">
+            <a:avLst/>
+          </a:prstGeom>
+        </p:spPr>
+      </p:pic>
+      <p:pic>
+        <p:nvPicPr>
+          <p:cNvPr id="6" name="Picture 5">
+            <a:extLst>
+              <a:ext uri="{FF2B5EF4-FFF2-40B4-BE49-F238E27FC236}">
+                <a16:creationId xmlns:a16="http://schemas.microsoft.com/office/drawing/2014/main" id="{EC5E89EC-E7A3-4641-8E09-970A63EA922A}"/>
+              </a:ext>
+            </a:extLst>
+          </p:cNvPr>
+          <p:cNvPicPr>
+            <a:picLocks noChangeAspect="1"/>
+          </p:cNvPicPr>
+          <p:nvPr/>
+        </p:nvPicPr>
+        <p:blipFill>
+          <a:blip r:embed="rId3"/>
+          <a:stretch>
+            <a:fillRect/>
+          </a:stretch>
+        </p:blipFill>
+        <p:spPr>
+          <a:xfrm>
+            <a:off x="2548582" y="3498541"/>
+            <a:ext cx="7148179" cy="1783235"/>
+          </a:xfrm>
+          <a:prstGeom prst="rect">
+            <a:avLst/>
+          </a:prstGeom>
+        </p:spPr>
+      </p:pic>
+      <p:sp>
+        <p:nvSpPr>
+          <p:cNvPr id="7" name="TextBox 6">
+            <a:extLst>
+              <a:ext uri="{FF2B5EF4-FFF2-40B4-BE49-F238E27FC236}">
+                <a16:creationId xmlns:a16="http://schemas.microsoft.com/office/drawing/2014/main" id="{8181EA04-3FAA-49A5-B97D-E2E67E242E15}"/>
+              </a:ext>
+            </a:extLst>
+          </p:cNvPr>
+          <p:cNvSpPr txBox="1"/>
+          <p:nvPr/>
+        </p:nvSpPr>
+        <p:spPr>
+          <a:xfrm>
+            <a:off x="2743200" y="3090441"/>
+            <a:ext cx="2129742" cy="369332"/>
+          </a:xfrm>
+          <a:prstGeom prst="rect">
+            <a:avLst/>
+          </a:prstGeom>
+          <a:noFill/>
+        </p:spPr>
+        <p:txBody>
+          <a:bodyPr wrap="square" rtlCol="0">
+            <a:spAutoFit/>
           </a:bodyPr>
           <a:lstStyle/>
           <a:p>
             <a:r>
-              <a:rPr lang="en-US" dirty="0"/>
-              <a:t>“services” ~ application services</a:t>
-            </a:r>
-          </a:p>
-          <a:p>
-            <a:r>
-              <a:rPr lang="en-US" dirty="0"/>
-              <a:t>Repositories</a:t>
-            </a:r>
-          </a:p>
-          <a:p>
-            <a:r>
-              <a:rPr lang="en-US" dirty="0"/>
-              <a:t>POCO entities + mapping configuration + </a:t>
-            </a:r>
-            <a:r>
-              <a:rPr lang="en-US" dirty="0" err="1"/>
-              <a:t>db</a:t>
-            </a:r>
-            <a:r>
-              <a:rPr lang="en-US" dirty="0"/>
-              <a:t> schema generated from there</a:t>
-            </a:r>
-          </a:p>
-          <a:p>
-            <a:r>
-              <a:rPr lang="en-US" dirty="0"/>
-              <a:t>Request/Response </a:t>
-            </a:r>
-          </a:p>
-          <a:p>
-            <a:r>
-              <a:rPr lang="en-US" dirty="0"/>
-              <a:t>Those are really transaction script</a:t>
-            </a:r>
-          </a:p>
-          <a:p>
-            <a:r>
-              <a:rPr lang="en-US" dirty="0"/>
-              <a:t>It works ok, it’s straight forward</a:t>
-            </a:r>
-          </a:p>
-          <a:p>
-            <a:r>
-              <a:rPr lang="en-US" dirty="0"/>
-              <a:t>… but leads to lots of duplication (validation / re-validation just to be sure … )</a:t>
-            </a:r>
-          </a:p>
-          <a:p>
-            <a:r>
-              <a:rPr lang="en-US" dirty="0"/>
-              <a:t>All properties are get/set .. Need to be careful = Anemic Domain Model</a:t>
-            </a:r>
-          </a:p>
-          <a:p>
-            <a:r>
-              <a:rPr lang="en-US" dirty="0"/>
-              <a:t>Unit of Work</a:t>
-            </a:r>
-          </a:p>
-          <a:p>
-            <a:r>
-              <a:rPr lang="en-US" dirty="0"/>
-              <a:t>DI-friendly / test friendly</a:t>
-            </a:r>
-          </a:p>
-          <a:p>
-            <a:r>
-              <a:rPr lang="en-US" dirty="0"/>
-              <a:t>Struggling with object graphs that have cycles !</a:t>
+              <a:rPr lang="en-US" b="1" dirty="0">
+                <a:solidFill>
+                  <a:schemeClr val="bg1">
+                    <a:lumMod val="50%"/>
+                  </a:schemeClr>
+                </a:solidFill>
+              </a:rPr>
+              <a:t>(…)</a:t>
             </a:r>
           </a:p>
         </p:txBody>
@@ -4924,7 +5665,7 @@
     </p:spTree>
     <p:extLst>
       <p:ext uri="{BB962C8B-B14F-4D97-AF65-F5344CB8AC3E}">
-        <p14:creationId xmlns:p14="http://schemas.microsoft.com/office/powerpoint/2010/main" val="2499094715"/>
+        <p14:creationId xmlns:p14="http://schemas.microsoft.com/office/powerpoint/2010/main" val="3561233025"/>
       </p:ext>
     </p:extLst>
   </p:cSld>
@@ -4956,7 +5697,7 @@
           <p:cNvPr id="2" name="Title 1">
             <a:extLst>
               <a:ext uri="{FF2B5EF4-FFF2-40B4-BE49-F238E27FC236}">
-                <a16:creationId xmlns:a16="http://schemas.microsoft.com/office/drawing/2014/main" id="{863BD6DA-338C-422C-A0A0-4979EC18ECED}"/>
+                <a16:creationId xmlns:a16="http://schemas.microsoft.com/office/drawing/2014/main" id="{C8C5D4F6-3D95-4530-A18A-A4933BA238B5}"/>
               </a:ext>
             </a:extLst>
           </p:cNvPr>
@@ -4974,7 +5715,7 @@
           <a:p>
             <a:r>
               <a:rPr lang="en-US" dirty="0"/>
-              <a:t>“Aggregates” + “Aggregate roots”</a:t>
+              <a:t>A different context</a:t>
             </a:r>
           </a:p>
         </p:txBody>
@@ -4984,7 +5725,7 @@
           <p:cNvPr id="3" name="Content Placeholder 2">
             <a:extLst>
               <a:ext uri="{FF2B5EF4-FFF2-40B4-BE49-F238E27FC236}">
-                <a16:creationId xmlns:a16="http://schemas.microsoft.com/office/drawing/2014/main" id="{2364F5BC-C63A-4030-9A09-554213A7A5BD}"/>
+                <a16:creationId xmlns:a16="http://schemas.microsoft.com/office/drawing/2014/main" id="{A28DDC50-3C4E-4875-8E64-5444587931AA}"/>
               </a:ext>
             </a:extLst>
           </p:cNvPr>
@@ -4997,41 +5738,341 @@
         </p:nvSpPr>
         <p:spPr/>
         <p:txBody>
-          <a:bodyPr/>
-          <a:lstStyle/>
-          <a:p>
-            <a:r>
-              <a:rPr lang="en-US" dirty="0"/>
-              <a:t>Object graphs are small on purpose and deliberately cut</a:t>
-            </a:r>
-          </a:p>
-          <a:p>
-            <a:r>
-              <a:rPr lang="en-US" dirty="0"/>
-              <a:t>One entry point for aggregate (aggregate root)</a:t>
-            </a:r>
-          </a:p>
-          <a:p>
-            <a:pPr marL="0" indent="0">
-              <a:buNone/>
-            </a:pPr>
+          <a:bodyPr>
+            <a:normAutofit lnSpcReduction="10%"/>
+          </a:bodyPr>
+          <a:lstStyle/>
+          <a:p>
+            <a:r>
+              <a:rPr lang="en-US" dirty="0"/>
+              <a:t>60+ developers spread across the globe</a:t>
+            </a:r>
+          </a:p>
+          <a:p>
+            <a:r>
+              <a:rPr lang="en-US" dirty="0"/>
+              <a:t>Many different systems accessing the database</a:t>
+            </a:r>
+          </a:p>
+          <a:p>
+            <a:r>
+              <a:rPr lang="en-US" dirty="0"/>
+              <a:t>Db replications</a:t>
+            </a:r>
+          </a:p>
+          <a:p>
             <a:endParaRPr lang="en-US" dirty="0"/>
           </a:p>
           <a:p>
-            <a:r>
-              <a:rPr lang="en-US" dirty="0"/>
-              <a:t>-&gt; this works well for Write side .. Painful for queries (we want to express complex queries, with JOINs all over the place for views)</a:t>
-            </a:r>
-          </a:p>
-          <a:p>
             <a:endParaRPr lang="en-US" dirty="0"/>
           </a:p>
-        </p:txBody>
-      </p:sp>
+          <a:p>
+            <a:r>
+              <a:rPr lang="en-US" dirty="0"/>
+              <a:t>Team of 20 DBAs</a:t>
+            </a:r>
+          </a:p>
+          <a:p>
+            <a:r>
+              <a:rPr lang="en-US" dirty="0"/>
+              <a:t>The “database” committee</a:t>
+            </a:r>
+          </a:p>
+          <a:p>
+            <a:r>
+              <a:rPr lang="en-US" dirty="0"/>
+              <a:t>The “database” change process</a:t>
+            </a:r>
+          </a:p>
+          <a:p>
+            <a:r>
+              <a:rPr lang="en-US" dirty="0"/>
+              <a:t>The “meta-database”</a:t>
+            </a:r>
+          </a:p>
+        </p:txBody>
+      </p:sp>
+      <p:sp>
+        <p:nvSpPr>
+          <p:cNvPr id="6" name="TextBox 5">
+            <a:extLst>
+              <a:ext uri="{FF2B5EF4-FFF2-40B4-BE49-F238E27FC236}">
+                <a16:creationId xmlns:a16="http://schemas.microsoft.com/office/drawing/2014/main" id="{06EF7B28-CA5D-44B4-AC23-4D4113657025}"/>
+              </a:ext>
+            </a:extLst>
+          </p:cNvPr>
+          <p:cNvSpPr txBox="1"/>
+          <p:nvPr/>
+        </p:nvSpPr>
+        <p:spPr>
+          <a:xfrm>
+            <a:off x="7639562" y="4156687"/>
+            <a:ext cx="4804544" cy="2308324"/>
+          </a:xfrm>
+          <a:prstGeom prst="rect">
+            <a:avLst/>
+          </a:prstGeom>
+          <a:noFill/>
+        </p:spPr>
+        <p:txBody>
+          <a:bodyPr wrap="square" rtlCol="0">
+            <a:spAutoFit/>
+          </a:bodyPr>
+          <a:lstStyle/>
+          <a:p>
+            <a:r>
+              <a:rPr lang="en-US" sz="2400" b="1" dirty="0">
+                <a:solidFill>
+                  <a:schemeClr val="bg1">
+                    <a:lumMod val="50%"/>
+                  </a:schemeClr>
+                </a:solidFill>
+                <a:latin typeface="Lucida Handwriting" panose="03010101010101010101" pitchFamily="66" charset="0"/>
+              </a:rPr>
+              <a:t>All that stuff …</a:t>
+            </a:r>
+          </a:p>
+          <a:p>
+            <a:r>
+              <a:rPr lang="en-US" sz="2400" b="1" dirty="0">
+                <a:solidFill>
+                  <a:schemeClr val="bg1">
+                    <a:lumMod val="50%"/>
+                  </a:schemeClr>
+                </a:solidFill>
+                <a:latin typeface="Lucida Handwriting" panose="03010101010101010101" pitchFamily="66" charset="0"/>
+              </a:rPr>
+              <a:t>… to solve technical problems</a:t>
+            </a:r>
+          </a:p>
+          <a:p>
+            <a:r>
+              <a:rPr lang="en-US" sz="2400" b="1" dirty="0">
+                <a:solidFill>
+                  <a:schemeClr val="bg1">
+                    <a:lumMod val="50%"/>
+                  </a:schemeClr>
+                </a:solidFill>
+                <a:latin typeface="Lucida Handwriting" panose="03010101010101010101" pitchFamily="66" charset="0"/>
+              </a:rPr>
+              <a:t>… introduced by technical people</a:t>
+            </a:r>
+          </a:p>
+          <a:p>
+            <a:r>
+              <a:rPr lang="en-US" sz="2400" b="1" dirty="0">
+                <a:solidFill>
+                  <a:schemeClr val="bg1">
+                    <a:lumMod val="50%"/>
+                  </a:schemeClr>
+                </a:solidFill>
+                <a:latin typeface="Lucida Handwriting" panose="03010101010101010101" pitchFamily="66" charset="0"/>
+              </a:rPr>
+              <a:t>… with no value</a:t>
+            </a:r>
+          </a:p>
+        </p:txBody>
+      </p:sp>
+      <p:cxnSp>
+        <p:nvCxnSpPr>
+          <p:cNvPr id="7" name="Connector: Curved 6">
+            <a:extLst>
+              <a:ext uri="{FF2B5EF4-FFF2-40B4-BE49-F238E27FC236}">
+                <a16:creationId xmlns:a16="http://schemas.microsoft.com/office/drawing/2014/main" id="{0F5F3AAB-5F0A-4E3F-A448-081D691F9755}"/>
+              </a:ext>
+            </a:extLst>
+          </p:cNvPr>
+          <p:cNvCxnSpPr>
+            <a:cxnSpLocks/>
+          </p:cNvCxnSpPr>
+          <p:nvPr/>
+        </p:nvCxnSpPr>
+        <p:spPr>
+          <a:xfrm rot="10800000">
+            <a:off x="4884517" y="4386806"/>
+            <a:ext cx="2575723" cy="526177"/>
+          </a:xfrm>
+          <a:prstGeom prst="curvedConnector3">
+            <a:avLst>
+              <a:gd name="adj1" fmla="val 50000"/>
+            </a:avLst>
+          </a:prstGeom>
+          <a:ln w="28575">
+            <a:solidFill>
+              <a:schemeClr val="bg1">
+                <a:lumMod val="50%"/>
+              </a:schemeClr>
+            </a:solidFill>
+            <a:prstDash val="sysDot"/>
+            <a:tailEnd type="triangle"/>
+          </a:ln>
+        </p:spPr>
+        <p:style>
+          <a:lnRef idx="2">
+            <a:schemeClr val="accent1"/>
+          </a:lnRef>
+          <a:fillRef idx="0">
+            <a:schemeClr val="accent1"/>
+          </a:fillRef>
+          <a:effectRef idx="1">
+            <a:schemeClr val="accent1"/>
+          </a:effectRef>
+          <a:fontRef idx="minor">
+            <a:schemeClr val="tx1"/>
+          </a:fontRef>
+        </p:style>
+      </p:cxnSp>
+      <p:cxnSp>
+        <p:nvCxnSpPr>
+          <p:cNvPr id="8" name="Connector: Curved 7">
+            <a:extLst>
+              <a:ext uri="{FF2B5EF4-FFF2-40B4-BE49-F238E27FC236}">
+                <a16:creationId xmlns:a16="http://schemas.microsoft.com/office/drawing/2014/main" id="{E6940A28-341B-4D6D-AD59-A77ED971AA97}"/>
+              </a:ext>
+            </a:extLst>
+          </p:cNvPr>
+          <p:cNvCxnSpPr>
+            <a:cxnSpLocks/>
+          </p:cNvCxnSpPr>
+          <p:nvPr/>
+        </p:nvCxnSpPr>
+        <p:spPr>
+          <a:xfrm rot="10800000">
+            <a:off x="5220183" y="4768590"/>
+            <a:ext cx="2240057" cy="296793"/>
+          </a:xfrm>
+          <a:prstGeom prst="curvedConnector3">
+            <a:avLst>
+              <a:gd name="adj1" fmla="val 50000"/>
+            </a:avLst>
+          </a:prstGeom>
+          <a:ln w="28575">
+            <a:solidFill>
+              <a:schemeClr val="bg1">
+                <a:lumMod val="50%"/>
+              </a:schemeClr>
+            </a:solidFill>
+            <a:prstDash val="sysDot"/>
+            <a:tailEnd type="triangle"/>
+          </a:ln>
+        </p:spPr>
+        <p:style>
+          <a:lnRef idx="2">
+            <a:schemeClr val="accent1"/>
+          </a:lnRef>
+          <a:fillRef idx="0">
+            <a:schemeClr val="accent1"/>
+          </a:fillRef>
+          <a:effectRef idx="1">
+            <a:schemeClr val="accent1"/>
+          </a:effectRef>
+          <a:fontRef idx="minor">
+            <a:schemeClr val="tx1"/>
+          </a:fontRef>
+        </p:style>
+      </p:cxnSp>
+      <p:cxnSp>
+        <p:nvCxnSpPr>
+          <p:cNvPr id="10" name="Connector: Curved 9">
+            <a:extLst>
+              <a:ext uri="{FF2B5EF4-FFF2-40B4-BE49-F238E27FC236}">
+                <a16:creationId xmlns:a16="http://schemas.microsoft.com/office/drawing/2014/main" id="{B6A1DF8C-A71E-43E8-B582-5F52F4D8C09D}"/>
+              </a:ext>
+            </a:extLst>
+          </p:cNvPr>
+          <p:cNvCxnSpPr>
+            <a:cxnSpLocks/>
+          </p:cNvCxnSpPr>
+          <p:nvPr/>
+        </p:nvCxnSpPr>
+        <p:spPr>
+          <a:xfrm rot="10800000" flipV="1">
+            <a:off x="5822067" y="5217783"/>
+            <a:ext cx="1790575" cy="65786"/>
+          </a:xfrm>
+          <a:prstGeom prst="curvedConnector3">
+            <a:avLst>
+              <a:gd name="adj1" fmla="val 50000"/>
+            </a:avLst>
+          </a:prstGeom>
+          <a:ln w="28575">
+            <a:solidFill>
+              <a:schemeClr val="bg1">
+                <a:lumMod val="50%"/>
+              </a:schemeClr>
+            </a:solidFill>
+            <a:prstDash val="sysDot"/>
+            <a:tailEnd type="triangle"/>
+          </a:ln>
+        </p:spPr>
+        <p:style>
+          <a:lnRef idx="2">
+            <a:schemeClr val="accent1"/>
+          </a:lnRef>
+          <a:fillRef idx="0">
+            <a:schemeClr val="accent1"/>
+          </a:fillRef>
+          <a:effectRef idx="1">
+            <a:schemeClr val="accent1"/>
+          </a:effectRef>
+          <a:fontRef idx="minor">
+            <a:schemeClr val="tx1"/>
+          </a:fontRef>
+        </p:style>
+      </p:cxnSp>
+      <p:cxnSp>
+        <p:nvCxnSpPr>
+          <p:cNvPr id="12" name="Connector: Curved 11">
+            <a:extLst>
+              <a:ext uri="{FF2B5EF4-FFF2-40B4-BE49-F238E27FC236}">
+                <a16:creationId xmlns:a16="http://schemas.microsoft.com/office/drawing/2014/main" id="{314BF61F-014A-4738-9707-D1D4F231549B}"/>
+              </a:ext>
+            </a:extLst>
+          </p:cNvPr>
+          <p:cNvCxnSpPr>
+            <a:cxnSpLocks/>
+          </p:cNvCxnSpPr>
+          <p:nvPr/>
+        </p:nvCxnSpPr>
+        <p:spPr>
+          <a:xfrm rot="10800000" flipV="1">
+            <a:off x="4307716" y="5360728"/>
+            <a:ext cx="3304927" cy="379866"/>
+          </a:xfrm>
+          <a:prstGeom prst="curvedConnector3">
+            <a:avLst>
+              <a:gd name="adj1" fmla="val 50000"/>
+            </a:avLst>
+          </a:prstGeom>
+          <a:ln w="28575">
+            <a:solidFill>
+              <a:schemeClr val="bg1">
+                <a:lumMod val="50%"/>
+              </a:schemeClr>
+            </a:solidFill>
+            <a:prstDash val="sysDot"/>
+            <a:tailEnd type="triangle"/>
+          </a:ln>
+        </p:spPr>
+        <p:style>
+          <a:lnRef idx="2">
+            <a:schemeClr val="accent1"/>
+          </a:lnRef>
+          <a:fillRef idx="0">
+            <a:schemeClr val="accent1"/>
+          </a:fillRef>
+          <a:effectRef idx="1">
+            <a:schemeClr val="accent1"/>
+          </a:effectRef>
+          <a:fontRef idx="minor">
+            <a:schemeClr val="tx1"/>
+          </a:fontRef>
+        </p:style>
+      </p:cxnSp>
     </p:spTree>
     <p:extLst>
       <p:ext uri="{BB962C8B-B14F-4D97-AF65-F5344CB8AC3E}">
-        <p14:creationId xmlns:p14="http://schemas.microsoft.com/office/powerpoint/2010/main" val="1760046519"/>
+        <p14:creationId xmlns:p14="http://schemas.microsoft.com/office/powerpoint/2010/main" val="96469397"/>
       </p:ext>
     </p:extLst>
   </p:cSld>
@@ -5063,7 +6104,7 @@
           <p:cNvPr id="2" name="Title 1">
             <a:extLst>
               <a:ext uri="{FF2B5EF4-FFF2-40B4-BE49-F238E27FC236}">
-                <a16:creationId xmlns:a16="http://schemas.microsoft.com/office/drawing/2014/main" id="{9C8DC6E9-CECB-4DC9-BFFB-F60C1D7ACB2B}"/>
+                <a16:creationId xmlns:a16="http://schemas.microsoft.com/office/drawing/2014/main" id="{FA9B8060-B60D-4DF2-A1CA-AE66C23863EC}"/>
               </a:ext>
             </a:extLst>
           </p:cNvPr>
@@ -5081,7 +6122,7 @@
           <a:p>
             <a:r>
               <a:rPr lang="en-US" dirty="0"/>
-              <a:t>Splitting Reads and Writes</a:t>
+              <a:t>Many issues</a:t>
             </a:r>
           </a:p>
         </p:txBody>
@@ -5091,7 +6132,7 @@
           <p:cNvPr id="3" name="Content Placeholder 2">
             <a:extLst>
               <a:ext uri="{FF2B5EF4-FFF2-40B4-BE49-F238E27FC236}">
-                <a16:creationId xmlns:a16="http://schemas.microsoft.com/office/drawing/2014/main" id="{02E930ED-8BF9-4969-BA28-77AA450118A1}"/>
+                <a16:creationId xmlns:a16="http://schemas.microsoft.com/office/drawing/2014/main" id="{7BFAA05B-A9BB-43F3-A28E-DFCE648F1067}"/>
               </a:ext>
             </a:extLst>
           </p:cNvPr>
@@ -5104,86 +6145,30 @@
         </p:nvSpPr>
         <p:spPr/>
         <p:txBody>
-          <a:bodyPr>
-            <a:normAutofit/>
-          </a:bodyPr>
-          <a:lstStyle/>
-          <a:p>
-            <a:r>
-              <a:rPr lang="en-US" dirty="0"/>
-              <a:t>Projections for Reads</a:t>
-            </a:r>
-          </a:p>
-          <a:p>
-            <a:r>
-              <a:rPr lang="en-US" dirty="0"/>
-              <a:t>Entities for Writes</a:t>
-            </a:r>
-          </a:p>
-          <a:p>
-            <a:r>
-              <a:rPr lang="en-US" dirty="0"/>
-              <a:t>Still using the same underlying </a:t>
-            </a:r>
-            <a:r>
-              <a:rPr lang="en-US" dirty="0" err="1"/>
-              <a:t>DbContext</a:t>
-            </a:r>
-            <a:r>
-              <a:rPr lang="en-US" dirty="0"/>
-              <a:t>, but deliberately hiding things from the Write side</a:t>
-            </a:r>
-          </a:p>
-          <a:p>
-            <a:r>
-              <a:rPr lang="en-US" dirty="0"/>
-              <a:t>Repository vs Query services</a:t>
-            </a:r>
-          </a:p>
-          <a:p>
-            <a:r>
-              <a:rPr lang="en-US" dirty="0"/>
-              <a:t>Repository only have a few methods </a:t>
-            </a:r>
-            <a:r>
-              <a:rPr lang="en-US" dirty="0" err="1"/>
-              <a:t>getById</a:t>
-            </a:r>
-            <a:r>
-              <a:rPr lang="en-US" dirty="0"/>
-              <a:t> / </a:t>
-            </a:r>
-            <a:r>
-              <a:rPr lang="en-US" dirty="0" err="1"/>
-              <a:t>getByCode</a:t>
-            </a:r>
-            <a:r>
-              <a:rPr lang="en-US" dirty="0"/>
-              <a:t> / Add + use change-tracking + </a:t>
-            </a:r>
-            <a:r>
-              <a:rPr lang="en-US" dirty="0" err="1"/>
-              <a:t>UnitOfWork</a:t>
-            </a:r>
-            <a:r>
-              <a:rPr lang="en-US" dirty="0"/>
-              <a:t> for transaction …</a:t>
-            </a:r>
-          </a:p>
-          <a:p>
-            <a:r>
-              <a:rPr lang="en-US" dirty="0" err="1"/>
-              <a:t>QueryService</a:t>
-            </a:r>
-            <a:r>
-              <a:rPr lang="en-US" dirty="0"/>
-              <a:t> are richer and return DTOs (no change tracking)</a:t>
-            </a:r>
-          </a:p>
-          <a:p>
-            <a:r>
-              <a:rPr lang="en-US" dirty="0"/>
-              <a:t>Actually even different instances of Db Context for Reads and Writes</a:t>
+          <a:bodyPr/>
+          <a:lstStyle/>
+          <a:p>
+            <a:r>
+              <a:rPr lang="en-US" dirty="0"/>
+              <a:t>Evolution is impossible / hard</a:t>
+            </a:r>
+          </a:p>
+          <a:p>
+            <a:r>
+              <a:rPr lang="en-US" dirty="0"/>
+              <a:t>Testing is hard</a:t>
+            </a:r>
+          </a:p>
+          <a:p>
+            <a:r>
+              <a:rPr lang="en-US" dirty="0"/>
+              <a:t>Versioning / collaboration is hard</a:t>
+            </a:r>
+          </a:p>
+          <a:p>
+            <a:r>
+              <a:rPr lang="en-US" dirty="0"/>
+              <a:t>Performance is meh</a:t>
             </a:r>
           </a:p>
         </p:txBody>
@@ -5191,7 +6176,7 @@
     </p:spTree>
     <p:extLst>
       <p:ext uri="{BB962C8B-B14F-4D97-AF65-F5344CB8AC3E}">
-        <p14:creationId xmlns:p14="http://schemas.microsoft.com/office/powerpoint/2010/main" val="1166694785"/>
+        <p14:creationId xmlns:p14="http://schemas.microsoft.com/office/powerpoint/2010/main" val="2994675664"/>
       </p:ext>
     </p:extLst>
   </p:cSld>
@@ -5223,7 +6208,7 @@
           <p:cNvPr id="2" name="Title 1">
             <a:extLst>
               <a:ext uri="{FF2B5EF4-FFF2-40B4-BE49-F238E27FC236}">
-                <a16:creationId xmlns:a16="http://schemas.microsoft.com/office/drawing/2014/main" id="{87BCBC24-8ECA-4E48-9F04-B6421560E589}"/>
+                <a16:creationId xmlns:a16="http://schemas.microsoft.com/office/drawing/2014/main" id="{C8C5D4F6-3D95-4530-A18A-A4933BA238B5}"/>
               </a:ext>
             </a:extLst>
           </p:cNvPr>
@@ -5241,7 +6226,7 @@
           <a:p>
             <a:r>
               <a:rPr lang="en-US" dirty="0"/>
-              <a:t>Enforcing invariants</a:t>
+              <a:t>“the” solution ….</a:t>
             </a:r>
           </a:p>
         </p:txBody>
@@ -5251,7 +6236,7 @@
           <p:cNvPr id="3" name="Content Placeholder 2">
             <a:extLst>
               <a:ext uri="{FF2B5EF4-FFF2-40B4-BE49-F238E27FC236}">
-                <a16:creationId xmlns:a16="http://schemas.microsoft.com/office/drawing/2014/main" id="{05B31D8B-66A4-4A62-AE55-1AEC65FC0AEC}"/>
+                <a16:creationId xmlns:a16="http://schemas.microsoft.com/office/drawing/2014/main" id="{A28DDC50-3C4E-4875-8E64-5444587931AA}"/>
               </a:ext>
             </a:extLst>
           </p:cNvPr>
@@ -5265,95 +6250,283 @@
         <p:spPr/>
         <p:txBody>
           <a:bodyPr>
-            <a:normAutofit lnSpcReduction="10%"/>
+            <a:normAutofit/>
           </a:bodyPr>
           <a:lstStyle/>
           <a:p>
             <a:r>
               <a:rPr lang="en-US" dirty="0"/>
-              <a:t>Entities vs Persistence model</a:t>
-            </a:r>
-          </a:p>
-          <a:p>
-            <a:r>
-              <a:rPr lang="en-US" dirty="0"/>
-              <a:t>Use EF tracking</a:t>
-            </a:r>
-          </a:p>
-          <a:p>
-            <a:r>
-              <a:rPr lang="en-US" dirty="0"/>
-              <a:t>… without EF constraints (getters/setters), empty constructor </a:t>
-            </a:r>
-            <a:r>
-              <a:rPr lang="en-US" dirty="0" err="1"/>
-              <a:t>etc</a:t>
-            </a:r>
-            <a:endParaRPr lang="en-US" dirty="0"/>
-          </a:p>
-          <a:p>
-            <a:r>
-              <a:rPr lang="en-US" dirty="0" err="1"/>
-              <a:t>Entity.FromState</a:t>
-            </a:r>
-            <a:r>
-              <a:rPr lang="en-US" dirty="0"/>
-              <a:t>() … called from Repos</a:t>
-            </a:r>
-          </a:p>
-          <a:p>
-            <a:r>
-              <a:rPr lang="en-US" dirty="0"/>
-              <a:t>New Entity() (+param validation) called from </a:t>
-            </a:r>
-            <a:r>
-              <a:rPr lang="en-US" dirty="0" err="1"/>
-              <a:t>AppServices</a:t>
-            </a:r>
-            <a:endParaRPr lang="en-US" dirty="0"/>
-          </a:p>
-          <a:p>
-            <a:r>
-              <a:rPr lang="en-US" dirty="0" err="1"/>
-              <a:t>Repo.GetById</a:t>
-            </a:r>
-            <a:r>
-              <a:rPr lang="en-US" dirty="0"/>
-              <a:t>() … </a:t>
-            </a:r>
-            <a:r>
-              <a:rPr lang="en-US" dirty="0" err="1"/>
-              <a:t>entity.DoThis</a:t>
-            </a:r>
-            <a:r>
-              <a:rPr lang="en-US" dirty="0"/>
-              <a:t>() … </a:t>
-            </a:r>
-            <a:r>
-              <a:rPr lang="en-US" dirty="0" err="1"/>
-              <a:t>UnitOfWork.Save</a:t>
-            </a:r>
-            <a:r>
-              <a:rPr lang="en-US" dirty="0"/>
-              <a:t>()</a:t>
-            </a:r>
-          </a:p>
-          <a:p>
-            <a:r>
-              <a:rPr lang="en-US" dirty="0"/>
-              <a:t>Easy to test for entities</a:t>
-            </a:r>
-          </a:p>
-          <a:p>
-            <a:r>
-              <a:rPr lang="en-US" dirty="0"/>
-              <a:t>Impossible state impossible to represent (or almost :p)</a:t>
-            </a:r>
-          </a:p>
-          <a:p>
-            <a:r>
-              <a:rPr lang="en-US" dirty="0"/>
-              <a:t>Logic is mostly in the Entities</a:t>
+              <a:t>Team of 20 DBAs</a:t>
+            </a:r>
+          </a:p>
+          <a:p>
+            <a:r>
+              <a:rPr lang="en-US" dirty="0"/>
+              <a:t>The “database” committee</a:t>
+            </a:r>
+          </a:p>
+          <a:p>
+            <a:r>
+              <a:rPr lang="en-US" dirty="0"/>
+              <a:t>The “database” change process</a:t>
+            </a:r>
+          </a:p>
+          <a:p>
+            <a:r>
+              <a:rPr lang="en-US" dirty="0"/>
+              <a:t>The “meta-database”</a:t>
+            </a:r>
+          </a:p>
+        </p:txBody>
+      </p:sp>
+      <p:sp>
+        <p:nvSpPr>
+          <p:cNvPr id="6" name="TextBox 5">
+            <a:extLst>
+              <a:ext uri="{FF2B5EF4-FFF2-40B4-BE49-F238E27FC236}">
+                <a16:creationId xmlns:a16="http://schemas.microsoft.com/office/drawing/2014/main" id="{06EF7B28-CA5D-44B4-AC23-4D4113657025}"/>
+              </a:ext>
+            </a:extLst>
+          </p:cNvPr>
+          <p:cNvSpPr txBox="1"/>
+          <p:nvPr/>
+        </p:nvSpPr>
+        <p:spPr>
+          <a:xfrm>
+            <a:off x="4757195" y="4156687"/>
+            <a:ext cx="8148577" cy="1569660"/>
+          </a:xfrm>
+          <a:prstGeom prst="rect">
+            <a:avLst/>
+          </a:prstGeom>
+          <a:noFill/>
+        </p:spPr>
+        <p:txBody>
+          <a:bodyPr wrap="square" rtlCol="0">
+            <a:spAutoFit/>
+          </a:bodyPr>
+          <a:lstStyle/>
+          <a:p>
+            <a:r>
+              <a:rPr lang="en-US" sz="2400" b="1" dirty="0">
+                <a:solidFill>
+                  <a:srgbClr val="4472C4"/>
+                </a:solidFill>
+                <a:latin typeface="Lucida Handwriting" panose="03010101010101010101" pitchFamily="66" charset="0"/>
+              </a:rPr>
+              <a:t>Technical</a:t>
+            </a:r>
+            <a:r>
+              <a:rPr lang="en-US" sz="2400" dirty="0">
+                <a:solidFill>
+                  <a:schemeClr val="bg1">
+                    <a:lumMod val="50%"/>
+                  </a:schemeClr>
+                </a:solidFill>
+                <a:latin typeface="Lucida Handwriting" panose="03010101010101010101" pitchFamily="66" charset="0"/>
+              </a:rPr>
+              <a:t> solutions</a:t>
+            </a:r>
+          </a:p>
+          <a:p>
+            <a:r>
+              <a:rPr lang="en-US" sz="2400" dirty="0">
+                <a:solidFill>
+                  <a:schemeClr val="bg1">
+                    <a:lumMod val="50%"/>
+                  </a:schemeClr>
+                </a:solidFill>
+                <a:latin typeface="Lucida Handwriting" panose="03010101010101010101" pitchFamily="66" charset="0"/>
+              </a:rPr>
+              <a:t>… to solve </a:t>
+            </a:r>
+            <a:r>
+              <a:rPr lang="en-US" sz="2400" b="1" dirty="0">
+                <a:solidFill>
+                  <a:srgbClr val="4472C4"/>
+                </a:solidFill>
+                <a:latin typeface="Lucida Handwriting" panose="03010101010101010101" pitchFamily="66" charset="0"/>
+              </a:rPr>
+              <a:t>technical</a:t>
+            </a:r>
+            <a:r>
+              <a:rPr lang="en-US" sz="2400" dirty="0">
+                <a:solidFill>
+                  <a:schemeClr val="bg1">
+                    <a:lumMod val="50%"/>
+                  </a:schemeClr>
+                </a:solidFill>
+                <a:latin typeface="Lucida Handwriting" panose="03010101010101010101" pitchFamily="66" charset="0"/>
+              </a:rPr>
+              <a:t>  </a:t>
+            </a:r>
+            <a:r>
+              <a:rPr lang="en-US" sz="2400" b="1" dirty="0">
+                <a:solidFill>
+                  <a:schemeClr val="bg1">
+                    <a:lumMod val="50%"/>
+                  </a:schemeClr>
+                </a:solidFill>
+                <a:latin typeface="Lucida Handwriting" panose="03010101010101010101" pitchFamily="66" charset="0"/>
+              </a:rPr>
+              <a:t>issues</a:t>
+            </a:r>
+          </a:p>
+          <a:p>
+            <a:r>
+              <a:rPr lang="en-US" sz="2400" dirty="0">
+                <a:solidFill>
+                  <a:schemeClr val="bg1">
+                    <a:lumMod val="50%"/>
+                  </a:schemeClr>
+                </a:solidFill>
+                <a:latin typeface="Lucida Handwriting" panose="03010101010101010101" pitchFamily="66" charset="0"/>
+              </a:rPr>
+              <a:t>… introduced by bad </a:t>
+            </a:r>
+            <a:r>
+              <a:rPr lang="en-US" sz="2400" b="1" dirty="0">
+                <a:solidFill>
+                  <a:srgbClr val="4472C4"/>
+                </a:solidFill>
+                <a:latin typeface="Lucida Handwriting" panose="03010101010101010101" pitchFamily="66" charset="0"/>
+              </a:rPr>
+              <a:t>technical</a:t>
+            </a:r>
+            <a:r>
+              <a:rPr lang="en-US" sz="2400" b="1" dirty="0">
+                <a:solidFill>
+                  <a:schemeClr val="bg1">
+                    <a:lumMod val="50%"/>
+                  </a:schemeClr>
+                </a:solidFill>
+                <a:latin typeface="Lucida Handwriting" panose="03010101010101010101" pitchFamily="66" charset="0"/>
+              </a:rPr>
+              <a:t> decisions</a:t>
+            </a:r>
+          </a:p>
+          <a:p>
+            <a:r>
+              <a:rPr lang="en-US" sz="2400" dirty="0">
+                <a:solidFill>
+                  <a:schemeClr val="bg1">
+                    <a:lumMod val="50%"/>
+                  </a:schemeClr>
+                </a:solidFill>
+                <a:latin typeface="Lucida Handwriting" panose="03010101010101010101" pitchFamily="66" charset="0"/>
+              </a:rPr>
+              <a:t>… with </a:t>
+            </a:r>
+            <a:r>
+              <a:rPr lang="en-US" sz="2400" b="1" dirty="0">
+                <a:solidFill>
+                  <a:srgbClr val="C00000"/>
+                </a:solidFill>
+                <a:latin typeface="Lucida Handwriting" panose="03010101010101010101" pitchFamily="66" charset="0"/>
+              </a:rPr>
+              <a:t>no value </a:t>
+            </a:r>
+            <a:r>
+              <a:rPr lang="en-US" sz="2400" dirty="0">
+                <a:solidFill>
+                  <a:schemeClr val="bg1">
+                    <a:lumMod val="50%"/>
+                  </a:schemeClr>
+                </a:solidFill>
+                <a:latin typeface="Lucida Handwriting" panose="03010101010101010101" pitchFamily="66" charset="0"/>
+              </a:rPr>
+              <a:t>to the users</a:t>
+            </a:r>
+          </a:p>
+        </p:txBody>
+      </p:sp>
+      <p:cxnSp>
+        <p:nvCxnSpPr>
+          <p:cNvPr id="7" name="Connector: Curved 6">
+            <a:extLst>
+              <a:ext uri="{FF2B5EF4-FFF2-40B4-BE49-F238E27FC236}">
+                <a16:creationId xmlns:a16="http://schemas.microsoft.com/office/drawing/2014/main" id="{0F5F3AAB-5F0A-4E3F-A448-081D691F9755}"/>
+              </a:ext>
+            </a:extLst>
+          </p:cNvPr>
+          <p:cNvCxnSpPr>
+            <a:cxnSpLocks/>
+            <a:stCxn id="6" idx="0"/>
+          </p:cNvCxnSpPr>
+          <p:nvPr/>
+        </p:nvCxnSpPr>
+        <p:spPr>
+          <a:xfrm rot="16200000" flipV="1">
+            <a:off x="6677511" y="2002714"/>
+            <a:ext cx="1648844" cy="2659102"/>
+          </a:xfrm>
+          <a:prstGeom prst="curvedConnector2">
+            <a:avLst/>
+          </a:prstGeom>
+          <a:ln w="28575">
+            <a:solidFill>
+              <a:schemeClr val="bg1">
+                <a:lumMod val="50%"/>
+              </a:schemeClr>
+            </a:solidFill>
+            <a:prstDash val="sysDot"/>
+            <a:tailEnd type="triangle"/>
+          </a:ln>
+        </p:spPr>
+        <p:style>
+          <a:lnRef idx="2">
+            <a:schemeClr val="accent1"/>
+          </a:lnRef>
+          <a:fillRef idx="0">
+            <a:schemeClr val="accent1"/>
+          </a:fillRef>
+          <a:effectRef idx="1">
+            <a:schemeClr val="accent1"/>
+          </a:effectRef>
+          <a:fontRef idx="minor">
+            <a:schemeClr val="tx1"/>
+          </a:fontRef>
+        </p:style>
+      </p:cxnSp>
+      <p:sp>
+        <p:nvSpPr>
+          <p:cNvPr id="13" name="TextBox 12">
+            <a:extLst>
+              <a:ext uri="{FF2B5EF4-FFF2-40B4-BE49-F238E27FC236}">
+                <a16:creationId xmlns:a16="http://schemas.microsoft.com/office/drawing/2014/main" id="{32E0EB55-E4A4-4E05-8F8F-D5BB6030230B}"/>
+              </a:ext>
+            </a:extLst>
+          </p:cNvPr>
+          <p:cNvSpPr txBox="1"/>
+          <p:nvPr/>
+        </p:nvSpPr>
+        <p:spPr>
+          <a:xfrm>
+            <a:off x="4816606" y="5779261"/>
+            <a:ext cx="5370653" cy="461665"/>
+          </a:xfrm>
+          <a:prstGeom prst="rect">
+            <a:avLst/>
+          </a:prstGeom>
+          <a:noFill/>
+        </p:spPr>
+        <p:txBody>
+          <a:bodyPr wrap="square" rtlCol="0">
+            <a:spAutoFit/>
+          </a:bodyPr>
+          <a:lstStyle/>
+          <a:p>
+            <a:r>
+              <a:rPr lang="en-US" sz="2400" b="1" dirty="0">
+                <a:solidFill>
+                  <a:schemeClr val="tx1">
+                    <a:lumMod val="50%"/>
+                    <a:lumOff val="50%"/>
+                  </a:schemeClr>
+                </a:solidFill>
+                <a:latin typeface="Lucida Handwriting" panose="03010101010101010101" pitchFamily="66" charset="0"/>
+              </a:rPr>
+              <a:t>= Accidental complexity</a:t>
             </a:r>
           </a:p>
         </p:txBody>
@@ -5361,7 +6534,7 @@
     </p:spTree>
     <p:extLst>
       <p:ext uri="{BB962C8B-B14F-4D97-AF65-F5344CB8AC3E}">
-        <p14:creationId xmlns:p14="http://schemas.microsoft.com/office/powerpoint/2010/main" val="478231040"/>
+        <p14:creationId xmlns:p14="http://schemas.microsoft.com/office/powerpoint/2010/main" val="150959763"/>
       </p:ext>
     </p:extLst>
   </p:cSld>
@@ -5393,7 +6566,7 @@
           <p:cNvPr id="2" name="Title 1">
             <a:extLst>
               <a:ext uri="{FF2B5EF4-FFF2-40B4-BE49-F238E27FC236}">
-                <a16:creationId xmlns:a16="http://schemas.microsoft.com/office/drawing/2014/main" id="{EC2237E3-5B42-451B-AD12-D5493FF609A1}"/>
+                <a16:creationId xmlns:a16="http://schemas.microsoft.com/office/drawing/2014/main" id="{FA9B8060-B60D-4DF2-A1CA-AE66C23863EC}"/>
               </a:ext>
             </a:extLst>
           </p:cNvPr>
@@ -5411,7 +6584,7 @@
           <a:p>
             <a:r>
               <a:rPr lang="en-US" dirty="0"/>
-              <a:t>Publishing notifications</a:t>
+              <a:t>Many issues</a:t>
             </a:r>
           </a:p>
         </p:txBody>
@@ -5421,7 +6594,7 @@
           <p:cNvPr id="3" name="Content Placeholder 2">
             <a:extLst>
               <a:ext uri="{FF2B5EF4-FFF2-40B4-BE49-F238E27FC236}">
-                <a16:creationId xmlns:a16="http://schemas.microsoft.com/office/drawing/2014/main" id="{EB382917-F74E-4624-9508-C178CF5A4862}"/>
+                <a16:creationId xmlns:a16="http://schemas.microsoft.com/office/drawing/2014/main" id="{7BFAA05B-A9BB-43F3-A28E-DFCE648F1067}"/>
               </a:ext>
             </a:extLst>
           </p:cNvPr>
@@ -5439,38 +6612,848 @@
           <a:p>
             <a:r>
               <a:rPr lang="en-US" dirty="0"/>
-              <a:t>Other downstream systems need information</a:t>
-            </a:r>
-          </a:p>
-          <a:p>
-            <a:r>
-              <a:rPr lang="en-US" dirty="0"/>
-              <a:t>Entity actions generate Domain Events (stored locally)</a:t>
-            </a:r>
-          </a:p>
-          <a:p>
-            <a:r>
-              <a:rPr lang="en-US" dirty="0"/>
-              <a:t>AppService publishes those events (</a:t>
-            </a:r>
-            <a:r>
-              <a:rPr lang="en-US" dirty="0" err="1"/>
-              <a:t>RabbitMq</a:t>
-            </a:r>
-            <a:r>
-              <a:rPr lang="en-US" dirty="0"/>
-              <a:t>) for external consumers</a:t>
-            </a:r>
-          </a:p>
-          <a:p>
-            <a:endParaRPr lang="en-US" dirty="0"/>
+              <a:t>Database first … not impossible but : </a:t>
+            </a:r>
+          </a:p>
+          <a:p>
+            <a:pPr lvl="1"/>
+            <a:r>
+              <a:rPr lang="en-US" dirty="0"/>
+              <a:t>Evolution can be hard</a:t>
+            </a:r>
+          </a:p>
+          <a:p>
+            <a:pPr lvl="1"/>
+            <a:r>
+              <a:rPr lang="en-US" dirty="0"/>
+              <a:t>Testing is hard</a:t>
+            </a:r>
+          </a:p>
+          <a:p>
+            <a:pPr lvl="1"/>
+            <a:r>
+              <a:rPr lang="en-US" dirty="0"/>
+              <a:t>T-SQL is not very nice</a:t>
+            </a:r>
+          </a:p>
+          <a:p>
+            <a:pPr lvl="1"/>
+            <a:r>
+              <a:rPr lang="en-US" dirty="0"/>
+              <a:t>Versioning / collaboration</a:t>
+            </a:r>
+          </a:p>
+          <a:p>
+            <a:pPr lvl="1"/>
+            <a:r>
+              <a:rPr lang="en-US" dirty="0"/>
+              <a:t>Lots of accidental complexity when adding cross-cutting concerns</a:t>
+            </a:r>
           </a:p>
         </p:txBody>
       </p:sp>
     </p:spTree>
     <p:extLst>
       <p:ext uri="{BB962C8B-B14F-4D97-AF65-F5344CB8AC3E}">
-        <p14:creationId xmlns:p14="http://schemas.microsoft.com/office/powerpoint/2010/main" val="1860602411"/>
+        <p14:creationId xmlns:p14="http://schemas.microsoft.com/office/powerpoint/2010/main" val="4188602339"/>
+      </p:ext>
+    </p:extLst>
+  </p:cSld>
+  <p:clrMapOvr>
+    <a:masterClrMapping/>
+  </p:clrMapOvr>
+</p:sld>
+</file>
+
+<file path=ppt/slides/slide15.xml><?xml version="1.0" encoding="utf-8"?>
+<p:sld xmlns:a="http://purl.oclc.org/ooxml/drawingml/main" xmlns:r="http://purl.oclc.org/ooxml/officeDocument/relationships" xmlns:p="http://purl.oclc.org/ooxml/presentationml/main">
+  <p:cSld>
+    <p:spTree>
+      <p:nvGrpSpPr>
+        <p:cNvPr id="1" name=""/>
+        <p:cNvGrpSpPr/>
+        <p:nvPr/>
+      </p:nvGrpSpPr>
+      <p:grpSpPr>
+        <a:xfrm>
+          <a:off x="0" y="0"/>
+          <a:ext cx="0" cy="0"/>
+          <a:chOff x="0" y="0"/>
+          <a:chExt cx="0" cy="0"/>
+        </a:xfrm>
+      </p:grpSpPr>
+      <p:sp>
+        <p:nvSpPr>
+          <p:cNvPr id="2" name="Title 1">
+            <a:extLst>
+              <a:ext uri="{FF2B5EF4-FFF2-40B4-BE49-F238E27FC236}">
+                <a16:creationId xmlns:a16="http://schemas.microsoft.com/office/drawing/2014/main" id="{AF7ED201-7B38-4B93-A231-75D8EA61C99C}"/>
+              </a:ext>
+            </a:extLst>
+          </p:cNvPr>
+          <p:cNvSpPr>
+            <a:spLocks noGrp="1"/>
+          </p:cNvSpPr>
+          <p:nvPr>
+            <p:ph type="title"/>
+          </p:nvPr>
+        </p:nvSpPr>
+        <p:spPr/>
+        <p:txBody>
+          <a:bodyPr/>
+          <a:lstStyle/>
+          <a:p>
+            <a:endParaRPr lang="en-US"/>
+          </a:p>
+        </p:txBody>
+      </p:sp>
+      <p:pic>
+        <p:nvPicPr>
+          <p:cNvPr id="12" name="Content Placeholder 4">
+            <a:extLst>
+              <a:ext uri="{FF2B5EF4-FFF2-40B4-BE49-F238E27FC236}">
+                <a16:creationId xmlns:a16="http://schemas.microsoft.com/office/drawing/2014/main" id="{53373934-FAE3-4B8B-9686-9CB0C0D85CFC}"/>
+              </a:ext>
+            </a:extLst>
+          </p:cNvPr>
+          <p:cNvPicPr>
+            <a:picLocks noGrp="1" noChangeAspect="1"/>
+          </p:cNvPicPr>
+          <p:nvPr>
+            <p:ph idx="1"/>
+          </p:nvPr>
+        </p:nvPicPr>
+        <p:blipFill>
+          <a:blip r:embed="rId2">
+            <a:extLst>
+              <a:ext uri="{28A0092B-C50C-407E-A947-70E740481C1C}">
+                <a14:useLocalDpi xmlns:a14="http://schemas.microsoft.com/office/drawing/2010/main" val="0"/>
+              </a:ext>
+            </a:extLst>
+          </a:blip>
+          <a:stretch>
+            <a:fillRect/>
+          </a:stretch>
+        </p:blipFill>
+        <p:spPr>
+          <a:xfrm>
+            <a:off x="7950079" y="0"/>
+            <a:ext cx="4483434" cy="4595149"/>
+          </a:xfrm>
+        </p:spPr>
+      </p:pic>
+      <p:pic>
+        <p:nvPicPr>
+          <p:cNvPr id="14" name="Picture 13">
+            <a:extLst>
+              <a:ext uri="{FF2B5EF4-FFF2-40B4-BE49-F238E27FC236}">
+                <a16:creationId xmlns:a16="http://schemas.microsoft.com/office/drawing/2014/main" id="{04333A5B-1CAE-488E-90B1-1D5FC649C1CB}"/>
+              </a:ext>
+            </a:extLst>
+          </p:cNvPr>
+          <p:cNvPicPr>
+            <a:picLocks noChangeAspect="1"/>
+          </p:cNvPicPr>
+          <p:nvPr/>
+        </p:nvPicPr>
+        <p:blipFill>
+          <a:blip r:embed="rId3">
+            <a:extLst>
+              <a:ext uri="{28A0092B-C50C-407E-A947-70E740481C1C}">
+                <a14:useLocalDpi xmlns:a14="http://schemas.microsoft.com/office/drawing/2010/main" val="0"/>
+              </a:ext>
+            </a:extLst>
+          </a:blip>
+          <a:stretch>
+            <a:fillRect/>
+          </a:stretch>
+        </p:blipFill>
+        <p:spPr>
+          <a:xfrm>
+            <a:off x="6603998" y="2808734"/>
+            <a:ext cx="8917245" cy="4765153"/>
+          </a:xfrm>
+          <a:prstGeom prst="rect">
+            <a:avLst/>
+          </a:prstGeom>
+        </p:spPr>
+      </p:pic>
+      <p:pic>
+        <p:nvPicPr>
+          <p:cNvPr id="7" name="Content Placeholder 4">
+            <a:extLst>
+              <a:ext uri="{FF2B5EF4-FFF2-40B4-BE49-F238E27FC236}">
+                <a16:creationId xmlns:a16="http://schemas.microsoft.com/office/drawing/2014/main" id="{441851CB-1692-4065-9A8B-A80F3C81D5B1}"/>
+              </a:ext>
+            </a:extLst>
+          </p:cNvPr>
+          <p:cNvPicPr>
+            <a:picLocks noChangeAspect="1"/>
+          </p:cNvPicPr>
+          <p:nvPr/>
+        </p:nvPicPr>
+        <p:blipFill>
+          <a:blip r:embed="rId4">
+            <a:extLst>
+              <a:ext uri="{28A0092B-C50C-407E-A947-70E740481C1C}">
+                <a14:useLocalDpi xmlns:a14="http://schemas.microsoft.com/office/drawing/2010/main" val="0"/>
+              </a:ext>
+            </a:extLst>
+          </a:blip>
+          <a:stretch>
+            <a:fillRect/>
+          </a:stretch>
+        </p:blipFill>
+        <p:spPr>
+          <a:xfrm>
+            <a:off x="-555331" y="0"/>
+            <a:ext cx="8505409" cy="6121657"/>
+          </a:xfrm>
+          <a:prstGeom prst="rect">
+            <a:avLst/>
+          </a:prstGeom>
+        </p:spPr>
+      </p:pic>
+      <p:pic>
+        <p:nvPicPr>
+          <p:cNvPr id="16" name="Picture 15">
+            <a:extLst>
+              <a:ext uri="{FF2B5EF4-FFF2-40B4-BE49-F238E27FC236}">
+                <a16:creationId xmlns:a16="http://schemas.microsoft.com/office/drawing/2014/main" id="{9B7D3F9F-C359-4F73-B442-3FB3ED0FFB18}"/>
+              </a:ext>
+            </a:extLst>
+          </p:cNvPr>
+          <p:cNvPicPr>
+            <a:picLocks noChangeAspect="1"/>
+          </p:cNvPicPr>
+          <p:nvPr/>
+        </p:nvPicPr>
+        <p:blipFill>
+          <a:blip r:embed="rId5">
+            <a:extLst>
+              <a:ext uri="{28A0092B-C50C-407E-A947-70E740481C1C}">
+                <a14:useLocalDpi xmlns:a14="http://schemas.microsoft.com/office/drawing/2010/main" val="0"/>
+              </a:ext>
+            </a:extLst>
+          </a:blip>
+          <a:stretch>
+            <a:fillRect/>
+          </a:stretch>
+        </p:blipFill>
+        <p:spPr>
+          <a:xfrm>
+            <a:off x="3714750" y="1738312"/>
+            <a:ext cx="4762500" cy="3381375"/>
+          </a:xfrm>
+          <a:prstGeom prst="rect">
+            <a:avLst/>
+          </a:prstGeom>
+        </p:spPr>
+      </p:pic>
+    </p:spTree>
+    <p:extLst>
+      <p:ext uri="{BB962C8B-B14F-4D97-AF65-F5344CB8AC3E}">
+        <p14:creationId xmlns:p14="http://schemas.microsoft.com/office/powerpoint/2010/main" val="3103803863"/>
+      </p:ext>
+    </p:extLst>
+  </p:cSld>
+  <p:clrMapOvr>
+    <a:masterClrMapping/>
+  </p:clrMapOvr>
+  <p:timing>
+    <p:tnLst>
+      <p:par>
+        <p:cTn id="1" dur="indefinite" restart="never" nodeType="tmRoot">
+          <p:childTnLst>
+            <p:seq concurrent="1" nextAc="seek">
+              <p:cTn id="2" dur="indefinite" nodeType="mainSeq">
+                <p:childTnLst>
+                  <p:par>
+                    <p:cTn id="3" fill="hold">
+                      <p:stCondLst>
+                        <p:cond delay="indefinite"/>
+                      </p:stCondLst>
+                      <p:childTnLst>
+                        <p:par>
+                          <p:cTn id="4" fill="hold">
+                            <p:stCondLst>
+                              <p:cond delay="0"/>
+                            </p:stCondLst>
+                            <p:childTnLst>
+                              <p:par>
+                                <p:cTn id="5" presetID="1" presetClass="entr" presetSubtype="0" fill="hold" nodeType="clickEffect">
+                                  <p:stCondLst>
+                                    <p:cond delay="0"/>
+                                  </p:stCondLst>
+                                  <p:childTnLst>
+                                    <p:set>
+                                      <p:cBhvr>
+                                        <p:cTn id="6" dur="1" fill="hold">
+                                          <p:stCondLst>
+                                            <p:cond delay="0"/>
+                                          </p:stCondLst>
+                                        </p:cTn>
+                                        <p:tgtEl>
+                                          <p:spTgt spid="16"/>
+                                        </p:tgtEl>
+                                        <p:attrNameLst>
+                                          <p:attrName>style.visibility</p:attrName>
+                                        </p:attrNameLst>
+                                      </p:cBhvr>
+                                      <p:to>
+                                        <p:strVal val="visible"/>
+                                      </p:to>
+                                    </p:set>
+                                  </p:childTnLst>
+                                </p:cTn>
+                              </p:par>
+                            </p:childTnLst>
+                          </p:cTn>
+                        </p:par>
+                      </p:childTnLst>
+                    </p:cTn>
+                  </p:par>
+                </p:childTnLst>
+              </p:cTn>
+              <p:prevCondLst>
+                <p:cond evt="onPrev" delay="0">
+                  <p:tgtEl>
+                    <p:sldTgt/>
+                  </p:tgtEl>
+                </p:cond>
+              </p:prevCondLst>
+              <p:nextCondLst>
+                <p:cond evt="onNext" delay="0">
+                  <p:tgtEl>
+                    <p:sldTgt/>
+                  </p:tgtEl>
+                </p:cond>
+              </p:nextCondLst>
+            </p:seq>
+          </p:childTnLst>
+        </p:cTn>
+      </p:par>
+    </p:tnLst>
+  </p:timing>
+</p:sld>
+</file>
+
+<file path=ppt/slides/slide16.xml><?xml version="1.0" encoding="utf-8"?>
+<p:sld xmlns:a="http://purl.oclc.org/ooxml/drawingml/main" xmlns:r="http://purl.oclc.org/ooxml/officeDocument/relationships" xmlns:p="http://purl.oclc.org/ooxml/presentationml/main">
+  <p:cSld>
+    <p:spTree>
+      <p:nvGrpSpPr>
+        <p:cNvPr id="1" name=""/>
+        <p:cNvGrpSpPr/>
+        <p:nvPr/>
+      </p:nvGrpSpPr>
+      <p:grpSpPr>
+        <a:xfrm>
+          <a:off x="0" y="0"/>
+          <a:ext cx="0" cy="0"/>
+          <a:chOff x="0" y="0"/>
+          <a:chExt cx="0" cy="0"/>
+        </a:xfrm>
+      </p:grpSpPr>
+      <p:sp>
+        <p:nvSpPr>
+          <p:cNvPr id="2" name="Title 1">
+            <a:extLst>
+              <a:ext uri="{FF2B5EF4-FFF2-40B4-BE49-F238E27FC236}">
+                <a16:creationId xmlns:a16="http://schemas.microsoft.com/office/drawing/2014/main" id="{7F8ED4CF-9686-4257-9128-C9C99B4CA9F0}"/>
+              </a:ext>
+            </a:extLst>
+          </p:cNvPr>
+          <p:cNvSpPr>
+            <a:spLocks noGrp="1"/>
+          </p:cNvSpPr>
+          <p:nvPr>
+            <p:ph type="title"/>
+          </p:nvPr>
+        </p:nvSpPr>
+        <p:spPr/>
+        <p:txBody>
+          <a:bodyPr/>
+          <a:lstStyle/>
+          <a:p>
+            <a:r>
+              <a:rPr lang="en-US" dirty="0"/>
+              <a:t>Strategies : table clusters</a:t>
+            </a:r>
+          </a:p>
+        </p:txBody>
+      </p:sp>
+      <p:sp>
+        <p:nvSpPr>
+          <p:cNvPr id="3" name="Content Placeholder 2">
+            <a:extLst>
+              <a:ext uri="{FF2B5EF4-FFF2-40B4-BE49-F238E27FC236}">
+                <a16:creationId xmlns:a16="http://schemas.microsoft.com/office/drawing/2014/main" id="{04C056FA-CD17-4249-837E-2223D1D2C1DB}"/>
+              </a:ext>
+            </a:extLst>
+          </p:cNvPr>
+          <p:cNvSpPr>
+            <a:spLocks noGrp="1"/>
+          </p:cNvSpPr>
+          <p:nvPr>
+            <p:ph idx="1"/>
+          </p:nvPr>
+        </p:nvSpPr>
+        <p:spPr/>
+        <p:txBody>
+          <a:bodyPr/>
+          <a:lstStyle/>
+          <a:p>
+            <a:r>
+              <a:rPr lang="en-US" dirty="0"/>
+              <a:t>Isolate tables and define which ones belong to you</a:t>
+            </a:r>
+          </a:p>
+          <a:p>
+            <a:r>
+              <a:rPr lang="en-US" dirty="0"/>
+              <a:t>Convention to ignore some fields</a:t>
+            </a:r>
+          </a:p>
+          <a:p>
+            <a:r>
+              <a:rPr lang="en-US" dirty="0"/>
+              <a:t>Cut the dependency graph</a:t>
+            </a:r>
+          </a:p>
+          <a:p>
+            <a:r>
+              <a:rPr lang="en-US" dirty="0"/>
+              <a:t>It can be hard in a “normalized” database</a:t>
+            </a:r>
+          </a:p>
+        </p:txBody>
+      </p:sp>
+    </p:spTree>
+    <p:extLst>
+      <p:ext uri="{BB962C8B-B14F-4D97-AF65-F5344CB8AC3E}">
+        <p14:creationId xmlns:p14="http://schemas.microsoft.com/office/powerpoint/2010/main" val="2748209223"/>
+      </p:ext>
+    </p:extLst>
+  </p:cSld>
+  <p:clrMapOvr>
+    <a:masterClrMapping/>
+  </p:clrMapOvr>
+</p:sld>
+</file>
+
+<file path=ppt/slides/slide17.xml><?xml version="1.0" encoding="utf-8"?>
+<p:sld xmlns:a="http://purl.oclc.org/ooxml/drawingml/main" xmlns:r="http://purl.oclc.org/ooxml/officeDocument/relationships" xmlns:p="http://purl.oclc.org/ooxml/presentationml/main">
+  <p:cSld>
+    <p:spTree>
+      <p:nvGrpSpPr>
+        <p:cNvPr id="1" name=""/>
+        <p:cNvGrpSpPr/>
+        <p:nvPr/>
+      </p:nvGrpSpPr>
+      <p:grpSpPr>
+        <a:xfrm>
+          <a:off x="0" y="0"/>
+          <a:ext cx="0" cy="0"/>
+          <a:chOff x="0" y="0"/>
+          <a:chExt cx="0" cy="0"/>
+        </a:xfrm>
+      </p:grpSpPr>
+      <p:sp>
+        <p:nvSpPr>
+          <p:cNvPr id="2" name="Title 1">
+            <a:extLst>
+              <a:ext uri="{FF2B5EF4-FFF2-40B4-BE49-F238E27FC236}">
+                <a16:creationId xmlns:a16="http://schemas.microsoft.com/office/drawing/2014/main" id="{0FBAC234-45DE-4478-BC78-AD63B0E33690}"/>
+              </a:ext>
+            </a:extLst>
+          </p:cNvPr>
+          <p:cNvSpPr>
+            <a:spLocks noGrp="1"/>
+          </p:cNvSpPr>
+          <p:nvPr>
+            <p:ph type="title"/>
+          </p:nvPr>
+        </p:nvSpPr>
+        <p:spPr/>
+        <p:txBody>
+          <a:bodyPr/>
+          <a:lstStyle/>
+          <a:p>
+            <a:r>
+              <a:rPr lang="en-US" dirty="0"/>
+              <a:t>From </a:t>
+            </a:r>
+            <a:r>
+              <a:rPr lang="en-US" dirty="0" err="1"/>
+              <a:t>db</a:t>
+            </a:r>
+            <a:r>
+              <a:rPr lang="en-US" dirty="0"/>
+              <a:t>-first to model-first</a:t>
+            </a:r>
+          </a:p>
+        </p:txBody>
+      </p:sp>
+      <p:sp>
+        <p:nvSpPr>
+          <p:cNvPr id="3" name="Content Placeholder 2">
+            <a:extLst>
+              <a:ext uri="{FF2B5EF4-FFF2-40B4-BE49-F238E27FC236}">
+                <a16:creationId xmlns:a16="http://schemas.microsoft.com/office/drawing/2014/main" id="{242C1F45-C783-40BE-9DB1-E71FBD900DCD}"/>
+              </a:ext>
+            </a:extLst>
+          </p:cNvPr>
+          <p:cNvSpPr>
+            <a:spLocks noGrp="1"/>
+          </p:cNvSpPr>
+          <p:nvPr>
+            <p:ph idx="1"/>
+          </p:nvPr>
+        </p:nvSpPr>
+        <p:spPr/>
+        <p:txBody>
+          <a:bodyPr/>
+          <a:lstStyle/>
+          <a:p>
+            <a:r>
+              <a:rPr lang="en-US" dirty="0"/>
+              <a:t>Get the logic out of the database</a:t>
+            </a:r>
+          </a:p>
+          <a:p>
+            <a:endParaRPr lang="en-US" dirty="0"/>
+          </a:p>
+          <a:p>
+            <a:r>
+              <a:rPr lang="en-US" dirty="0"/>
+              <a:t>We want automated testing</a:t>
+            </a:r>
+          </a:p>
+          <a:p>
+            <a:r>
+              <a:rPr lang="en-US" dirty="0"/>
+              <a:t>We want expressive code</a:t>
+            </a:r>
+          </a:p>
+          <a:p>
+            <a:endParaRPr lang="en-US" dirty="0"/>
+          </a:p>
+        </p:txBody>
+      </p:sp>
+    </p:spTree>
+    <p:extLst>
+      <p:ext uri="{BB962C8B-B14F-4D97-AF65-F5344CB8AC3E}">
+        <p14:creationId xmlns:p14="http://schemas.microsoft.com/office/powerpoint/2010/main" val="2919989880"/>
+      </p:ext>
+    </p:extLst>
+  </p:cSld>
+  <p:clrMapOvr>
+    <a:masterClrMapping/>
+  </p:clrMapOvr>
+</p:sld>
+</file>
+
+<file path=ppt/slides/slide18.xml><?xml version="1.0" encoding="utf-8"?>
+<p:sld xmlns:a="http://purl.oclc.org/ooxml/drawingml/main" xmlns:r="http://purl.oclc.org/ooxml/officeDocument/relationships" xmlns:p="http://purl.oclc.org/ooxml/presentationml/main">
+  <p:cSld>
+    <p:spTree>
+      <p:nvGrpSpPr>
+        <p:cNvPr id="1" name=""/>
+        <p:cNvGrpSpPr/>
+        <p:nvPr/>
+      </p:nvGrpSpPr>
+      <p:grpSpPr>
+        <a:xfrm>
+          <a:off x="0" y="0"/>
+          <a:ext cx="0" cy="0"/>
+          <a:chOff x="0" y="0"/>
+          <a:chExt cx="0" cy="0"/>
+        </a:xfrm>
+      </p:grpSpPr>
+      <p:sp>
+        <p:nvSpPr>
+          <p:cNvPr id="2" name="Title 1">
+            <a:extLst>
+              <a:ext uri="{FF2B5EF4-FFF2-40B4-BE49-F238E27FC236}">
+                <a16:creationId xmlns:a16="http://schemas.microsoft.com/office/drawing/2014/main" id="{5689B6AA-3EC0-4461-9B03-B16C85179F17}"/>
+              </a:ext>
+            </a:extLst>
+          </p:cNvPr>
+          <p:cNvSpPr>
+            <a:spLocks noGrp="1"/>
+          </p:cNvSpPr>
+          <p:nvPr>
+            <p:ph type="title"/>
+          </p:nvPr>
+        </p:nvSpPr>
+        <p:spPr/>
+        <p:txBody>
+          <a:bodyPr/>
+          <a:lstStyle/>
+          <a:p>
+            <a:r>
+              <a:rPr lang="en-US" dirty="0"/>
+              <a:t>ORM</a:t>
+            </a:r>
+          </a:p>
+        </p:txBody>
+      </p:sp>
+      <p:sp>
+        <p:nvSpPr>
+          <p:cNvPr id="3" name="Content Placeholder 2">
+            <a:extLst>
+              <a:ext uri="{FF2B5EF4-FFF2-40B4-BE49-F238E27FC236}">
+                <a16:creationId xmlns:a16="http://schemas.microsoft.com/office/drawing/2014/main" id="{6EF8BC7C-638B-4DA6-915D-990ED16CA411}"/>
+              </a:ext>
+            </a:extLst>
+          </p:cNvPr>
+          <p:cNvSpPr>
+            <a:spLocks noGrp="1"/>
+          </p:cNvSpPr>
+          <p:nvPr>
+            <p:ph idx="1"/>
+          </p:nvPr>
+        </p:nvSpPr>
+        <p:spPr/>
+        <p:txBody>
+          <a:bodyPr>
+            <a:normAutofit lnSpcReduction="10%"/>
+          </a:bodyPr>
+          <a:lstStyle/>
+          <a:p>
+            <a:r>
+              <a:rPr lang="en-US" dirty="0"/>
+              <a:t>Entity Framework</a:t>
+            </a:r>
+          </a:p>
+          <a:p>
+            <a:r>
+              <a:rPr lang="en-US" dirty="0"/>
+              <a:t>Generate </a:t>
+            </a:r>
+            <a:r>
+              <a:rPr lang="en-US" dirty="0" err="1"/>
+              <a:t>DbContext</a:t>
+            </a:r>
+            <a:r>
+              <a:rPr lang="en-US" dirty="0"/>
+              <a:t> / </a:t>
+            </a:r>
+            <a:r>
+              <a:rPr lang="en-US" dirty="0" err="1"/>
+              <a:t>DbSets</a:t>
+            </a:r>
+            <a:r>
+              <a:rPr lang="en-US" dirty="0"/>
+              <a:t> from the Db</a:t>
+            </a:r>
+          </a:p>
+          <a:p>
+            <a:r>
+              <a:rPr lang="en-US" dirty="0"/>
+              <a:t>“Entities” are pretty much DTOs / mapping from table (actually they are generated !) + annotations ... </a:t>
+            </a:r>
+          </a:p>
+          <a:p>
+            <a:r>
+              <a:rPr lang="en-US" dirty="0"/>
+              <a:t>Logic in the code (yay) … </a:t>
+            </a:r>
+          </a:p>
+          <a:p>
+            <a:r>
+              <a:rPr lang="en-US" dirty="0"/>
+              <a:t>… in the controllers U_U</a:t>
+            </a:r>
+          </a:p>
+          <a:p>
+            <a:r>
+              <a:rPr lang="en-US" dirty="0"/>
+              <a:t>Hard coded Entity Framework</a:t>
+            </a:r>
+          </a:p>
+          <a:p>
+            <a:r>
+              <a:rPr lang="en-US" dirty="0"/>
+              <a:t>Lazy-loading : terrible perf</a:t>
+            </a:r>
+          </a:p>
+          <a:p>
+            <a:r>
+              <a:rPr lang="en-US" dirty="0"/>
+              <a:t>In controllers …. Like the demo code from MSDN </a:t>
+            </a:r>
+            <a:r>
+              <a:rPr lang="en-US" dirty="0">
+                <a:sym typeface="Wingdings" panose="05000000000000000000" pitchFamily="2" charset="2"/>
+              </a:rPr>
+              <a:t></a:t>
+            </a:r>
+            <a:endParaRPr lang="en-US" dirty="0"/>
+          </a:p>
+        </p:txBody>
+      </p:sp>
+    </p:spTree>
+    <p:extLst>
+      <p:ext uri="{BB962C8B-B14F-4D97-AF65-F5344CB8AC3E}">
+        <p14:creationId xmlns:p14="http://schemas.microsoft.com/office/powerpoint/2010/main" val="1878143345"/>
+      </p:ext>
+    </p:extLst>
+  </p:cSld>
+  <p:clrMapOvr>
+    <a:masterClrMapping/>
+  </p:clrMapOvr>
+</p:sld>
+</file>
+
+<file path=ppt/slides/slide19.xml><?xml version="1.0" encoding="utf-8"?>
+<p:sld xmlns:a="http://purl.oclc.org/ooxml/drawingml/main" xmlns:r="http://purl.oclc.org/ooxml/officeDocument/relationships" xmlns:p="http://purl.oclc.org/ooxml/presentationml/main">
+  <p:cSld>
+    <p:spTree>
+      <p:nvGrpSpPr>
+        <p:cNvPr id="1" name=""/>
+        <p:cNvGrpSpPr/>
+        <p:nvPr/>
+      </p:nvGrpSpPr>
+      <p:grpSpPr>
+        <a:xfrm>
+          <a:off x="0" y="0"/>
+          <a:ext cx="0" cy="0"/>
+          <a:chOff x="0" y="0"/>
+          <a:chExt cx="0" cy="0"/>
+        </a:xfrm>
+      </p:grpSpPr>
+      <p:sp>
+        <p:nvSpPr>
+          <p:cNvPr id="2" name="Title 1">
+            <a:extLst>
+              <a:ext uri="{FF2B5EF4-FFF2-40B4-BE49-F238E27FC236}">
+                <a16:creationId xmlns:a16="http://schemas.microsoft.com/office/drawing/2014/main" id="{AEBD5852-8A7B-444B-9E3B-53351583E123}"/>
+              </a:ext>
+            </a:extLst>
+          </p:cNvPr>
+          <p:cNvSpPr>
+            <a:spLocks noGrp="1"/>
+          </p:cNvSpPr>
+          <p:nvPr>
+            <p:ph type="title"/>
+          </p:nvPr>
+        </p:nvSpPr>
+        <p:spPr/>
+        <p:txBody>
+          <a:bodyPr/>
+          <a:lstStyle/>
+          <a:p>
+            <a:r>
+              <a:rPr lang="en-US" dirty="0"/>
+              <a:t>“clean separation”</a:t>
+            </a:r>
+          </a:p>
+        </p:txBody>
+      </p:sp>
+      <p:sp>
+        <p:nvSpPr>
+          <p:cNvPr id="3" name="Content Placeholder 2">
+            <a:extLst>
+              <a:ext uri="{FF2B5EF4-FFF2-40B4-BE49-F238E27FC236}">
+                <a16:creationId xmlns:a16="http://schemas.microsoft.com/office/drawing/2014/main" id="{0F1CAD08-E28F-4181-804A-7AD75370632F}"/>
+              </a:ext>
+            </a:extLst>
+          </p:cNvPr>
+          <p:cNvSpPr>
+            <a:spLocks noGrp="1"/>
+          </p:cNvSpPr>
+          <p:nvPr>
+            <p:ph idx="1"/>
+          </p:nvPr>
+        </p:nvSpPr>
+        <p:spPr/>
+        <p:txBody>
+          <a:bodyPr>
+            <a:normAutofit fontScale="85%" lnSpcReduction="20%"/>
+          </a:bodyPr>
+          <a:lstStyle/>
+          <a:p>
+            <a:r>
+              <a:rPr lang="en-US" dirty="0"/>
+              <a:t>“services” ~ application services</a:t>
+            </a:r>
+          </a:p>
+          <a:p>
+            <a:r>
+              <a:rPr lang="en-US" dirty="0"/>
+              <a:t>Repositories</a:t>
+            </a:r>
+          </a:p>
+          <a:p>
+            <a:r>
+              <a:rPr lang="en-US" dirty="0"/>
+              <a:t>POCO entities + mapping configuration + </a:t>
+            </a:r>
+            <a:r>
+              <a:rPr lang="en-US" dirty="0" err="1"/>
+              <a:t>db</a:t>
+            </a:r>
+            <a:r>
+              <a:rPr lang="en-US" dirty="0"/>
+              <a:t> schema generated from there</a:t>
+            </a:r>
+          </a:p>
+          <a:p>
+            <a:r>
+              <a:rPr lang="en-US" dirty="0"/>
+              <a:t>Request/Response </a:t>
+            </a:r>
+          </a:p>
+          <a:p>
+            <a:r>
+              <a:rPr lang="en-US" dirty="0"/>
+              <a:t>Those are really transaction script</a:t>
+            </a:r>
+          </a:p>
+          <a:p>
+            <a:r>
+              <a:rPr lang="en-US" dirty="0"/>
+              <a:t>It works ok, it’s straight forward</a:t>
+            </a:r>
+          </a:p>
+          <a:p>
+            <a:r>
+              <a:rPr lang="en-US" dirty="0"/>
+              <a:t>… but leads to lots of duplication (validation / re-validation just to be sure … )</a:t>
+            </a:r>
+          </a:p>
+          <a:p>
+            <a:r>
+              <a:rPr lang="en-US" dirty="0"/>
+              <a:t>All properties are get/set .. Need to be careful = Anemic Domain Model</a:t>
+            </a:r>
+          </a:p>
+          <a:p>
+            <a:r>
+              <a:rPr lang="en-US" dirty="0"/>
+              <a:t>Unit of Work</a:t>
+            </a:r>
+          </a:p>
+          <a:p>
+            <a:r>
+              <a:rPr lang="en-US" dirty="0"/>
+              <a:t>DI-friendly / test friendly</a:t>
+            </a:r>
+          </a:p>
+          <a:p>
+            <a:r>
+              <a:rPr lang="en-US" dirty="0"/>
+              <a:t>Struggling with object graphs that have cycles !</a:t>
+            </a:r>
+          </a:p>
+        </p:txBody>
+      </p:sp>
+    </p:spTree>
+    <p:extLst>
+      <p:ext uri="{BB962C8B-B14F-4D97-AF65-F5344CB8AC3E}">
+        <p14:creationId xmlns:p14="http://schemas.microsoft.com/office/powerpoint/2010/main" val="2499094715"/>
       </p:ext>
     </p:extLst>
   </p:cSld>
@@ -5520,45 +7503,754 @@
           <a:p>
             <a:r>
               <a:rPr lang="en-US" dirty="0"/>
-              <a:t>TODO / ABOUT </a:t>
-            </a:r>
-            <a:r>
-              <a:rPr lang="en-US" dirty="0" err="1"/>
-              <a:t>etc</a:t>
-            </a:r>
+              <a:t>What this is about</a:t>
+            </a:r>
+          </a:p>
+        </p:txBody>
+      </p:sp>
+      <p:sp>
+        <p:nvSpPr>
+          <p:cNvPr id="7" name="Content Placeholder 6">
+            <a:extLst>
+              <a:ext uri="{FF2B5EF4-FFF2-40B4-BE49-F238E27FC236}">
+                <a16:creationId xmlns:a16="http://schemas.microsoft.com/office/drawing/2014/main" id="{1D9DAA2F-8A41-47B7-B28D-D3B7F3E0FBE6}"/>
+              </a:ext>
+            </a:extLst>
+          </p:cNvPr>
+          <p:cNvSpPr>
+            <a:spLocks noGrp="1"/>
+          </p:cNvSpPr>
+          <p:nvPr>
+            <p:ph sz="half" idx="1"/>
+          </p:nvPr>
+        </p:nvSpPr>
+        <p:spPr>
+          <a:xfrm>
+            <a:off x="919223" y="1690688"/>
+            <a:ext cx="4046317" cy="4351338"/>
+          </a:xfrm>
+        </p:spPr>
+        <p:txBody>
+          <a:bodyPr>
+            <a:normAutofit/>
+          </a:bodyPr>
+          <a:lstStyle/>
+          <a:p>
+            <a:r>
+              <a:rPr lang="en-US" dirty="0"/>
+              <a:t>Me, myself and I</a:t>
+            </a:r>
+          </a:p>
+          <a:p>
             <a:endParaRPr lang="en-US" dirty="0"/>
           </a:p>
-        </p:txBody>
-      </p:sp>
-      <p:sp>
-        <p:nvSpPr>
-          <p:cNvPr id="3" name="Content Placeholder 2">
-            <a:extLst>
-              <a:ext uri="{FF2B5EF4-FFF2-40B4-BE49-F238E27FC236}">
-                <a16:creationId xmlns:a16="http://schemas.microsoft.com/office/drawing/2014/main" id="{79B7B914-7E61-48ED-8150-BAEFF28EF929}"/>
-              </a:ext>
-            </a:extLst>
-          </p:cNvPr>
-          <p:cNvSpPr>
-            <a:spLocks noGrp="1"/>
-          </p:cNvSpPr>
-          <p:nvPr>
-            <p:ph idx="1"/>
-          </p:nvPr>
-        </p:nvSpPr>
-        <p:spPr/>
-        <p:txBody>
-          <a:bodyPr/>
-          <a:lstStyle/>
+          <a:p>
+            <a:r>
+              <a:rPr lang="en-US" dirty="0"/>
+              <a:t>Code</a:t>
+            </a:r>
+          </a:p>
           <a:p>
             <a:endParaRPr lang="en-US" dirty="0"/>
           </a:p>
-        </p:txBody>
-      </p:sp>
+          <a:p>
+            <a:r>
+              <a:rPr lang="en-US" dirty="0"/>
+              <a:t>Architecture</a:t>
+            </a:r>
+          </a:p>
+          <a:p>
+            <a:endParaRPr lang="en-US" dirty="0"/>
+          </a:p>
+          <a:p>
+            <a:r>
+              <a:rPr lang="en-US" dirty="0"/>
+              <a:t>Learning process</a:t>
+            </a:r>
+          </a:p>
+          <a:p>
+            <a:endParaRPr lang="en-US" dirty="0"/>
+          </a:p>
+        </p:txBody>
+      </p:sp>
+      <p:pic>
+        <p:nvPicPr>
+          <p:cNvPr id="8" name="Content Placeholder 4">
+            <a:extLst>
+              <a:ext uri="{FF2B5EF4-FFF2-40B4-BE49-F238E27FC236}">
+                <a16:creationId xmlns:a16="http://schemas.microsoft.com/office/drawing/2014/main" id="{E3741559-14C0-435A-8821-2C796C3D8978}"/>
+              </a:ext>
+            </a:extLst>
+          </p:cNvPr>
+          <p:cNvPicPr>
+            <a:picLocks noChangeAspect="1"/>
+          </p:cNvPicPr>
+          <p:nvPr/>
+        </p:nvPicPr>
+        <p:blipFill>
+          <a:blip r:embed="rId3">
+            <a:extLst>
+              <a:ext uri="{28A0092B-C50C-407E-A947-70E740481C1C}">
+                <a14:useLocalDpi xmlns:a14="http://schemas.microsoft.com/office/drawing/2010/main" val="0"/>
+              </a:ext>
+            </a:extLst>
+          </a:blip>
+          <a:stretch>
+            <a:fillRect/>
+          </a:stretch>
+        </p:blipFill>
+        <p:spPr>
+          <a:xfrm>
+            <a:off x="5501126" y="0"/>
+            <a:ext cx="6690874" cy="6858000"/>
+          </a:xfrm>
+          <a:prstGeom prst="rect">
+            <a:avLst/>
+          </a:prstGeom>
+        </p:spPr>
+      </p:pic>
     </p:spTree>
     <p:extLst>
       <p:ext uri="{BB962C8B-B14F-4D97-AF65-F5344CB8AC3E}">
         <p14:creationId xmlns:p14="http://schemas.microsoft.com/office/powerpoint/2010/main" val="594257981"/>
+      </p:ext>
+    </p:extLst>
+  </p:cSld>
+  <p:clrMapOvr>
+    <a:masterClrMapping/>
+  </p:clrMapOvr>
+</p:sld>
+</file>
+
+<file path=ppt/slides/slide20.xml><?xml version="1.0" encoding="utf-8"?>
+<p:sld xmlns:a="http://purl.oclc.org/ooxml/drawingml/main" xmlns:r="http://purl.oclc.org/ooxml/officeDocument/relationships" xmlns:p="http://purl.oclc.org/ooxml/presentationml/main">
+  <p:cSld>
+    <p:spTree>
+      <p:nvGrpSpPr>
+        <p:cNvPr id="1" name=""/>
+        <p:cNvGrpSpPr/>
+        <p:nvPr/>
+      </p:nvGrpSpPr>
+      <p:grpSpPr>
+        <a:xfrm>
+          <a:off x="0" y="0"/>
+          <a:ext cx="0" cy="0"/>
+          <a:chOff x="0" y="0"/>
+          <a:chExt cx="0" cy="0"/>
+        </a:xfrm>
+      </p:grpSpPr>
+      <p:sp>
+        <p:nvSpPr>
+          <p:cNvPr id="2" name="Title 1">
+            <a:extLst>
+              <a:ext uri="{FF2B5EF4-FFF2-40B4-BE49-F238E27FC236}">
+                <a16:creationId xmlns:a16="http://schemas.microsoft.com/office/drawing/2014/main" id="{863BD6DA-338C-422C-A0A0-4979EC18ECED}"/>
+              </a:ext>
+            </a:extLst>
+          </p:cNvPr>
+          <p:cNvSpPr>
+            <a:spLocks noGrp="1"/>
+          </p:cNvSpPr>
+          <p:nvPr>
+            <p:ph type="title"/>
+          </p:nvPr>
+        </p:nvSpPr>
+        <p:spPr/>
+        <p:txBody>
+          <a:bodyPr/>
+          <a:lstStyle/>
+          <a:p>
+            <a:r>
+              <a:rPr lang="en-US" dirty="0"/>
+              <a:t>“Aggregates” + “Aggregate roots”</a:t>
+            </a:r>
+          </a:p>
+        </p:txBody>
+      </p:sp>
+      <p:sp>
+        <p:nvSpPr>
+          <p:cNvPr id="3" name="Content Placeholder 2">
+            <a:extLst>
+              <a:ext uri="{FF2B5EF4-FFF2-40B4-BE49-F238E27FC236}">
+                <a16:creationId xmlns:a16="http://schemas.microsoft.com/office/drawing/2014/main" id="{2364F5BC-C63A-4030-9A09-554213A7A5BD}"/>
+              </a:ext>
+            </a:extLst>
+          </p:cNvPr>
+          <p:cNvSpPr>
+            <a:spLocks noGrp="1"/>
+          </p:cNvSpPr>
+          <p:nvPr>
+            <p:ph idx="1"/>
+          </p:nvPr>
+        </p:nvSpPr>
+        <p:spPr/>
+        <p:txBody>
+          <a:bodyPr/>
+          <a:lstStyle/>
+          <a:p>
+            <a:r>
+              <a:rPr lang="en-US" dirty="0"/>
+              <a:t>Object graphs are small on purpose and deliberately cut</a:t>
+            </a:r>
+          </a:p>
+          <a:p>
+            <a:r>
+              <a:rPr lang="en-US" dirty="0"/>
+              <a:t>One entry point for aggregate (aggregate root)</a:t>
+            </a:r>
+          </a:p>
+          <a:p>
+            <a:pPr marL="0" indent="0">
+              <a:buNone/>
+            </a:pPr>
+            <a:endParaRPr lang="en-US" dirty="0"/>
+          </a:p>
+          <a:p>
+            <a:r>
+              <a:rPr lang="en-US" dirty="0"/>
+              <a:t>-&gt; this works well for Write side .. Painful for queries (we want to express complex queries, with JOINs all over the place for views)</a:t>
+            </a:r>
+          </a:p>
+          <a:p>
+            <a:endParaRPr lang="en-US" dirty="0"/>
+          </a:p>
+        </p:txBody>
+      </p:sp>
+    </p:spTree>
+    <p:extLst>
+      <p:ext uri="{BB962C8B-B14F-4D97-AF65-F5344CB8AC3E}">
+        <p14:creationId xmlns:p14="http://schemas.microsoft.com/office/powerpoint/2010/main" val="1760046519"/>
+      </p:ext>
+    </p:extLst>
+  </p:cSld>
+  <p:clrMapOvr>
+    <a:masterClrMapping/>
+  </p:clrMapOvr>
+</p:sld>
+</file>
+
+<file path=ppt/slides/slide21.xml><?xml version="1.0" encoding="utf-8"?>
+<p:sld xmlns:a="http://purl.oclc.org/ooxml/drawingml/main" xmlns:r="http://purl.oclc.org/ooxml/officeDocument/relationships" xmlns:p="http://purl.oclc.org/ooxml/presentationml/main">
+  <p:cSld>
+    <p:spTree>
+      <p:nvGrpSpPr>
+        <p:cNvPr id="1" name=""/>
+        <p:cNvGrpSpPr/>
+        <p:nvPr/>
+      </p:nvGrpSpPr>
+      <p:grpSpPr>
+        <a:xfrm>
+          <a:off x="0" y="0"/>
+          <a:ext cx="0" cy="0"/>
+          <a:chOff x="0" y="0"/>
+          <a:chExt cx="0" cy="0"/>
+        </a:xfrm>
+      </p:grpSpPr>
+      <p:sp>
+        <p:nvSpPr>
+          <p:cNvPr id="2" name="Title 1">
+            <a:extLst>
+              <a:ext uri="{FF2B5EF4-FFF2-40B4-BE49-F238E27FC236}">
+                <a16:creationId xmlns:a16="http://schemas.microsoft.com/office/drawing/2014/main" id="{9C8DC6E9-CECB-4DC9-BFFB-F60C1D7ACB2B}"/>
+              </a:ext>
+            </a:extLst>
+          </p:cNvPr>
+          <p:cNvSpPr>
+            <a:spLocks noGrp="1"/>
+          </p:cNvSpPr>
+          <p:nvPr>
+            <p:ph type="title"/>
+          </p:nvPr>
+        </p:nvSpPr>
+        <p:spPr/>
+        <p:txBody>
+          <a:bodyPr/>
+          <a:lstStyle/>
+          <a:p>
+            <a:r>
+              <a:rPr lang="en-US" dirty="0"/>
+              <a:t>Splitting Reads and Writes</a:t>
+            </a:r>
+          </a:p>
+        </p:txBody>
+      </p:sp>
+      <p:sp>
+        <p:nvSpPr>
+          <p:cNvPr id="3" name="Content Placeholder 2">
+            <a:extLst>
+              <a:ext uri="{FF2B5EF4-FFF2-40B4-BE49-F238E27FC236}">
+                <a16:creationId xmlns:a16="http://schemas.microsoft.com/office/drawing/2014/main" id="{02E930ED-8BF9-4969-BA28-77AA450118A1}"/>
+              </a:ext>
+            </a:extLst>
+          </p:cNvPr>
+          <p:cNvSpPr>
+            <a:spLocks noGrp="1"/>
+          </p:cNvSpPr>
+          <p:nvPr>
+            <p:ph idx="1"/>
+          </p:nvPr>
+        </p:nvSpPr>
+        <p:spPr/>
+        <p:txBody>
+          <a:bodyPr>
+            <a:normAutofit/>
+          </a:bodyPr>
+          <a:lstStyle/>
+          <a:p>
+            <a:r>
+              <a:rPr lang="en-US" dirty="0"/>
+              <a:t>Projections for Reads</a:t>
+            </a:r>
+          </a:p>
+          <a:p>
+            <a:r>
+              <a:rPr lang="en-US" dirty="0"/>
+              <a:t>Entities for Writes</a:t>
+            </a:r>
+          </a:p>
+          <a:p>
+            <a:r>
+              <a:rPr lang="en-US" dirty="0"/>
+              <a:t>Still using the same underlying </a:t>
+            </a:r>
+            <a:r>
+              <a:rPr lang="en-US" dirty="0" err="1"/>
+              <a:t>DbContext</a:t>
+            </a:r>
+            <a:r>
+              <a:rPr lang="en-US" dirty="0"/>
+              <a:t>, but deliberately hiding things from the Write side</a:t>
+            </a:r>
+          </a:p>
+          <a:p>
+            <a:r>
+              <a:rPr lang="en-US" dirty="0"/>
+              <a:t>Repository vs Query services</a:t>
+            </a:r>
+          </a:p>
+          <a:p>
+            <a:r>
+              <a:rPr lang="en-US" dirty="0"/>
+              <a:t>Repository only have a few methods </a:t>
+            </a:r>
+            <a:r>
+              <a:rPr lang="en-US" dirty="0" err="1"/>
+              <a:t>getById</a:t>
+            </a:r>
+            <a:r>
+              <a:rPr lang="en-US" dirty="0"/>
+              <a:t> / </a:t>
+            </a:r>
+            <a:r>
+              <a:rPr lang="en-US" dirty="0" err="1"/>
+              <a:t>getByCode</a:t>
+            </a:r>
+            <a:r>
+              <a:rPr lang="en-US" dirty="0"/>
+              <a:t> / Add + use change-tracking + </a:t>
+            </a:r>
+            <a:r>
+              <a:rPr lang="en-US" dirty="0" err="1"/>
+              <a:t>UnitOfWork</a:t>
+            </a:r>
+            <a:r>
+              <a:rPr lang="en-US" dirty="0"/>
+              <a:t> for transaction …</a:t>
+            </a:r>
+          </a:p>
+          <a:p>
+            <a:r>
+              <a:rPr lang="en-US" dirty="0" err="1"/>
+              <a:t>QueryService</a:t>
+            </a:r>
+            <a:r>
+              <a:rPr lang="en-US" dirty="0"/>
+              <a:t> are richer and return DTOs (no change tracking)</a:t>
+            </a:r>
+          </a:p>
+          <a:p>
+            <a:r>
+              <a:rPr lang="en-US" dirty="0"/>
+              <a:t>Actually even different instances of Db Context for Reads and Writes</a:t>
+            </a:r>
+          </a:p>
+        </p:txBody>
+      </p:sp>
+    </p:spTree>
+    <p:extLst>
+      <p:ext uri="{BB962C8B-B14F-4D97-AF65-F5344CB8AC3E}">
+        <p14:creationId xmlns:p14="http://schemas.microsoft.com/office/powerpoint/2010/main" val="1166694785"/>
+      </p:ext>
+    </p:extLst>
+  </p:cSld>
+  <p:clrMapOvr>
+    <a:masterClrMapping/>
+  </p:clrMapOvr>
+</p:sld>
+</file>
+
+<file path=ppt/slides/slide22.xml><?xml version="1.0" encoding="utf-8"?>
+<p:sld xmlns:a="http://purl.oclc.org/ooxml/drawingml/main" xmlns:r="http://purl.oclc.org/ooxml/officeDocument/relationships" xmlns:p="http://purl.oclc.org/ooxml/presentationml/main">
+  <p:cSld>
+    <p:spTree>
+      <p:nvGrpSpPr>
+        <p:cNvPr id="1" name=""/>
+        <p:cNvGrpSpPr/>
+        <p:nvPr/>
+      </p:nvGrpSpPr>
+      <p:grpSpPr>
+        <a:xfrm>
+          <a:off x="0" y="0"/>
+          <a:ext cx="0" cy="0"/>
+          <a:chOff x="0" y="0"/>
+          <a:chExt cx="0" cy="0"/>
+        </a:xfrm>
+      </p:grpSpPr>
+      <p:sp>
+        <p:nvSpPr>
+          <p:cNvPr id="2" name="Title 1">
+            <a:extLst>
+              <a:ext uri="{FF2B5EF4-FFF2-40B4-BE49-F238E27FC236}">
+                <a16:creationId xmlns:a16="http://schemas.microsoft.com/office/drawing/2014/main" id="{87BCBC24-8ECA-4E48-9F04-B6421560E589}"/>
+              </a:ext>
+            </a:extLst>
+          </p:cNvPr>
+          <p:cNvSpPr>
+            <a:spLocks noGrp="1"/>
+          </p:cNvSpPr>
+          <p:nvPr>
+            <p:ph type="title"/>
+          </p:nvPr>
+        </p:nvSpPr>
+        <p:spPr/>
+        <p:txBody>
+          <a:bodyPr/>
+          <a:lstStyle/>
+          <a:p>
+            <a:r>
+              <a:rPr lang="en-US" dirty="0"/>
+              <a:t>Enforcing invariants</a:t>
+            </a:r>
+          </a:p>
+        </p:txBody>
+      </p:sp>
+      <p:sp>
+        <p:nvSpPr>
+          <p:cNvPr id="3" name="Content Placeholder 2">
+            <a:extLst>
+              <a:ext uri="{FF2B5EF4-FFF2-40B4-BE49-F238E27FC236}">
+                <a16:creationId xmlns:a16="http://schemas.microsoft.com/office/drawing/2014/main" id="{05B31D8B-66A4-4A62-AE55-1AEC65FC0AEC}"/>
+              </a:ext>
+            </a:extLst>
+          </p:cNvPr>
+          <p:cNvSpPr>
+            <a:spLocks noGrp="1"/>
+          </p:cNvSpPr>
+          <p:nvPr>
+            <p:ph idx="1"/>
+          </p:nvPr>
+        </p:nvSpPr>
+        <p:spPr/>
+        <p:txBody>
+          <a:bodyPr>
+            <a:normAutofit lnSpcReduction="10%"/>
+          </a:bodyPr>
+          <a:lstStyle/>
+          <a:p>
+            <a:r>
+              <a:rPr lang="en-US" dirty="0"/>
+              <a:t>Entities vs Persistence model</a:t>
+            </a:r>
+          </a:p>
+          <a:p>
+            <a:r>
+              <a:rPr lang="en-US" dirty="0"/>
+              <a:t>Use EF tracking</a:t>
+            </a:r>
+          </a:p>
+          <a:p>
+            <a:r>
+              <a:rPr lang="en-US" dirty="0"/>
+              <a:t>… without EF constraints (getters/setters), empty constructor </a:t>
+            </a:r>
+            <a:r>
+              <a:rPr lang="en-US" dirty="0" err="1"/>
+              <a:t>etc</a:t>
+            </a:r>
+            <a:endParaRPr lang="en-US" dirty="0"/>
+          </a:p>
+          <a:p>
+            <a:r>
+              <a:rPr lang="en-US" dirty="0" err="1"/>
+              <a:t>Entity.FromState</a:t>
+            </a:r>
+            <a:r>
+              <a:rPr lang="en-US" dirty="0"/>
+              <a:t>() … called from Repos</a:t>
+            </a:r>
+          </a:p>
+          <a:p>
+            <a:r>
+              <a:rPr lang="en-US" dirty="0"/>
+              <a:t>New Entity() (+param validation) called from </a:t>
+            </a:r>
+            <a:r>
+              <a:rPr lang="en-US" dirty="0" err="1"/>
+              <a:t>AppServices</a:t>
+            </a:r>
+            <a:endParaRPr lang="en-US" dirty="0"/>
+          </a:p>
+          <a:p>
+            <a:r>
+              <a:rPr lang="en-US" dirty="0" err="1"/>
+              <a:t>Repo.GetById</a:t>
+            </a:r>
+            <a:r>
+              <a:rPr lang="en-US" dirty="0"/>
+              <a:t>() … </a:t>
+            </a:r>
+            <a:r>
+              <a:rPr lang="en-US" dirty="0" err="1"/>
+              <a:t>entity.DoThis</a:t>
+            </a:r>
+            <a:r>
+              <a:rPr lang="en-US" dirty="0"/>
+              <a:t>() … </a:t>
+            </a:r>
+            <a:r>
+              <a:rPr lang="en-US" dirty="0" err="1"/>
+              <a:t>UnitOfWork.Save</a:t>
+            </a:r>
+            <a:r>
+              <a:rPr lang="en-US" dirty="0"/>
+              <a:t>()</a:t>
+            </a:r>
+          </a:p>
+          <a:p>
+            <a:r>
+              <a:rPr lang="en-US" dirty="0"/>
+              <a:t>Easy to test for entities</a:t>
+            </a:r>
+          </a:p>
+          <a:p>
+            <a:r>
+              <a:rPr lang="en-US" dirty="0"/>
+              <a:t>Impossible state impossible to represent (or almost :p)</a:t>
+            </a:r>
+          </a:p>
+          <a:p>
+            <a:r>
+              <a:rPr lang="en-US" dirty="0"/>
+              <a:t>Logic is mostly in the Entities</a:t>
+            </a:r>
+          </a:p>
+        </p:txBody>
+      </p:sp>
+    </p:spTree>
+    <p:extLst>
+      <p:ext uri="{BB962C8B-B14F-4D97-AF65-F5344CB8AC3E}">
+        <p14:creationId xmlns:p14="http://schemas.microsoft.com/office/powerpoint/2010/main" val="478231040"/>
+      </p:ext>
+    </p:extLst>
+  </p:cSld>
+  <p:clrMapOvr>
+    <a:masterClrMapping/>
+  </p:clrMapOvr>
+</p:sld>
+</file>
+
+<file path=ppt/slides/slide23.xml><?xml version="1.0" encoding="utf-8"?>
+<p:sld xmlns:a="http://purl.oclc.org/ooxml/drawingml/main" xmlns:r="http://purl.oclc.org/ooxml/officeDocument/relationships" xmlns:p="http://purl.oclc.org/ooxml/presentationml/main">
+  <p:cSld>
+    <p:spTree>
+      <p:nvGrpSpPr>
+        <p:cNvPr id="1" name=""/>
+        <p:cNvGrpSpPr/>
+        <p:nvPr/>
+      </p:nvGrpSpPr>
+      <p:grpSpPr>
+        <a:xfrm>
+          <a:off x="0" y="0"/>
+          <a:ext cx="0" cy="0"/>
+          <a:chOff x="0" y="0"/>
+          <a:chExt cx="0" cy="0"/>
+        </a:xfrm>
+      </p:grpSpPr>
+      <p:sp>
+        <p:nvSpPr>
+          <p:cNvPr id="2" name="Title 1">
+            <a:extLst>
+              <a:ext uri="{FF2B5EF4-FFF2-40B4-BE49-F238E27FC236}">
+                <a16:creationId xmlns:a16="http://schemas.microsoft.com/office/drawing/2014/main" id="{EC2237E3-5B42-451B-AD12-D5493FF609A1}"/>
+              </a:ext>
+            </a:extLst>
+          </p:cNvPr>
+          <p:cNvSpPr>
+            <a:spLocks noGrp="1"/>
+          </p:cNvSpPr>
+          <p:nvPr>
+            <p:ph type="title"/>
+          </p:nvPr>
+        </p:nvSpPr>
+        <p:spPr/>
+        <p:txBody>
+          <a:bodyPr/>
+          <a:lstStyle/>
+          <a:p>
+            <a:r>
+              <a:rPr lang="en-US" dirty="0"/>
+              <a:t>Publishing notifications</a:t>
+            </a:r>
+          </a:p>
+        </p:txBody>
+      </p:sp>
+      <p:sp>
+        <p:nvSpPr>
+          <p:cNvPr id="3" name="Content Placeholder 2">
+            <a:extLst>
+              <a:ext uri="{FF2B5EF4-FFF2-40B4-BE49-F238E27FC236}">
+                <a16:creationId xmlns:a16="http://schemas.microsoft.com/office/drawing/2014/main" id="{EB382917-F74E-4624-9508-C178CF5A4862}"/>
+              </a:ext>
+            </a:extLst>
+          </p:cNvPr>
+          <p:cNvSpPr>
+            <a:spLocks noGrp="1"/>
+          </p:cNvSpPr>
+          <p:nvPr>
+            <p:ph idx="1"/>
+          </p:nvPr>
+        </p:nvSpPr>
+        <p:spPr/>
+        <p:txBody>
+          <a:bodyPr/>
+          <a:lstStyle/>
+          <a:p>
+            <a:r>
+              <a:rPr lang="en-US" dirty="0"/>
+              <a:t>Other downstream systems need information</a:t>
+            </a:r>
+          </a:p>
+          <a:p>
+            <a:r>
+              <a:rPr lang="en-US" dirty="0"/>
+              <a:t>Entity actions generates Domain Events (stored locally)</a:t>
+            </a:r>
+          </a:p>
+          <a:p>
+            <a:r>
+              <a:rPr lang="en-US" dirty="0"/>
+              <a:t>AppService publishes those events (</a:t>
+            </a:r>
+            <a:r>
+              <a:rPr lang="en-US" dirty="0" err="1"/>
+              <a:t>RabbitMq</a:t>
+            </a:r>
+            <a:r>
+              <a:rPr lang="en-US" dirty="0"/>
+              <a:t>) for external consumers</a:t>
+            </a:r>
+          </a:p>
+          <a:p>
+            <a:endParaRPr lang="en-US" dirty="0"/>
+          </a:p>
+        </p:txBody>
+      </p:sp>
+    </p:spTree>
+    <p:extLst>
+      <p:ext uri="{BB962C8B-B14F-4D97-AF65-F5344CB8AC3E}">
+        <p14:creationId xmlns:p14="http://schemas.microsoft.com/office/powerpoint/2010/main" val="1860602411"/>
+      </p:ext>
+    </p:extLst>
+  </p:cSld>
+  <p:clrMapOvr>
+    <a:masterClrMapping/>
+  </p:clrMapOvr>
+</p:sld>
+</file>
+
+<file path=ppt/slides/slide24.xml><?xml version="1.0" encoding="utf-8"?>
+<p:sld xmlns:a="http://purl.oclc.org/ooxml/drawingml/main" xmlns:r="http://purl.oclc.org/ooxml/officeDocument/relationships" xmlns:p="http://purl.oclc.org/ooxml/presentationml/main">
+  <p:cSld>
+    <p:spTree>
+      <p:nvGrpSpPr>
+        <p:cNvPr id="1" name=""/>
+        <p:cNvGrpSpPr/>
+        <p:nvPr/>
+      </p:nvGrpSpPr>
+      <p:grpSpPr>
+        <a:xfrm>
+          <a:off x="0" y="0"/>
+          <a:ext cx="0" cy="0"/>
+          <a:chOff x="0" y="0"/>
+          <a:chExt cx="0" cy="0"/>
+        </a:xfrm>
+      </p:grpSpPr>
+      <p:sp>
+        <p:nvSpPr>
+          <p:cNvPr id="2" name="Title 1">
+            <a:extLst>
+              <a:ext uri="{FF2B5EF4-FFF2-40B4-BE49-F238E27FC236}">
+                <a16:creationId xmlns:a16="http://schemas.microsoft.com/office/drawing/2014/main" id="{F9CCF78E-E813-4BFE-B50E-12C4774D607D}"/>
+              </a:ext>
+            </a:extLst>
+          </p:cNvPr>
+          <p:cNvSpPr>
+            <a:spLocks noGrp="1"/>
+          </p:cNvSpPr>
+          <p:nvPr>
+            <p:ph type="title"/>
+          </p:nvPr>
+        </p:nvSpPr>
+        <p:spPr/>
+        <p:txBody>
+          <a:bodyPr/>
+          <a:lstStyle/>
+          <a:p>
+            <a:r>
+              <a:rPr lang="en-US" dirty="0"/>
+              <a:t>Conclusions</a:t>
+            </a:r>
+          </a:p>
+        </p:txBody>
+      </p:sp>
+      <p:sp>
+        <p:nvSpPr>
+          <p:cNvPr id="3" name="Content Placeholder 2">
+            <a:extLst>
+              <a:ext uri="{FF2B5EF4-FFF2-40B4-BE49-F238E27FC236}">
+                <a16:creationId xmlns:a16="http://schemas.microsoft.com/office/drawing/2014/main" id="{8B6C7258-0DD0-4478-98FC-06849B2B3379}"/>
+              </a:ext>
+            </a:extLst>
+          </p:cNvPr>
+          <p:cNvSpPr>
+            <a:spLocks noGrp="1"/>
+          </p:cNvSpPr>
+          <p:nvPr>
+            <p:ph idx="1"/>
+          </p:nvPr>
+        </p:nvSpPr>
+        <p:spPr/>
+        <p:txBody>
+          <a:bodyPr/>
+          <a:lstStyle/>
+          <a:p>
+            <a:r>
+              <a:rPr lang="en-US" dirty="0"/>
+              <a:t>Context is king</a:t>
+            </a:r>
+          </a:p>
+          <a:p>
+            <a:r>
+              <a:rPr lang="en-US" dirty="0"/>
+              <a:t>Right tool for the right job</a:t>
+            </a:r>
+          </a:p>
+        </p:txBody>
+      </p:sp>
+    </p:spTree>
+    <p:extLst>
+      <p:ext uri="{BB962C8B-B14F-4D97-AF65-F5344CB8AC3E}">
+        <p14:creationId xmlns:p14="http://schemas.microsoft.com/office/powerpoint/2010/main" val="40100311"/>
       </p:ext>
     </p:extLst>
   </p:cSld>
@@ -5585,6 +8277,41 @@
           <a:chExt cx="0" cy="0"/>
         </a:xfrm>
       </p:grpSpPr>
+      <p:pic>
+        <p:nvPicPr>
+          <p:cNvPr id="5" name="Content Placeholder 4">
+            <a:extLst>
+              <a:ext uri="{FF2B5EF4-FFF2-40B4-BE49-F238E27FC236}">
+                <a16:creationId xmlns:a16="http://schemas.microsoft.com/office/drawing/2014/main" id="{DACF0791-5A75-45FE-AE0E-5FC7FE666E73}"/>
+              </a:ext>
+            </a:extLst>
+          </p:cNvPr>
+          <p:cNvPicPr>
+            <a:picLocks noGrp="1" noChangeAspect="1"/>
+          </p:cNvPicPr>
+          <p:nvPr>
+            <p:ph idx="1"/>
+          </p:nvPr>
+        </p:nvPicPr>
+        <p:blipFill>
+          <a:blip r:embed="rId3">
+            <a:extLst>
+              <a:ext uri="{28A0092B-C50C-407E-A947-70E740481C1C}">
+                <a14:useLocalDpi xmlns:a14="http://schemas.microsoft.com/office/drawing/2010/main" val="0"/>
+              </a:ext>
+            </a:extLst>
+          </a:blip>
+          <a:stretch>
+            <a:fillRect/>
+          </a:stretch>
+        </p:blipFill>
+        <p:spPr>
+          <a:xfrm>
+            <a:off x="5474825" y="0"/>
+            <a:ext cx="12035742" cy="8032831"/>
+          </a:xfrm>
+        </p:spPr>
+      </p:pic>
       <p:sp>
         <p:nvSpPr>
           <p:cNvPr id="2" name="Title 1">
@@ -5613,31 +8340,36 @@
           </a:p>
         </p:txBody>
       </p:sp>
-      <p:sp>
-        <p:nvSpPr>
-          <p:cNvPr id="3" name="Content Placeholder 2">
-            <a:extLst>
-              <a:ext uri="{FF2B5EF4-FFF2-40B4-BE49-F238E27FC236}">
-                <a16:creationId xmlns:a16="http://schemas.microsoft.com/office/drawing/2014/main" id="{E1163244-6D42-4DD6-8DF6-C14ED6C0098E}"/>
-              </a:ext>
-            </a:extLst>
-          </p:cNvPr>
-          <p:cNvSpPr>
-            <a:spLocks noGrp="1"/>
-          </p:cNvSpPr>
-          <p:nvPr>
-            <p:ph idx="1"/>
-          </p:nvPr>
-        </p:nvSpPr>
-        <p:spPr/>
-        <p:txBody>
-          <a:bodyPr/>
-          <a:lstStyle/>
-          <a:p>
-            <a:endParaRPr lang="en-US"/>
-          </a:p>
-        </p:txBody>
-      </p:sp>
+      <p:pic>
+        <p:nvPicPr>
+          <p:cNvPr id="3" name="Picture 2">
+            <a:extLst>
+              <a:ext uri="{FF2B5EF4-FFF2-40B4-BE49-F238E27FC236}">
+                <a16:creationId xmlns:a16="http://schemas.microsoft.com/office/drawing/2014/main" id="{6BA4F58A-200F-45A7-9956-5EE7B4CC1C1C}"/>
+              </a:ext>
+            </a:extLst>
+          </p:cNvPr>
+          <p:cNvPicPr>
+            <a:picLocks noChangeAspect="1"/>
+          </p:cNvPicPr>
+          <p:nvPr/>
+        </p:nvPicPr>
+        <p:blipFill>
+          <a:blip r:embed="rId4"/>
+          <a:stretch>
+            <a:fillRect/>
+          </a:stretch>
+        </p:blipFill>
+        <p:spPr>
+          <a:xfrm>
+            <a:off x="838200" y="1246305"/>
+            <a:ext cx="3810330" cy="5540220"/>
+          </a:xfrm>
+          <a:prstGeom prst="rect">
+            <a:avLst/>
+          </a:prstGeom>
+        </p:spPr>
+      </p:pic>
     </p:spTree>
     <p:extLst>
       <p:ext uri="{BB962C8B-B14F-4D97-AF65-F5344CB8AC3E}">
@@ -5648,6 +8380,81 @@
   <p:clrMapOvr>
     <a:masterClrMapping/>
   </p:clrMapOvr>
+  <p:timing>
+    <p:tnLst>
+      <p:par>
+        <p:cTn id="1" dur="indefinite" restart="never" nodeType="tmRoot">
+          <p:childTnLst>
+            <p:seq concurrent="1" nextAc="seek">
+              <p:cTn id="2" dur="indefinite" nodeType="mainSeq">
+                <p:childTnLst>
+                  <p:par>
+                    <p:cTn id="3" fill="hold">
+                      <p:stCondLst>
+                        <p:cond delay="indefinite"/>
+                      </p:stCondLst>
+                      <p:childTnLst>
+                        <p:par>
+                          <p:cTn id="4" fill="hold">
+                            <p:stCondLst>
+                              <p:cond delay="0"/>
+                            </p:stCondLst>
+                            <p:childTnLst>
+                              <p:par>
+                                <p:cTn id="5" presetID="1" presetClass="entr" presetSubtype="0" fill="hold" nodeType="clickEffect">
+                                  <p:stCondLst>
+                                    <p:cond delay="0"/>
+                                  </p:stCondLst>
+                                  <p:childTnLst>
+                                    <p:set>
+                                      <p:cBhvr>
+                                        <p:cTn id="6" dur="1" fill="hold">
+                                          <p:stCondLst>
+                                            <p:cond delay="0"/>
+                                          </p:stCondLst>
+                                        </p:cTn>
+                                        <p:tgtEl>
+                                          <p:spTgt spid="3"/>
+                                        </p:tgtEl>
+                                        <p:attrNameLst>
+                                          <p:attrName>style.visibility</p:attrName>
+                                        </p:attrNameLst>
+                                      </p:cBhvr>
+                                      <p:to>
+                                        <p:strVal val="visible"/>
+                                      </p:to>
+                                    </p:set>
+                                  </p:childTnLst>
+                                </p:cTn>
+                              </p:par>
+                            </p:childTnLst>
+                          </p:cTn>
+                        </p:par>
+                      </p:childTnLst>
+                    </p:cTn>
+                  </p:par>
+                </p:childTnLst>
+              </p:cTn>
+              <p:prevCondLst>
+                <p:cond evt="onPrev" delay="0">
+                  <p:tgtEl>
+                    <p:sldTgt/>
+                  </p:tgtEl>
+                </p:cond>
+              </p:prevCondLst>
+              <p:nextCondLst>
+                <p:cond evt="onNext" delay="0">
+                  <p:tgtEl>
+                    <p:sldTgt/>
+                  </p:tgtEl>
+                </p:cond>
+              </p:nextCondLst>
+            </p:seq>
+          </p:childTnLst>
+        </p:cTn>
+      </p:par>
+    </p:tnLst>
+  </p:timing>
 </p:sld>
 </file>
 
@@ -5684,7 +8491,12 @@
             <p:ph type="title"/>
           </p:nvPr>
         </p:nvSpPr>
-        <p:spPr/>
+        <p:spPr>
+          <a:xfrm>
+            <a:off x="838200" y="365125"/>
+            <a:ext cx="10515600" cy="1325563"/>
+          </a:xfrm>
+        </p:spPr>
         <p:txBody>
           <a:bodyPr/>
           <a:lstStyle/>
@@ -5709,7 +8521,12 @@
             <p:ph idx="1"/>
           </p:nvPr>
         </p:nvSpPr>
-        <p:spPr/>
+        <p:spPr>
+          <a:xfrm>
+            <a:off x="838200" y="1825625"/>
+            <a:ext cx="10515600" cy="4351338"/>
+          </a:xfrm>
+        </p:spPr>
         <p:txBody>
           <a:bodyPr/>
           <a:lstStyle/>
@@ -5732,7 +8549,7 @@
         </p:nvSpPr>
         <p:spPr>
           <a:xfrm>
-            <a:off x="664027" y="365125"/>
+            <a:off x="664027" y="260953"/>
             <a:ext cx="3984172" cy="1224189"/>
           </a:xfrm>
           <a:prstGeom prst="roundRect">
@@ -5741,15 +8558,15 @@
         </p:spPr>
         <p:style>
           <a:lnRef idx="2">
-            <a:schemeClr val="accent1">
+            <a:schemeClr val="accent6">
               <a:shade val="50%"/>
             </a:schemeClr>
           </a:lnRef>
           <a:fillRef idx="1">
-            <a:schemeClr val="accent1"/>
+            <a:schemeClr val="accent6"/>
           </a:fillRef>
           <a:effectRef idx="0">
-            <a:schemeClr val="accent1"/>
+            <a:schemeClr val="accent6"/>
           </a:effectRef>
           <a:fontRef idx="minor">
             <a:schemeClr val="lt1"/>
@@ -5761,8 +8578,15 @@
           <a:p>
             <a:pPr algn="ctr"/>
             <a:r>
-              <a:rPr lang="en-US" dirty="0"/>
+              <a:rPr lang="en-US" b="1" dirty="0"/>
               <a:t>E-commerce site</a:t>
+            </a:r>
+          </a:p>
+          <a:p>
+            <a:pPr algn="ctr"/>
+            <a:r>
+              <a:rPr lang="en-US" dirty="0"/>
+              <a:t>ASP.NET / C#</a:t>
             </a:r>
           </a:p>
         </p:txBody>
@@ -5790,15 +8614,15 @@
         </p:spPr>
         <p:style>
           <a:lnRef idx="2">
-            <a:schemeClr val="accent1">
+            <a:schemeClr val="accent6">
               <a:shade val="50%"/>
             </a:schemeClr>
           </a:lnRef>
           <a:fillRef idx="1">
-            <a:schemeClr val="accent1"/>
+            <a:schemeClr val="accent6"/>
           </a:fillRef>
           <a:effectRef idx="0">
-            <a:schemeClr val="accent1"/>
+            <a:schemeClr val="accent6"/>
           </a:effectRef>
           <a:fontRef idx="minor">
             <a:schemeClr val="lt1"/>
@@ -5810,9 +8634,21 @@
           <a:p>
             <a:pPr algn="ctr"/>
             <a:r>
-              <a:rPr lang="en-US" dirty="0"/>
-              <a:t>BackOffice site</a:t>
-            </a:r>
+              <a:rPr lang="en-US" b="1" dirty="0"/>
+              <a:t>Back-office site</a:t>
+            </a:r>
+          </a:p>
+          <a:p>
+            <a:pPr algn="ctr"/>
+            <a:r>
+              <a:rPr lang="en-US" dirty="0"/>
+              <a:t>“classic” ASP / </a:t>
+            </a:r>
+            <a:r>
+              <a:rPr lang="en-US" dirty="0" err="1"/>
+              <a:t>VbScript</a:t>
+            </a:r>
+            <a:endParaRPr lang="en-US" dirty="0"/>
           </a:p>
         </p:txBody>
       </p:sp>
@@ -5830,8 +8666,8 @@
         </p:nvSpPr>
         <p:spPr>
           <a:xfrm>
-            <a:off x="3494315" y="3624374"/>
-            <a:ext cx="5965372" cy="2613139"/>
+            <a:off x="3494315" y="2951544"/>
+            <a:ext cx="5965372" cy="3320693"/>
           </a:xfrm>
           <a:prstGeom prst="flowChartMagneticDisk">
             <a:avLst/>
@@ -5839,15 +8675,15 @@
         </p:spPr>
         <p:style>
           <a:lnRef idx="2">
-            <a:schemeClr val="accent1">
+            <a:schemeClr val="accent3">
               <a:shade val="50%"/>
             </a:schemeClr>
           </a:lnRef>
           <a:fillRef idx="1">
-            <a:schemeClr val="accent1"/>
+            <a:schemeClr val="accent3"/>
           </a:fillRef>
           <a:effectRef idx="0">
-            <a:schemeClr val="accent1"/>
+            <a:schemeClr val="accent3"/>
           </a:effectRef>
           <a:fontRef idx="minor">
             <a:schemeClr val="lt1"/>
@@ -5858,7 +8694,17 @@
           <a:lstStyle/>
           <a:p>
             <a:pPr algn="ctr"/>
-            <a:endParaRPr lang="en-US"/>
+            <a:r>
+              <a:rPr lang="en-US" b="1" dirty="0"/>
+              <a:t>Data</a:t>
+            </a:r>
+          </a:p>
+          <a:p>
+            <a:pPr algn="ctr"/>
+            <a:r>
+              <a:rPr lang="en-US" dirty="0"/>
+              <a:t>Tables</a:t>
+            </a:r>
           </a:p>
         </p:txBody>
       </p:sp>
@@ -5876,8 +8722,8 @@
         </p:nvSpPr>
         <p:spPr>
           <a:xfrm>
-            <a:off x="3494315" y="2591933"/>
-            <a:ext cx="5965372" cy="2110696"/>
+            <a:off x="3494315" y="2626657"/>
+            <a:ext cx="5965372" cy="1563378"/>
           </a:xfrm>
           <a:prstGeom prst="flowChartMagneticDisk">
             <a:avLst/>
@@ -5885,32 +8731,315 @@
         </p:spPr>
         <p:style>
           <a:lnRef idx="2">
-            <a:schemeClr val="accent1">
+            <a:schemeClr val="accent5">
               <a:shade val="50%"/>
             </a:schemeClr>
           </a:lnRef>
           <a:fillRef idx="1">
+            <a:schemeClr val="accent5"/>
+          </a:fillRef>
+          <a:effectRef idx="0">
+            <a:schemeClr val="accent5"/>
+          </a:effectRef>
+          <a:fontRef idx="minor">
+            <a:schemeClr val="lt1"/>
+          </a:fontRef>
+        </p:style>
+        <p:txBody>
+          <a:bodyPr rtlCol="0" anchor="ctr"/>
+          <a:lstStyle/>
+          <a:p>
+            <a:pPr algn="ctr"/>
+            <a:r>
+              <a:rPr lang="en-US" b="1" dirty="0"/>
+              <a:t>Stored Procedures</a:t>
+            </a:r>
+          </a:p>
+          <a:p>
+            <a:pPr algn="ctr"/>
+            <a:r>
+              <a:rPr lang="en-US" dirty="0"/>
+              <a:t>T-SQL</a:t>
+            </a:r>
+          </a:p>
+        </p:txBody>
+      </p:sp>
+      <p:cxnSp>
+        <p:nvCxnSpPr>
+          <p:cNvPr id="9" name="Straight Arrow Connector 8">
+            <a:extLst>
+              <a:ext uri="{FF2B5EF4-FFF2-40B4-BE49-F238E27FC236}">
+                <a16:creationId xmlns:a16="http://schemas.microsoft.com/office/drawing/2014/main" id="{F01748AA-3FAE-47C2-8BA6-48C1DD8EA9FA}"/>
+              </a:ext>
+            </a:extLst>
+          </p:cNvPr>
+          <p:cNvCxnSpPr>
+            <a:stCxn id="4" idx="2"/>
+          </p:cNvCxnSpPr>
+          <p:nvPr/>
+        </p:nvCxnSpPr>
+        <p:spPr>
+          <a:xfrm>
+            <a:off x="2656113" y="1485142"/>
+            <a:ext cx="2170530" cy="1141515"/>
+          </a:xfrm>
+          <a:prstGeom prst="straightConnector1">
+            <a:avLst/>
+          </a:prstGeom>
+          <a:ln w="57150">
+            <a:tailEnd type="triangle"/>
+          </a:ln>
+        </p:spPr>
+        <p:style>
+          <a:lnRef idx="1">
+            <a:schemeClr val="accent1"/>
+          </a:lnRef>
+          <a:fillRef idx="0">
             <a:schemeClr val="accent1"/>
           </a:fillRef>
           <a:effectRef idx="0">
             <a:schemeClr val="accent1"/>
           </a:effectRef>
           <a:fontRef idx="minor">
-            <a:schemeClr val="lt1"/>
+            <a:schemeClr val="tx1"/>
           </a:fontRef>
         </p:style>
-        <p:txBody>
-          <a:bodyPr rtlCol="0" anchor="ctr"/>
-          <a:lstStyle/>
-          <a:p>
-            <a:pPr algn="ctr"/>
-            <a:r>
-              <a:rPr lang="en-US" dirty="0"/>
-              <a:t>“Business logic”</a:t>
-            </a:r>
-          </a:p>
-        </p:txBody>
-      </p:sp>
+      </p:cxnSp>
+      <p:cxnSp>
+        <p:nvCxnSpPr>
+          <p:cNvPr id="10" name="Straight Arrow Connector 9">
+            <a:extLst>
+              <a:ext uri="{FF2B5EF4-FFF2-40B4-BE49-F238E27FC236}">
+                <a16:creationId xmlns:a16="http://schemas.microsoft.com/office/drawing/2014/main" id="{84E41CCB-083C-4566-8893-269F9C5EEE08}"/>
+              </a:ext>
+            </a:extLst>
+          </p:cNvPr>
+          <p:cNvCxnSpPr>
+            <a:cxnSpLocks/>
+            <a:stCxn id="5" idx="2"/>
+          </p:cNvCxnSpPr>
+          <p:nvPr/>
+        </p:nvCxnSpPr>
+        <p:spPr>
+          <a:xfrm flipH="1">
+            <a:off x="7646045" y="1583645"/>
+            <a:ext cx="1813642" cy="1043012"/>
+          </a:xfrm>
+          <a:prstGeom prst="straightConnector1">
+            <a:avLst/>
+          </a:prstGeom>
+          <a:ln w="57150">
+            <a:tailEnd type="triangle"/>
+          </a:ln>
+        </p:spPr>
+        <p:style>
+          <a:lnRef idx="1">
+            <a:schemeClr val="accent1"/>
+          </a:lnRef>
+          <a:fillRef idx="0">
+            <a:schemeClr val="accent1"/>
+          </a:fillRef>
+          <a:effectRef idx="0">
+            <a:schemeClr val="accent1"/>
+          </a:effectRef>
+          <a:fontRef idx="minor">
+            <a:schemeClr val="tx1"/>
+          </a:fontRef>
+        </p:style>
+      </p:cxnSp>
+      <p:grpSp>
+        <p:nvGrpSpPr>
+          <p:cNvPr id="7" name="Group 6">
+            <a:extLst>
+              <a:ext uri="{FF2B5EF4-FFF2-40B4-BE49-F238E27FC236}">
+                <a16:creationId xmlns:a16="http://schemas.microsoft.com/office/drawing/2014/main" id="{99438D62-AD37-4175-A887-E3C04F21C103}"/>
+              </a:ext>
+            </a:extLst>
+          </p:cNvPr>
+          <p:cNvGrpSpPr/>
+          <p:nvPr/>
+        </p:nvGrpSpPr>
+        <p:grpSpPr>
+          <a:xfrm>
+            <a:off x="324089" y="104173"/>
+            <a:ext cx="11493663" cy="6353978"/>
+            <a:chOff x="324089" y="138897"/>
+            <a:chExt cx="11493663" cy="6353978"/>
+          </a:xfrm>
+          <a:effectLst>
+            <a:outerShdw blurRad="50800" dist="38100" dir="2700000" algn="tl" rotWithShape="0">
+              <a:prstClr val="black">
+                <a:alpha val="40%"/>
+              </a:prstClr>
+            </a:outerShdw>
+          </a:effectLst>
+        </p:grpSpPr>
+        <p:sp>
+          <p:nvSpPr>
+            <p:cNvPr id="14" name="Rectangle: Rounded Corners 13">
+              <a:extLst>
+                <a:ext uri="{FF2B5EF4-FFF2-40B4-BE49-F238E27FC236}">
+                  <a16:creationId xmlns:a16="http://schemas.microsoft.com/office/drawing/2014/main" id="{E44969F0-9447-4891-80B8-01916ED78515}"/>
+                </a:ext>
+              </a:extLst>
+            </p:cNvPr>
+            <p:cNvSpPr/>
+            <p:nvPr/>
+          </p:nvSpPr>
+          <p:spPr>
+            <a:xfrm>
+              <a:off x="324091" y="138897"/>
+              <a:ext cx="11493661" cy="1285696"/>
+            </a:xfrm>
+            <a:prstGeom prst="roundRect">
+              <a:avLst/>
+            </a:prstGeom>
+            <a:solidFill>
+              <a:schemeClr val="accent6">
+                <a:alpha val="50%"/>
+              </a:schemeClr>
+            </a:solidFill>
+            <a:ln>
+              <a:noFill/>
+            </a:ln>
+          </p:spPr>
+          <p:style>
+            <a:lnRef idx="0">
+              <a:scrgbClr r="0%" g="0%" b="0%"/>
+            </a:lnRef>
+            <a:fillRef idx="0">
+              <a:scrgbClr r="0%" g="0%" b="0%"/>
+            </a:fillRef>
+            <a:effectRef idx="0">
+              <a:scrgbClr r="0%" g="0%" b="0%"/>
+            </a:effectRef>
+            <a:fontRef idx="minor">
+              <a:schemeClr val="lt1"/>
+            </a:fontRef>
+          </p:style>
+          <p:txBody>
+            <a:bodyPr rtlCol="0" anchor="ctr"/>
+            <a:lstStyle/>
+            <a:p>
+              <a:pPr algn="ctr"/>
+              <a:r>
+                <a:rPr lang="en-US" dirty="0"/>
+                <a:t>PRESENTATION</a:t>
+              </a:r>
+            </a:p>
+          </p:txBody>
+        </p:sp>
+        <p:sp>
+          <p:nvSpPr>
+            <p:cNvPr id="15" name="Rectangle: Rounded Corners 14">
+              <a:extLst>
+                <a:ext uri="{FF2B5EF4-FFF2-40B4-BE49-F238E27FC236}">
+                  <a16:creationId xmlns:a16="http://schemas.microsoft.com/office/drawing/2014/main" id="{1571AE46-06E4-49AB-8349-183329F1B137}"/>
+                </a:ext>
+              </a:extLst>
+            </p:cNvPr>
+            <p:cNvSpPr/>
+            <p:nvPr/>
+          </p:nvSpPr>
+          <p:spPr>
+            <a:xfrm>
+              <a:off x="324090" y="1424593"/>
+              <a:ext cx="11493661" cy="2777569"/>
+            </a:xfrm>
+            <a:prstGeom prst="roundRect">
+              <a:avLst/>
+            </a:prstGeom>
+            <a:solidFill>
+              <a:schemeClr val="accent5">
+                <a:alpha val="50%"/>
+              </a:schemeClr>
+            </a:solidFill>
+            <a:ln>
+              <a:noFill/>
+            </a:ln>
+          </p:spPr>
+          <p:style>
+            <a:lnRef idx="0">
+              <a:scrgbClr r="0%" g="0%" b="0%"/>
+            </a:lnRef>
+            <a:fillRef idx="0">
+              <a:scrgbClr r="0%" g="0%" b="0%"/>
+            </a:fillRef>
+            <a:effectRef idx="0">
+              <a:scrgbClr r="0%" g="0%" b="0%"/>
+            </a:effectRef>
+            <a:fontRef idx="minor">
+              <a:schemeClr val="lt1"/>
+            </a:fontRef>
+          </p:style>
+          <p:txBody>
+            <a:bodyPr rtlCol="0" anchor="ctr"/>
+            <a:lstStyle/>
+            <a:p>
+              <a:pPr algn="ctr"/>
+              <a:r>
+                <a:rPr lang="en-US" dirty="0"/>
+                <a:t>BUSINESS LOGIC</a:t>
+              </a:r>
+            </a:p>
+          </p:txBody>
+        </p:sp>
+        <p:sp>
+          <p:nvSpPr>
+            <p:cNvPr id="16" name="Rectangle: Rounded Corners 15">
+              <a:extLst>
+                <a:ext uri="{FF2B5EF4-FFF2-40B4-BE49-F238E27FC236}">
+                  <a16:creationId xmlns:a16="http://schemas.microsoft.com/office/drawing/2014/main" id="{D7E49527-8BA7-4B7F-9FF7-1A3B84B304D2}"/>
+                </a:ext>
+              </a:extLst>
+            </p:cNvPr>
+            <p:cNvSpPr/>
+            <p:nvPr/>
+          </p:nvSpPr>
+          <p:spPr>
+            <a:xfrm>
+              <a:off x="324089" y="4202162"/>
+              <a:ext cx="11493661" cy="2290713"/>
+            </a:xfrm>
+            <a:prstGeom prst="roundRect">
+              <a:avLst/>
+            </a:prstGeom>
+            <a:solidFill>
+              <a:schemeClr val="accent3">
+                <a:alpha val="50%"/>
+              </a:schemeClr>
+            </a:solidFill>
+            <a:ln>
+              <a:noFill/>
+            </a:ln>
+          </p:spPr>
+          <p:style>
+            <a:lnRef idx="0">
+              <a:scrgbClr r="0%" g="0%" b="0%"/>
+            </a:lnRef>
+            <a:fillRef idx="0">
+              <a:scrgbClr r="0%" g="0%" b="0%"/>
+            </a:fillRef>
+            <a:effectRef idx="0">
+              <a:scrgbClr r="0%" g="0%" b="0%"/>
+            </a:effectRef>
+            <a:fontRef idx="minor">
+              <a:schemeClr val="lt1"/>
+            </a:fontRef>
+          </p:style>
+          <p:txBody>
+            <a:bodyPr rtlCol="0" anchor="ctr"/>
+            <a:lstStyle/>
+            <a:p>
+              <a:pPr algn="ctr"/>
+              <a:r>
+                <a:rPr lang="en-US" dirty="0"/>
+                <a:t>DATA</a:t>
+              </a:r>
+            </a:p>
+          </p:txBody>
+        </p:sp>
+      </p:grpSp>
     </p:spTree>
     <p:extLst>
       <p:ext uri="{BB962C8B-B14F-4D97-AF65-F5344CB8AC3E}">
@@ -5921,6 +9050,89 @@
   <p:clrMapOvr>
     <a:masterClrMapping/>
   </p:clrMapOvr>
+  <p:timing>
+    <p:tnLst>
+      <p:par>
+        <p:cTn id="1" dur="indefinite" restart="never" nodeType="tmRoot">
+          <p:childTnLst>
+            <p:seq concurrent="1" nextAc="seek">
+              <p:cTn id="2" dur="indefinite" nodeType="mainSeq">
+                <p:childTnLst>
+                  <p:par>
+                    <p:cTn id="3" fill="hold">
+                      <p:stCondLst>
+                        <p:cond delay="indefinite"/>
+                      </p:stCondLst>
+                      <p:childTnLst>
+                        <p:par>
+                          <p:cTn id="4" fill="hold">
+                            <p:stCondLst>
+                              <p:cond delay="0"/>
+                            </p:stCondLst>
+                            <p:childTnLst>
+                              <p:par>
+                                <p:cTn id="5" presetID="10" presetClass="entr" presetSubtype="0" fill="hold" nodeType="clickEffect">
+                                  <p:stCondLst>
+                                    <p:cond delay="0"/>
+                                  </p:stCondLst>
+                                  <p:childTnLst>
+                                    <p:set>
+                                      <p:cBhvr>
+                                        <p:cTn id="6" dur="1" fill="hold">
+                                          <p:stCondLst>
+                                            <p:cond delay="0"/>
+                                          </p:stCondLst>
+                                        </p:cTn>
+                                        <p:tgtEl>
+                                          <p:spTgt spid="7"/>
+                                        </p:tgtEl>
+                                        <p:attrNameLst>
+                                          <p:attrName>style.visibility</p:attrName>
+                                        </p:attrNameLst>
+                                      </p:cBhvr>
+                                      <p:to>
+                                        <p:strVal val="visible"/>
+                                      </p:to>
+                                    </p:set>
+                                    <p:animEffect transition="in" filter="fade">
+                                      <p:cBhvr>
+                                        <p:cTn id="7" dur="500"/>
+                                        <p:tgtEl>
+                                          <p:spTgt spid="7"/>
+                                        </p:tgtEl>
+                                      </p:cBhvr>
+                                    </p:animEffect>
+                                  </p:childTnLst>
+                                </p:cTn>
+                              </p:par>
+                            </p:childTnLst>
+                          </p:cTn>
+                        </p:par>
+                      </p:childTnLst>
+                    </p:cTn>
+                  </p:par>
+                </p:childTnLst>
+              </p:cTn>
+              <p:prevCondLst>
+                <p:cond evt="onPrev" delay="0">
+                  <p:tgtEl>
+                    <p:sldTgt/>
+                  </p:tgtEl>
+                </p:cond>
+              </p:prevCondLst>
+              <p:nextCondLst>
+                <p:cond evt="onNext" delay="0">
+                  <p:tgtEl>
+                    <p:sldTgt/>
+                  </p:tgtEl>
+                </p:cond>
+              </p:nextCondLst>
+            </p:seq>
+          </p:childTnLst>
+        </p:cTn>
+      </p:par>
+    </p:tnLst>
+  </p:timing>
 </p:sld>
 </file>
 
@@ -5946,7 +9158,7 @@
           <p:cNvPr id="2" name="Title 1">
             <a:extLst>
               <a:ext uri="{FF2B5EF4-FFF2-40B4-BE49-F238E27FC236}">
-                <a16:creationId xmlns:a16="http://schemas.microsoft.com/office/drawing/2014/main" id="{1EA95F3E-709E-4C0B-A882-427440C916FF}"/>
+                <a16:creationId xmlns:a16="http://schemas.microsoft.com/office/drawing/2014/main" id="{A0266DE0-5816-422F-BB66-A49891B5BAAC}"/>
               </a:ext>
             </a:extLst>
           </p:cNvPr>
@@ -5964,7 +9176,7 @@
           <a:p>
             <a:r>
               <a:rPr lang="en-US" dirty="0"/>
-              <a:t>THE database</a:t>
+              <a:t>And it was … </a:t>
             </a:r>
           </a:p>
         </p:txBody>
@@ -5974,7 +9186,7 @@
           <p:cNvPr id="3" name="Content Placeholder 2">
             <a:extLst>
               <a:ext uri="{FF2B5EF4-FFF2-40B4-BE49-F238E27FC236}">
-                <a16:creationId xmlns:a16="http://schemas.microsoft.com/office/drawing/2014/main" id="{5349CC19-1B83-42EA-BBB3-B3CA624684F9}"/>
+                <a16:creationId xmlns:a16="http://schemas.microsoft.com/office/drawing/2014/main" id="{13E1AC32-6AC9-41D4-862D-F5919A813B30}"/>
               </a:ext>
             </a:extLst>
           </p:cNvPr>
@@ -5990,14 +9202,65 @@
           <a:bodyPr/>
           <a:lstStyle/>
           <a:p>
-            <a:endParaRPr lang="en-US"/>
+            <a:r>
+              <a:rPr lang="en-US" dirty="0"/>
+              <a:t>Not super pleasant</a:t>
+            </a:r>
+          </a:p>
+          <a:p>
+            <a:pPr lvl="1"/>
+            <a:r>
+              <a:rPr lang="en-US" dirty="0" err="1"/>
+              <a:t>VbScript</a:t>
+            </a:r>
+            <a:endParaRPr lang="en-US" dirty="0"/>
+          </a:p>
+          <a:p>
+            <a:pPr lvl="1"/>
+            <a:r>
+              <a:rPr lang="en-US" dirty="0"/>
+              <a:t>T-SQL</a:t>
+            </a:r>
+          </a:p>
+          <a:p>
+            <a:r>
+              <a:rPr lang="en-US" dirty="0"/>
+              <a:t>Fragile</a:t>
+            </a:r>
+          </a:p>
+          <a:p>
+            <a:pPr lvl="1"/>
+            <a:r>
+              <a:rPr lang="en-US" dirty="0"/>
+              <a:t>No automated tests</a:t>
+            </a:r>
+          </a:p>
+          <a:p>
+            <a:pPr lvl="1"/>
+            <a:r>
+              <a:rPr lang="en-US" dirty="0"/>
+              <a:t>Tight coupling</a:t>
+            </a:r>
+          </a:p>
+          <a:p>
+            <a:pPr lvl="2"/>
+            <a:r>
+              <a:rPr lang="en-US" dirty="0"/>
+              <a:t>Schema -&gt; Stored Procs -&gt; Website / admin site</a:t>
+            </a:r>
+          </a:p>
+          <a:p>
+            <a:endParaRPr lang="en-US" dirty="0"/>
+          </a:p>
+          <a:p>
+            <a:endParaRPr lang="en-US" dirty="0"/>
           </a:p>
         </p:txBody>
       </p:sp>
     </p:spTree>
     <p:extLst>
       <p:ext uri="{BB962C8B-B14F-4D97-AF65-F5344CB8AC3E}">
-        <p14:creationId xmlns:p14="http://schemas.microsoft.com/office/powerpoint/2010/main" val="965296804"/>
+        <p14:creationId xmlns:p14="http://schemas.microsoft.com/office/powerpoint/2010/main" val="3139109926"/>
       </p:ext>
     </p:extLst>
   </p:cSld>
@@ -6029,7 +9292,7 @@
           <p:cNvPr id="2" name="Title 1">
             <a:extLst>
               <a:ext uri="{FF2B5EF4-FFF2-40B4-BE49-F238E27FC236}">
-                <a16:creationId xmlns:a16="http://schemas.microsoft.com/office/drawing/2014/main" id="{7F8ED4CF-9686-4257-9128-C9C99B4CA9F0}"/>
+                <a16:creationId xmlns:a16="http://schemas.microsoft.com/office/drawing/2014/main" id="{C8C5D4F6-3D95-4530-A18A-A4933BA238B5}"/>
               </a:ext>
             </a:extLst>
           </p:cNvPr>
@@ -6047,7 +9310,7 @@
           <a:p>
             <a:r>
               <a:rPr lang="en-US" dirty="0"/>
-              <a:t>Strategies : table clusters</a:t>
+              <a:t>… but it worked “well enough”!</a:t>
             </a:r>
           </a:p>
         </p:txBody>
@@ -6057,7 +9320,7 @@
           <p:cNvPr id="3" name="Content Placeholder 2">
             <a:extLst>
               <a:ext uri="{FF2B5EF4-FFF2-40B4-BE49-F238E27FC236}">
-                <a16:creationId xmlns:a16="http://schemas.microsoft.com/office/drawing/2014/main" id="{04C056FA-CD17-4249-837E-2223D1D2C1DB}"/>
+                <a16:creationId xmlns:a16="http://schemas.microsoft.com/office/drawing/2014/main" id="{A28DDC50-3C4E-4875-8E64-5444587931AA}"/>
               </a:ext>
             </a:extLst>
           </p:cNvPr>
@@ -6075,33 +9338,85 @@
           <a:p>
             <a:r>
               <a:rPr lang="en-US" dirty="0"/>
-              <a:t>Isolate tables and define which ones belong to you</a:t>
-            </a:r>
-          </a:p>
-          <a:p>
-            <a:r>
-              <a:rPr lang="en-US" dirty="0"/>
-              <a:t>Convention to ignore some fields</a:t>
-            </a:r>
-          </a:p>
-          <a:p>
-            <a:r>
-              <a:rPr lang="en-US" dirty="0"/>
-              <a:t>Cut the dependency graph</a:t>
-            </a:r>
-          </a:p>
-          <a:p>
-            <a:r>
-              <a:rPr lang="en-US" dirty="0"/>
-              <a:t>It can be hard in a “normalized” database</a:t>
-            </a:r>
-          </a:p>
-        </p:txBody>
-      </p:sp>
+              <a:t>Customer value</a:t>
+            </a:r>
+          </a:p>
+          <a:p>
+            <a:pPr lvl="1"/>
+            <a:r>
+              <a:rPr lang="en-US" dirty="0"/>
+              <a:t>Happy customer</a:t>
+            </a:r>
+          </a:p>
+          <a:p>
+            <a:pPr lvl="1"/>
+            <a:r>
+              <a:rPr lang="en-US" dirty="0"/>
+              <a:t>Fast delivery of features</a:t>
+            </a:r>
+          </a:p>
+          <a:p>
+            <a:pPr lvl="1"/>
+            <a:r>
+              <a:rPr lang="en-US" dirty="0"/>
+              <a:t>Reasonable perf</a:t>
+            </a:r>
+          </a:p>
+          <a:p>
+            <a:r>
+              <a:rPr lang="en-US" dirty="0"/>
+              <a:t>Easy to work on</a:t>
+            </a:r>
+          </a:p>
+          <a:p>
+            <a:pPr lvl="1"/>
+            <a:r>
+              <a:rPr lang="en-US" dirty="0"/>
+              <a:t>1 feature ≈ 1 stored procedure</a:t>
+            </a:r>
+          </a:p>
+        </p:txBody>
+      </p:sp>
+      <p:pic>
+        <p:nvPicPr>
+          <p:cNvPr id="5" name="Picture 4">
+            <a:extLst>
+              <a:ext uri="{FF2B5EF4-FFF2-40B4-BE49-F238E27FC236}">
+                <a16:creationId xmlns:a16="http://schemas.microsoft.com/office/drawing/2014/main" id="{0638318A-9461-40DF-9CBD-2B25B6FF8B59}"/>
+              </a:ext>
+            </a:extLst>
+          </p:cNvPr>
+          <p:cNvPicPr>
+            <a:picLocks noChangeAspect="1"/>
+          </p:cNvPicPr>
+          <p:nvPr/>
+        </p:nvPicPr>
+        <p:blipFill>
+          <a:blip r:embed="rId2">
+            <a:extLst>
+              <a:ext uri="{28A0092B-C50C-407E-A947-70E740481C1C}">
+                <a14:useLocalDpi xmlns:a14="http://schemas.microsoft.com/office/drawing/2010/main" val="0"/>
+              </a:ext>
+            </a:extLst>
+          </a:blip>
+          <a:stretch>
+            <a:fillRect/>
+          </a:stretch>
+        </p:blipFill>
+        <p:spPr>
+          <a:xfrm>
+            <a:off x="6730076" y="1631950"/>
+            <a:ext cx="4738687" cy="4738687"/>
+          </a:xfrm>
+          <a:prstGeom prst="rect">
+            <a:avLst/>
+          </a:prstGeom>
+        </p:spPr>
+      </p:pic>
     </p:spTree>
     <p:extLst>
       <p:ext uri="{BB962C8B-B14F-4D97-AF65-F5344CB8AC3E}">
-        <p14:creationId xmlns:p14="http://schemas.microsoft.com/office/powerpoint/2010/main" val="2748209223"/>
+        <p14:creationId xmlns:p14="http://schemas.microsoft.com/office/powerpoint/2010/main" val="418932293"/>
       </p:ext>
     </p:extLst>
   </p:cSld>
@@ -6133,7 +9448,7 @@
           <p:cNvPr id="2" name="Title 1">
             <a:extLst>
               <a:ext uri="{FF2B5EF4-FFF2-40B4-BE49-F238E27FC236}">
-                <a16:creationId xmlns:a16="http://schemas.microsoft.com/office/drawing/2014/main" id="{FA9B8060-B60D-4DF2-A1CA-AE66C23863EC}"/>
+                <a16:creationId xmlns:a16="http://schemas.microsoft.com/office/drawing/2014/main" id="{6E68B3F6-1EA9-4891-B030-4BDED777E307}"/>
               </a:ext>
             </a:extLst>
           </p:cNvPr>
@@ -6149,7 +9464,18 @@
           <a:bodyPr/>
           <a:lstStyle/>
           <a:p>
-            <a:endParaRPr lang="en-US"/>
+            <a:r>
+              <a:rPr lang="en-US" dirty="0"/>
+              <a:t>... in </a:t>
+            </a:r>
+            <a:r>
+              <a:rPr lang="en-US" b="1" u="sng" dirty="0"/>
+              <a:t>that</a:t>
+            </a:r>
+            <a:r>
+              <a:rPr lang="en-US" dirty="0"/>
+              <a:t> context</a:t>
+            </a:r>
           </a:p>
         </p:txBody>
       </p:sp>
@@ -6158,7 +9484,7 @@
           <p:cNvPr id="3" name="Content Placeholder 2">
             <a:extLst>
               <a:ext uri="{FF2B5EF4-FFF2-40B4-BE49-F238E27FC236}">
-                <a16:creationId xmlns:a16="http://schemas.microsoft.com/office/drawing/2014/main" id="{7BFAA05B-A9BB-43F3-A28E-DFCE648F1067}"/>
+                <a16:creationId xmlns:a16="http://schemas.microsoft.com/office/drawing/2014/main" id="{59E64791-8294-4C20-99F8-8D77E21115FB}"/>
               </a:ext>
             </a:extLst>
           </p:cNvPr>
@@ -6176,42 +9502,98 @@
           <a:p>
             <a:r>
               <a:rPr lang="en-US" dirty="0"/>
-              <a:t>Database first … not impossible but : </a:t>
-            </a:r>
-          </a:p>
-          <a:p>
-            <a:pPr lvl="1"/>
-            <a:r>
-              <a:rPr lang="en-US" dirty="0"/>
-              <a:t>Evolution can be hard</a:t>
-            </a:r>
-          </a:p>
-          <a:p>
-            <a:pPr lvl="1"/>
-            <a:r>
-              <a:rPr lang="en-US" dirty="0"/>
-              <a:t>Testing is hard</a:t>
-            </a:r>
-          </a:p>
-          <a:p>
-            <a:pPr lvl="1"/>
-            <a:r>
-              <a:rPr lang="en-US" dirty="0"/>
-              <a:t>T-SQL is not very nice</a:t>
-            </a:r>
-          </a:p>
-          <a:p>
-            <a:pPr lvl="1"/>
-            <a:r>
-              <a:rPr lang="en-US" dirty="0"/>
-              <a:t>Versioning / collaboration</a:t>
-            </a:r>
-          </a:p>
-          <a:p>
-            <a:pPr lvl="1"/>
-            <a:r>
-              <a:rPr lang="en-US" dirty="0"/>
-              <a:t>Lots of accidental complexity when adding cross-cutting concerns</a:t>
+              <a:t>Working alone on project</a:t>
+            </a:r>
+          </a:p>
+          <a:p>
+            <a:r>
+              <a:rPr lang="en-US" dirty="0"/>
+              <a:t>Version 1 of the product</a:t>
+            </a:r>
+          </a:p>
+          <a:p>
+            <a:r>
+              <a:rPr lang="en-US" dirty="0"/>
+              <a:t>Well-defined requirements</a:t>
+            </a:r>
+          </a:p>
+          <a:p>
+            <a:r>
+              <a:rPr lang="en-US" dirty="0"/>
+              <a:t>Tight interactions with customer</a:t>
+            </a:r>
+          </a:p>
+          <a:p>
+            <a:r>
+              <a:rPr lang="en-US" dirty="0"/>
+              <a:t>Simple domain</a:t>
+            </a:r>
+          </a:p>
+          <a:p>
+            <a:endParaRPr lang="en-US" dirty="0"/>
+          </a:p>
+        </p:txBody>
+      </p:sp>
+      <p:sp>
+        <p:nvSpPr>
+          <p:cNvPr id="6" name="TextBox 5">
+            <a:extLst>
+              <a:ext uri="{FF2B5EF4-FFF2-40B4-BE49-F238E27FC236}">
+                <a16:creationId xmlns:a16="http://schemas.microsoft.com/office/drawing/2014/main" id="{505B21B4-4D20-4245-938F-B9628FC93448}"/>
+              </a:ext>
+            </a:extLst>
+          </p:cNvPr>
+          <p:cNvSpPr txBox="1"/>
+          <p:nvPr/>
+        </p:nvSpPr>
+        <p:spPr>
+          <a:xfrm>
+            <a:off x="2330977" y="4639533"/>
+            <a:ext cx="4949500" cy="461665"/>
+          </a:xfrm>
+          <a:prstGeom prst="rect">
+            <a:avLst/>
+          </a:prstGeom>
+          <a:noFill/>
+        </p:spPr>
+        <p:txBody>
+          <a:bodyPr wrap="square" rtlCol="0">
+            <a:spAutoFit/>
+          </a:bodyPr>
+          <a:lstStyle/>
+          <a:p>
+            <a:r>
+              <a:rPr lang="en-US" sz="2400" b="1" dirty="0">
+                <a:solidFill>
+                  <a:schemeClr val="bg1">
+                    <a:lumMod val="50%"/>
+                  </a:schemeClr>
+                </a:solidFill>
+                <a:latin typeface="Lucida Handwriting" panose="03010101010101010101" pitchFamily="66" charset="0"/>
+              </a:rPr>
+              <a:t>= ideal </a:t>
+            </a:r>
+            <a:r>
+              <a:rPr lang="en-US" sz="2400" b="1" dirty="0">
+                <a:solidFill>
+                  <a:schemeClr val="accent6">
+                    <a:lumMod val="75%"/>
+                  </a:schemeClr>
+                </a:solidFill>
+                <a:latin typeface="Lucida Handwriting" panose="03010101010101010101" pitchFamily="66" charset="0"/>
+              </a:rPr>
+              <a:t>greenfield </a:t>
+            </a:r>
+            <a:r>
+              <a:rPr lang="en-US" sz="2400" b="1" dirty="0">
+                <a:solidFill>
+                  <a:schemeClr val="bg1">
+                    <a:lumMod val="50%"/>
+                  </a:schemeClr>
+                </a:solidFill>
+                <a:latin typeface="Lucida Handwriting" panose="03010101010101010101" pitchFamily="66" charset="0"/>
+              </a:rPr>
+              <a:t>project</a:t>
             </a:r>
           </a:p>
         </p:txBody>
@@ -6219,7 +9601,7 @@
     </p:spTree>
     <p:extLst>
       <p:ext uri="{BB962C8B-B14F-4D97-AF65-F5344CB8AC3E}">
-        <p14:creationId xmlns:p14="http://schemas.microsoft.com/office/powerpoint/2010/main" val="2994675664"/>
+        <p14:creationId xmlns:p14="http://schemas.microsoft.com/office/powerpoint/2010/main" val="3184007364"/>
       </p:ext>
     </p:extLst>
   </p:cSld>
@@ -6248,10 +9630,10 @@
       </p:grpSpPr>
       <p:sp>
         <p:nvSpPr>
-          <p:cNvPr id="2" name="Title 1">
-            <a:extLst>
-              <a:ext uri="{FF2B5EF4-FFF2-40B4-BE49-F238E27FC236}">
-                <a16:creationId xmlns:a16="http://schemas.microsoft.com/office/drawing/2014/main" id="{0FBAC234-45DE-4478-BC78-AD63B0E33690}"/>
+          <p:cNvPr id="6" name="Title 5">
+            <a:extLst>
+              <a:ext uri="{FF2B5EF4-FFF2-40B4-BE49-F238E27FC236}">
+                <a16:creationId xmlns:a16="http://schemas.microsoft.com/office/drawing/2014/main" id="{818D790A-99AF-4455-B8AA-114B05C1E8D6}"/>
               </a:ext>
             </a:extLst>
           </p:cNvPr>
@@ -6269,33 +9651,25 @@
           <a:p>
             <a:r>
               <a:rPr lang="en-US" dirty="0"/>
-              <a:t>From </a:t>
-            </a:r>
-            <a:r>
-              <a:rPr lang="en-US" dirty="0" err="1"/>
-              <a:t>db</a:t>
-            </a:r>
-            <a:r>
-              <a:rPr lang="en-US" dirty="0"/>
-              <a:t>-first to model-first</a:t>
-            </a:r>
-          </a:p>
-        </p:txBody>
-      </p:sp>
-      <p:sp>
-        <p:nvSpPr>
-          <p:cNvPr id="3" name="Content Placeholder 2">
-            <a:extLst>
-              <a:ext uri="{FF2B5EF4-FFF2-40B4-BE49-F238E27FC236}">
-                <a16:creationId xmlns:a16="http://schemas.microsoft.com/office/drawing/2014/main" id="{242C1F45-C783-40BE-9DB1-E71FBD900DCD}"/>
-              </a:ext>
-            </a:extLst>
-          </p:cNvPr>
-          <p:cNvSpPr>
-            <a:spLocks noGrp="1"/>
-          </p:cNvSpPr>
-          <p:nvPr>
-            <p:ph idx="1"/>
+              <a:t>A few years later … </a:t>
+            </a:r>
+          </a:p>
+        </p:txBody>
+      </p:sp>
+      <p:sp>
+        <p:nvSpPr>
+          <p:cNvPr id="7" name="Text Placeholder 6">
+            <a:extLst>
+              <a:ext uri="{FF2B5EF4-FFF2-40B4-BE49-F238E27FC236}">
+                <a16:creationId xmlns:a16="http://schemas.microsoft.com/office/drawing/2014/main" id="{B71D80D4-CB60-4947-8FB4-F7BA14B8EFDA}"/>
+              </a:ext>
+            </a:extLst>
+          </p:cNvPr>
+          <p:cNvSpPr>
+            <a:spLocks noGrp="1"/>
+          </p:cNvSpPr>
+          <p:nvPr>
+            <p:ph type="body" idx="1"/>
           </p:nvPr>
         </p:nvSpPr>
         <p:spPr/>
@@ -6305,33 +9679,15 @@
           <a:p>
             <a:r>
               <a:rPr lang="en-US" dirty="0"/>
-              <a:t>Get the logic out of the database</a:t>
-            </a:r>
-          </a:p>
-          <a:p>
-            <a:endParaRPr lang="en-US" dirty="0"/>
-          </a:p>
-          <a:p>
-            <a:r>
-              <a:rPr lang="en-US" dirty="0"/>
-              <a:t>We want automated testing</a:t>
-            </a:r>
-          </a:p>
-          <a:p>
-            <a:r>
-              <a:rPr lang="en-US" dirty="0"/>
-              <a:t>We want expressive code</a:t>
-            </a:r>
-          </a:p>
-          <a:p>
-            <a:endParaRPr lang="en-US" dirty="0"/>
+              <a:t>Similar approach, different context</a:t>
+            </a:r>
           </a:p>
         </p:txBody>
       </p:sp>
     </p:spTree>
     <p:extLst>
       <p:ext uri="{BB962C8B-B14F-4D97-AF65-F5344CB8AC3E}">
-        <p14:creationId xmlns:p14="http://schemas.microsoft.com/office/powerpoint/2010/main" val="2919989880"/>
+        <p14:creationId xmlns:p14="http://schemas.microsoft.com/office/powerpoint/2010/main" val="3194679924"/>
       </p:ext>
     </p:extLst>
   </p:cSld>
@@ -6360,131 +9716,936 @@
       </p:grpSpPr>
       <p:sp>
         <p:nvSpPr>
-          <p:cNvPr id="2" name="Title 1">
-            <a:extLst>
-              <a:ext uri="{FF2B5EF4-FFF2-40B4-BE49-F238E27FC236}">
-                <a16:creationId xmlns:a16="http://schemas.microsoft.com/office/drawing/2014/main" id="{5689B6AA-3EC0-4461-9B03-B16C85179F17}"/>
-              </a:ext>
-            </a:extLst>
-          </p:cNvPr>
-          <p:cNvSpPr>
-            <a:spLocks noGrp="1"/>
-          </p:cNvSpPr>
-          <p:nvPr>
-            <p:ph type="title"/>
-          </p:nvPr>
-        </p:nvSpPr>
-        <p:spPr/>
-        <p:txBody>
-          <a:bodyPr/>
-          <a:lstStyle/>
-          <a:p>
-            <a:r>
-              <a:rPr lang="en-US" dirty="0"/>
-              <a:t>ORM</a:t>
-            </a:r>
-          </a:p>
-        </p:txBody>
-      </p:sp>
-      <p:sp>
-        <p:nvSpPr>
-          <p:cNvPr id="3" name="Content Placeholder 2">
-            <a:extLst>
-              <a:ext uri="{FF2B5EF4-FFF2-40B4-BE49-F238E27FC236}">
-                <a16:creationId xmlns:a16="http://schemas.microsoft.com/office/drawing/2014/main" id="{6EF8BC7C-638B-4DA6-915D-990ED16CA411}"/>
-              </a:ext>
-            </a:extLst>
-          </p:cNvPr>
-          <p:cNvSpPr>
-            <a:spLocks noGrp="1"/>
-          </p:cNvSpPr>
-          <p:nvPr>
-            <p:ph idx="1"/>
-          </p:nvPr>
-        </p:nvSpPr>
-        <p:spPr/>
-        <p:txBody>
-          <a:bodyPr>
-            <a:normAutofit lnSpcReduction="10%"/>
-          </a:bodyPr>
-          <a:lstStyle/>
-          <a:p>
-            <a:r>
-              <a:rPr lang="en-US" dirty="0"/>
-              <a:t>Entity Framework</a:t>
-            </a:r>
-          </a:p>
-          <a:p>
-            <a:r>
-              <a:rPr lang="en-US" dirty="0"/>
-              <a:t>Generate </a:t>
-            </a:r>
-            <a:r>
-              <a:rPr lang="en-US" dirty="0" err="1"/>
-              <a:t>DbContext</a:t>
-            </a:r>
-            <a:r>
-              <a:rPr lang="en-US" dirty="0"/>
-              <a:t> / </a:t>
-            </a:r>
-            <a:r>
-              <a:rPr lang="en-US" dirty="0" err="1"/>
-              <a:t>DbSets</a:t>
-            </a:r>
-            <a:r>
-              <a:rPr lang="en-US" dirty="0"/>
-              <a:t> from the Db</a:t>
-            </a:r>
-          </a:p>
-          <a:p>
-            <a:r>
-              <a:rPr lang="en-US" dirty="0"/>
-              <a:t>“Entities” are pretty much DTOs / mapping from table (actually they are generated !) + annotations ... </a:t>
-            </a:r>
-          </a:p>
-          <a:p>
-            <a:r>
-              <a:rPr lang="en-US" dirty="0"/>
-              <a:t>Logic in the code (yay) … </a:t>
-            </a:r>
-          </a:p>
-          <a:p>
-            <a:r>
-              <a:rPr lang="en-US" dirty="0"/>
-              <a:t>… in the controllers U_U</a:t>
-            </a:r>
-          </a:p>
-          <a:p>
-            <a:r>
-              <a:rPr lang="en-US" dirty="0"/>
-              <a:t>Hard coded Entity Framework</a:t>
-            </a:r>
-          </a:p>
-          <a:p>
-            <a:r>
-              <a:rPr lang="en-US" dirty="0"/>
-              <a:t>Lazy-loading : terrible perf</a:t>
-            </a:r>
-          </a:p>
-          <a:p>
-            <a:r>
-              <a:rPr lang="en-US" dirty="0"/>
-              <a:t>In controllers …. Like the demo code from MSDN </a:t>
-            </a:r>
-            <a:r>
-              <a:rPr lang="en-US" dirty="0">
-                <a:sym typeface="Wingdings" panose="05000000000000000000" pitchFamily="2" charset="2"/>
-              </a:rPr>
-              <a:t></a:t>
+          <p:cNvPr id="33" name="Rectangle: Rounded Corners 32">
+            <a:extLst>
+              <a:ext uri="{FF2B5EF4-FFF2-40B4-BE49-F238E27FC236}">
+                <a16:creationId xmlns:a16="http://schemas.microsoft.com/office/drawing/2014/main" id="{1F566ECE-CBE6-47F0-B18D-BA91850E2112}"/>
+              </a:ext>
+            </a:extLst>
+          </p:cNvPr>
+          <p:cNvSpPr/>
+          <p:nvPr/>
+        </p:nvSpPr>
+        <p:spPr>
+          <a:xfrm>
+            <a:off x="9744859" y="4626358"/>
+            <a:ext cx="2240164" cy="804105"/>
+          </a:xfrm>
+          <a:prstGeom prst="roundRect">
+            <a:avLst/>
+          </a:prstGeom>
+        </p:spPr>
+        <p:style>
+          <a:lnRef idx="2">
+            <a:schemeClr val="accent6">
+              <a:shade val="50%"/>
+            </a:schemeClr>
+          </a:lnRef>
+          <a:fillRef idx="1">
+            <a:schemeClr val="accent6"/>
+          </a:fillRef>
+          <a:effectRef idx="0">
+            <a:schemeClr val="accent6"/>
+          </a:effectRef>
+          <a:fontRef idx="minor">
+            <a:schemeClr val="lt1"/>
+          </a:fontRef>
+        </p:style>
+        <p:txBody>
+          <a:bodyPr rtlCol="0" anchor="ctr"/>
+          <a:lstStyle/>
+          <a:p>
+            <a:pPr algn="ctr"/>
+            <a:r>
+              <a:rPr lang="en-US" dirty="0"/>
+              <a:t>This scripts that runs every night</a:t>
+            </a:r>
+          </a:p>
+        </p:txBody>
+      </p:sp>
+      <p:sp>
+        <p:nvSpPr>
+          <p:cNvPr id="32" name="Rectangle: Rounded Corners 31">
+            <a:extLst>
+              <a:ext uri="{FF2B5EF4-FFF2-40B4-BE49-F238E27FC236}">
+                <a16:creationId xmlns:a16="http://schemas.microsoft.com/office/drawing/2014/main" id="{19455B9E-691F-4FCE-B2CC-64155E45D79E}"/>
+              </a:ext>
+            </a:extLst>
+          </p:cNvPr>
+          <p:cNvSpPr/>
+          <p:nvPr/>
+        </p:nvSpPr>
+        <p:spPr>
+          <a:xfrm>
+            <a:off x="9570183" y="1880047"/>
+            <a:ext cx="2414839" cy="804105"/>
+          </a:xfrm>
+          <a:prstGeom prst="roundRect">
+            <a:avLst/>
+          </a:prstGeom>
+        </p:spPr>
+        <p:style>
+          <a:lnRef idx="2">
+            <a:schemeClr val="accent6">
+              <a:shade val="50%"/>
+            </a:schemeClr>
+          </a:lnRef>
+          <a:fillRef idx="1">
+            <a:schemeClr val="accent6"/>
+          </a:fillRef>
+          <a:effectRef idx="0">
+            <a:schemeClr val="accent6"/>
+          </a:effectRef>
+          <a:fontRef idx="minor">
+            <a:schemeClr val="lt1"/>
+          </a:fontRef>
+        </p:style>
+        <p:txBody>
+          <a:bodyPr rtlCol="0" anchor="ctr"/>
+          <a:lstStyle/>
+          <a:p>
+            <a:pPr algn="ctr"/>
+            <a:r>
+              <a:rPr lang="en-US" dirty="0"/>
+              <a:t>That excel sheet nobody understands</a:t>
+            </a:r>
+          </a:p>
+        </p:txBody>
+      </p:sp>
+      <p:sp>
+        <p:nvSpPr>
+          <p:cNvPr id="19" name="Rectangle: Rounded Corners 18">
+            <a:extLst>
+              <a:ext uri="{FF2B5EF4-FFF2-40B4-BE49-F238E27FC236}">
+                <a16:creationId xmlns:a16="http://schemas.microsoft.com/office/drawing/2014/main" id="{4EFFB2D9-D292-44F3-97C4-879B53D9D7E1}"/>
+              </a:ext>
+            </a:extLst>
+          </p:cNvPr>
+          <p:cNvSpPr/>
+          <p:nvPr/>
+        </p:nvSpPr>
+        <p:spPr>
+          <a:xfrm>
+            <a:off x="9680314" y="3273452"/>
+            <a:ext cx="2240164" cy="804105"/>
+          </a:xfrm>
+          <a:prstGeom prst="roundRect">
+            <a:avLst/>
+          </a:prstGeom>
+        </p:spPr>
+        <p:style>
+          <a:lnRef idx="2">
+            <a:schemeClr val="accent6">
+              <a:shade val="50%"/>
+            </a:schemeClr>
+          </a:lnRef>
+          <a:fillRef idx="1">
+            <a:schemeClr val="accent6"/>
+          </a:fillRef>
+          <a:effectRef idx="0">
+            <a:schemeClr val="accent6"/>
+          </a:effectRef>
+          <a:fontRef idx="minor">
+            <a:schemeClr val="lt1"/>
+          </a:fontRef>
+        </p:style>
+        <p:txBody>
+          <a:bodyPr rtlCol="0" anchor="ctr"/>
+          <a:lstStyle/>
+          <a:p>
+            <a:pPr algn="ctr"/>
+            <a:r>
+              <a:rPr lang="en-US" b="1" dirty="0"/>
+              <a:t>Admin CRUD app</a:t>
             </a:r>
             <a:endParaRPr lang="en-US" dirty="0"/>
           </a:p>
         </p:txBody>
       </p:sp>
+      <p:sp>
+        <p:nvSpPr>
+          <p:cNvPr id="5" name="Rectangle: Rounded Corners 4">
+            <a:extLst>
+              <a:ext uri="{FF2B5EF4-FFF2-40B4-BE49-F238E27FC236}">
+                <a16:creationId xmlns:a16="http://schemas.microsoft.com/office/drawing/2014/main" id="{8DB3945B-E5B1-4084-9AF1-56E370D9855D}"/>
+              </a:ext>
+            </a:extLst>
+          </p:cNvPr>
+          <p:cNvSpPr/>
+          <p:nvPr/>
+        </p:nvSpPr>
+        <p:spPr>
+          <a:xfrm>
+            <a:off x="302885" y="3107018"/>
+            <a:ext cx="2841986" cy="804105"/>
+          </a:xfrm>
+          <a:prstGeom prst="roundRect">
+            <a:avLst/>
+          </a:prstGeom>
+        </p:spPr>
+        <p:style>
+          <a:lnRef idx="2">
+            <a:schemeClr val="accent6">
+              <a:shade val="50%"/>
+            </a:schemeClr>
+          </a:lnRef>
+          <a:fillRef idx="1">
+            <a:schemeClr val="accent6"/>
+          </a:fillRef>
+          <a:effectRef idx="0">
+            <a:schemeClr val="accent6"/>
+          </a:effectRef>
+          <a:fontRef idx="minor">
+            <a:schemeClr val="lt1"/>
+          </a:fontRef>
+        </p:style>
+        <p:txBody>
+          <a:bodyPr rtlCol="0" anchor="ctr"/>
+          <a:lstStyle/>
+          <a:p>
+            <a:pPr algn="ctr"/>
+            <a:r>
+              <a:rPr lang="en-US" b="1" dirty="0"/>
+              <a:t>Quotation app</a:t>
+            </a:r>
+            <a:endParaRPr lang="en-US" dirty="0"/>
+          </a:p>
+        </p:txBody>
+      </p:sp>
+      <p:sp>
+        <p:nvSpPr>
+          <p:cNvPr id="6" name="Flowchart: Magnetic Disk 5">
+            <a:extLst>
+              <a:ext uri="{FF2B5EF4-FFF2-40B4-BE49-F238E27FC236}">
+                <a16:creationId xmlns:a16="http://schemas.microsoft.com/office/drawing/2014/main" id="{4BE44450-F7C5-4436-82D7-AE46F510A2DD}"/>
+              </a:ext>
+            </a:extLst>
+          </p:cNvPr>
+          <p:cNvSpPr/>
+          <p:nvPr/>
+        </p:nvSpPr>
+        <p:spPr>
+          <a:xfrm>
+            <a:off x="3332267" y="2951544"/>
+            <a:ext cx="5965372" cy="3320693"/>
+          </a:xfrm>
+          <a:prstGeom prst="flowChartMagneticDisk">
+            <a:avLst/>
+          </a:prstGeom>
+        </p:spPr>
+        <p:style>
+          <a:lnRef idx="2">
+            <a:schemeClr val="accent3">
+              <a:shade val="50%"/>
+            </a:schemeClr>
+          </a:lnRef>
+          <a:fillRef idx="1">
+            <a:schemeClr val="accent3"/>
+          </a:fillRef>
+          <a:effectRef idx="0">
+            <a:schemeClr val="accent3"/>
+          </a:effectRef>
+          <a:fontRef idx="minor">
+            <a:schemeClr val="lt1"/>
+          </a:fontRef>
+        </p:style>
+        <p:txBody>
+          <a:bodyPr rtlCol="0" anchor="ctr"/>
+          <a:lstStyle/>
+          <a:p>
+            <a:pPr algn="ctr"/>
+            <a:r>
+              <a:rPr lang="en-US" b="1" dirty="0"/>
+              <a:t>Data</a:t>
+            </a:r>
+          </a:p>
+          <a:p>
+            <a:pPr algn="ctr"/>
+            <a:r>
+              <a:rPr lang="en-US" dirty="0"/>
+              <a:t>800+ Tables</a:t>
+            </a:r>
+          </a:p>
+        </p:txBody>
+      </p:sp>
+      <p:sp>
+        <p:nvSpPr>
+          <p:cNvPr id="7" name="Flowchart: Magnetic Disk 6">
+            <a:extLst>
+              <a:ext uri="{FF2B5EF4-FFF2-40B4-BE49-F238E27FC236}">
+                <a16:creationId xmlns:a16="http://schemas.microsoft.com/office/drawing/2014/main" id="{92DBBAE8-DA5E-4D1D-91AF-923B66850C7D}"/>
+              </a:ext>
+            </a:extLst>
+          </p:cNvPr>
+          <p:cNvSpPr/>
+          <p:nvPr/>
+        </p:nvSpPr>
+        <p:spPr>
+          <a:xfrm>
+            <a:off x="3332267" y="2626657"/>
+            <a:ext cx="5965372" cy="1563378"/>
+          </a:xfrm>
+          <a:prstGeom prst="flowChartMagneticDisk">
+            <a:avLst/>
+          </a:prstGeom>
+        </p:spPr>
+        <p:style>
+          <a:lnRef idx="2">
+            <a:schemeClr val="accent5">
+              <a:shade val="50%"/>
+            </a:schemeClr>
+          </a:lnRef>
+          <a:fillRef idx="1">
+            <a:schemeClr val="accent5"/>
+          </a:fillRef>
+          <a:effectRef idx="0">
+            <a:schemeClr val="accent5"/>
+          </a:effectRef>
+          <a:fontRef idx="minor">
+            <a:schemeClr val="lt1"/>
+          </a:fontRef>
+        </p:style>
+        <p:txBody>
+          <a:bodyPr rtlCol="0" anchor="ctr"/>
+          <a:lstStyle/>
+          <a:p>
+            <a:pPr algn="ctr"/>
+            <a:r>
+              <a:rPr lang="en-US" b="1" dirty="0"/>
+              <a:t>3000+ Stored Procedures</a:t>
+            </a:r>
+          </a:p>
+          <a:p>
+            <a:pPr algn="ctr"/>
+            <a:r>
+              <a:rPr lang="en-US" dirty="0"/>
+              <a:t>T-SQL</a:t>
+            </a:r>
+          </a:p>
+        </p:txBody>
+      </p:sp>
+      <p:cxnSp>
+        <p:nvCxnSpPr>
+          <p:cNvPr id="8" name="Straight Arrow Connector 7">
+            <a:extLst>
+              <a:ext uri="{FF2B5EF4-FFF2-40B4-BE49-F238E27FC236}">
+                <a16:creationId xmlns:a16="http://schemas.microsoft.com/office/drawing/2014/main" id="{35CFB48C-A5F6-4AC6-8213-46D060F47F09}"/>
+              </a:ext>
+            </a:extLst>
+          </p:cNvPr>
+          <p:cNvCxnSpPr>
+            <a:cxnSpLocks/>
+          </p:cNvCxnSpPr>
+          <p:nvPr/>
+        </p:nvCxnSpPr>
+        <p:spPr>
+          <a:xfrm>
+            <a:off x="2448207" y="1302739"/>
+            <a:ext cx="2077494" cy="1323918"/>
+          </a:xfrm>
+          <a:prstGeom prst="straightConnector1">
+            <a:avLst/>
+          </a:prstGeom>
+          <a:ln w="57150">
+            <a:tailEnd type="triangle"/>
+          </a:ln>
+        </p:spPr>
+        <p:style>
+          <a:lnRef idx="1">
+            <a:schemeClr val="accent1"/>
+          </a:lnRef>
+          <a:fillRef idx="0">
+            <a:schemeClr val="accent1"/>
+          </a:fillRef>
+          <a:effectRef idx="0">
+            <a:schemeClr val="accent1"/>
+          </a:effectRef>
+          <a:fontRef idx="minor">
+            <a:schemeClr val="tx1"/>
+          </a:fontRef>
+        </p:style>
+      </p:cxnSp>
+      <p:cxnSp>
+        <p:nvCxnSpPr>
+          <p:cNvPr id="9" name="Straight Arrow Connector 8">
+            <a:extLst>
+              <a:ext uri="{FF2B5EF4-FFF2-40B4-BE49-F238E27FC236}">
+                <a16:creationId xmlns:a16="http://schemas.microsoft.com/office/drawing/2014/main" id="{92ACFFEB-483E-4986-9140-A3AE65C5B2B3}"/>
+              </a:ext>
+            </a:extLst>
+          </p:cNvPr>
+          <p:cNvCxnSpPr>
+            <a:cxnSpLocks/>
+          </p:cNvCxnSpPr>
+          <p:nvPr/>
+        </p:nvCxnSpPr>
+        <p:spPr>
+          <a:xfrm>
+            <a:off x="2729669" y="3850605"/>
+            <a:ext cx="797042" cy="432028"/>
+          </a:xfrm>
+          <a:prstGeom prst="straightConnector1">
+            <a:avLst/>
+          </a:prstGeom>
+          <a:ln w="57150">
+            <a:tailEnd type="triangle"/>
+          </a:ln>
+        </p:spPr>
+        <p:style>
+          <a:lnRef idx="1">
+            <a:schemeClr val="accent1"/>
+          </a:lnRef>
+          <a:fillRef idx="0">
+            <a:schemeClr val="accent1"/>
+          </a:fillRef>
+          <a:effectRef idx="0">
+            <a:schemeClr val="accent1"/>
+          </a:effectRef>
+          <a:fontRef idx="minor">
+            <a:schemeClr val="tx1"/>
+          </a:fontRef>
+        </p:style>
+      </p:cxnSp>
+      <p:cxnSp>
+        <p:nvCxnSpPr>
+          <p:cNvPr id="20" name="Straight Arrow Connector 19">
+            <a:extLst>
+              <a:ext uri="{FF2B5EF4-FFF2-40B4-BE49-F238E27FC236}">
+                <a16:creationId xmlns:a16="http://schemas.microsoft.com/office/drawing/2014/main" id="{34312699-067E-4AB5-BE0E-17C7DCFFFCAF}"/>
+              </a:ext>
+            </a:extLst>
+          </p:cNvPr>
+          <p:cNvCxnSpPr>
+            <a:cxnSpLocks/>
+          </p:cNvCxnSpPr>
+          <p:nvPr/>
+        </p:nvCxnSpPr>
+        <p:spPr>
+          <a:xfrm flipH="1">
+            <a:off x="8665290" y="3754243"/>
+            <a:ext cx="1043818" cy="736734"/>
+          </a:xfrm>
+          <a:prstGeom prst="straightConnector1">
+            <a:avLst/>
+          </a:prstGeom>
+          <a:ln w="57150">
+            <a:tailEnd type="triangle"/>
+          </a:ln>
+        </p:spPr>
+        <p:style>
+          <a:lnRef idx="1">
+            <a:schemeClr val="accent1"/>
+          </a:lnRef>
+          <a:fillRef idx="0">
+            <a:schemeClr val="accent1"/>
+          </a:fillRef>
+          <a:effectRef idx="0">
+            <a:schemeClr val="accent1"/>
+          </a:effectRef>
+          <a:fontRef idx="minor">
+            <a:schemeClr val="tx1"/>
+          </a:fontRef>
+        </p:style>
+      </p:cxnSp>
+      <p:sp>
+        <p:nvSpPr>
+          <p:cNvPr id="22" name="Rectangle: Rounded Corners 21">
+            <a:extLst>
+              <a:ext uri="{FF2B5EF4-FFF2-40B4-BE49-F238E27FC236}">
+                <a16:creationId xmlns:a16="http://schemas.microsoft.com/office/drawing/2014/main" id="{F703B750-14E1-42F9-98D3-31D66C1BC363}"/>
+              </a:ext>
+            </a:extLst>
+          </p:cNvPr>
+          <p:cNvSpPr/>
+          <p:nvPr/>
+        </p:nvSpPr>
+        <p:spPr>
+          <a:xfrm>
+            <a:off x="7767219" y="392481"/>
+            <a:ext cx="3253246" cy="804105"/>
+          </a:xfrm>
+          <a:prstGeom prst="roundRect">
+            <a:avLst/>
+          </a:prstGeom>
+        </p:spPr>
+        <p:style>
+          <a:lnRef idx="2">
+            <a:schemeClr val="accent6">
+              <a:shade val="50%"/>
+            </a:schemeClr>
+          </a:lnRef>
+          <a:fillRef idx="1">
+            <a:schemeClr val="accent6"/>
+          </a:fillRef>
+          <a:effectRef idx="0">
+            <a:schemeClr val="accent6"/>
+          </a:effectRef>
+          <a:fontRef idx="minor">
+            <a:schemeClr val="lt1"/>
+          </a:fontRef>
+        </p:style>
+        <p:txBody>
+          <a:bodyPr rtlCol="0" anchor="ctr"/>
+          <a:lstStyle/>
+          <a:p>
+            <a:pPr algn="ctr"/>
+            <a:r>
+              <a:rPr lang="en-US" b="1" dirty="0"/>
+              <a:t>Customer-facing web apps</a:t>
+            </a:r>
+            <a:endParaRPr lang="en-US" dirty="0"/>
+          </a:p>
+        </p:txBody>
+      </p:sp>
+      <p:sp>
+        <p:nvSpPr>
+          <p:cNvPr id="23" name="Rectangle: Rounded Corners 22">
+            <a:extLst>
+              <a:ext uri="{FF2B5EF4-FFF2-40B4-BE49-F238E27FC236}">
+                <a16:creationId xmlns:a16="http://schemas.microsoft.com/office/drawing/2014/main" id="{522BD0D5-A83F-4376-BBAB-6BB2614CD386}"/>
+              </a:ext>
+            </a:extLst>
+          </p:cNvPr>
+          <p:cNvSpPr/>
+          <p:nvPr/>
+        </p:nvSpPr>
+        <p:spPr>
+          <a:xfrm>
+            <a:off x="3861084" y="282757"/>
+            <a:ext cx="3253246" cy="804105"/>
+          </a:xfrm>
+          <a:prstGeom prst="roundRect">
+            <a:avLst/>
+          </a:prstGeom>
+        </p:spPr>
+        <p:style>
+          <a:lnRef idx="2">
+            <a:schemeClr val="accent6">
+              <a:shade val="50%"/>
+            </a:schemeClr>
+          </a:lnRef>
+          <a:fillRef idx="1">
+            <a:schemeClr val="accent6"/>
+          </a:fillRef>
+          <a:effectRef idx="0">
+            <a:schemeClr val="accent6"/>
+          </a:effectRef>
+          <a:fontRef idx="minor">
+            <a:schemeClr val="lt1"/>
+          </a:fontRef>
+        </p:style>
+        <p:txBody>
+          <a:bodyPr rtlCol="0" anchor="ctr"/>
+          <a:lstStyle/>
+          <a:p>
+            <a:pPr algn="ctr"/>
+            <a:r>
+              <a:rPr lang="en-US" b="1" dirty="0"/>
+              <a:t>B2B SOAP services</a:t>
+            </a:r>
+            <a:endParaRPr lang="en-US" dirty="0"/>
+          </a:p>
+        </p:txBody>
+      </p:sp>
+      <p:sp>
+        <p:nvSpPr>
+          <p:cNvPr id="4" name="Rectangle: Rounded Corners 3">
+            <a:extLst>
+              <a:ext uri="{FF2B5EF4-FFF2-40B4-BE49-F238E27FC236}">
+                <a16:creationId xmlns:a16="http://schemas.microsoft.com/office/drawing/2014/main" id="{114CEFB2-A50F-4472-B587-87ED65721C29}"/>
+              </a:ext>
+            </a:extLst>
+          </p:cNvPr>
+          <p:cNvSpPr/>
+          <p:nvPr/>
+        </p:nvSpPr>
+        <p:spPr>
+          <a:xfrm>
+            <a:off x="446624" y="712384"/>
+            <a:ext cx="2414839" cy="804105"/>
+          </a:xfrm>
+          <a:prstGeom prst="roundRect">
+            <a:avLst/>
+          </a:prstGeom>
+        </p:spPr>
+        <p:style>
+          <a:lnRef idx="2">
+            <a:schemeClr val="accent6">
+              <a:shade val="50%"/>
+            </a:schemeClr>
+          </a:lnRef>
+          <a:fillRef idx="1">
+            <a:schemeClr val="accent6"/>
+          </a:fillRef>
+          <a:effectRef idx="0">
+            <a:schemeClr val="accent6"/>
+          </a:effectRef>
+          <a:fontRef idx="minor">
+            <a:schemeClr val="lt1"/>
+          </a:fontRef>
+        </p:style>
+        <p:txBody>
+          <a:bodyPr rtlCol="0" anchor="ctr"/>
+          <a:lstStyle/>
+          <a:p>
+            <a:pPr algn="ctr"/>
+            <a:r>
+              <a:rPr lang="en-US" b="1" dirty="0"/>
+              <a:t>Internal Catalogue app</a:t>
+            </a:r>
+          </a:p>
+        </p:txBody>
+      </p:sp>
+      <p:cxnSp>
+        <p:nvCxnSpPr>
+          <p:cNvPr id="26" name="Straight Arrow Connector 25">
+            <a:extLst>
+              <a:ext uri="{FF2B5EF4-FFF2-40B4-BE49-F238E27FC236}">
+                <a16:creationId xmlns:a16="http://schemas.microsoft.com/office/drawing/2014/main" id="{FB8271B7-7286-4A5F-9412-4EC9D958F808}"/>
+              </a:ext>
+            </a:extLst>
+          </p:cNvPr>
+          <p:cNvCxnSpPr>
+            <a:cxnSpLocks/>
+          </p:cNvCxnSpPr>
+          <p:nvPr/>
+        </p:nvCxnSpPr>
+        <p:spPr>
+          <a:xfrm flipH="1">
+            <a:off x="7861976" y="1166240"/>
+            <a:ext cx="590702" cy="1517912"/>
+          </a:xfrm>
+          <a:prstGeom prst="straightConnector1">
+            <a:avLst/>
+          </a:prstGeom>
+          <a:ln w="57150">
+            <a:tailEnd type="triangle"/>
+          </a:ln>
+        </p:spPr>
+        <p:style>
+          <a:lnRef idx="1">
+            <a:schemeClr val="accent1"/>
+          </a:lnRef>
+          <a:fillRef idx="0">
+            <a:schemeClr val="accent1"/>
+          </a:fillRef>
+          <a:effectRef idx="0">
+            <a:schemeClr val="accent1"/>
+          </a:effectRef>
+          <a:fontRef idx="minor">
+            <a:schemeClr val="tx1"/>
+          </a:fontRef>
+        </p:style>
+      </p:cxnSp>
+      <p:cxnSp>
+        <p:nvCxnSpPr>
+          <p:cNvPr id="29" name="Straight Arrow Connector 28">
+            <a:extLst>
+              <a:ext uri="{FF2B5EF4-FFF2-40B4-BE49-F238E27FC236}">
+                <a16:creationId xmlns:a16="http://schemas.microsoft.com/office/drawing/2014/main" id="{37CDAE56-712F-4EDA-B463-9F7FCBDA772D}"/>
+              </a:ext>
+            </a:extLst>
+          </p:cNvPr>
+          <p:cNvCxnSpPr>
+            <a:cxnSpLocks/>
+          </p:cNvCxnSpPr>
+          <p:nvPr/>
+        </p:nvCxnSpPr>
+        <p:spPr>
+          <a:xfrm>
+            <a:off x="5431268" y="1103524"/>
+            <a:ext cx="668588" cy="1523133"/>
+          </a:xfrm>
+          <a:prstGeom prst="straightConnector1">
+            <a:avLst/>
+          </a:prstGeom>
+          <a:ln w="57150">
+            <a:tailEnd type="triangle"/>
+          </a:ln>
+        </p:spPr>
+        <p:style>
+          <a:lnRef idx="1">
+            <a:schemeClr val="accent1"/>
+          </a:lnRef>
+          <a:fillRef idx="0">
+            <a:schemeClr val="accent1"/>
+          </a:fillRef>
+          <a:effectRef idx="0">
+            <a:schemeClr val="accent1"/>
+          </a:effectRef>
+          <a:fontRef idx="minor">
+            <a:schemeClr val="tx1"/>
+          </a:fontRef>
+        </p:style>
+      </p:cxnSp>
+      <p:cxnSp>
+        <p:nvCxnSpPr>
+          <p:cNvPr id="36" name="Straight Arrow Connector 35">
+            <a:extLst>
+              <a:ext uri="{FF2B5EF4-FFF2-40B4-BE49-F238E27FC236}">
+                <a16:creationId xmlns:a16="http://schemas.microsoft.com/office/drawing/2014/main" id="{BC48E68C-852B-43F3-928C-70F849BD845B}"/>
+              </a:ext>
+            </a:extLst>
+          </p:cNvPr>
+          <p:cNvCxnSpPr>
+            <a:cxnSpLocks/>
+          </p:cNvCxnSpPr>
+          <p:nvPr/>
+        </p:nvCxnSpPr>
+        <p:spPr>
+          <a:xfrm flipH="1">
+            <a:off x="8911410" y="2474220"/>
+            <a:ext cx="674147" cy="460662"/>
+          </a:xfrm>
+          <a:prstGeom prst="straightConnector1">
+            <a:avLst/>
+          </a:prstGeom>
+          <a:ln w="57150">
+            <a:tailEnd type="triangle"/>
+          </a:ln>
+        </p:spPr>
+        <p:style>
+          <a:lnRef idx="1">
+            <a:schemeClr val="accent1"/>
+          </a:lnRef>
+          <a:fillRef idx="0">
+            <a:schemeClr val="accent1"/>
+          </a:fillRef>
+          <a:effectRef idx="0">
+            <a:schemeClr val="accent1"/>
+          </a:effectRef>
+          <a:fontRef idx="minor">
+            <a:schemeClr val="tx1"/>
+          </a:fontRef>
+        </p:style>
+      </p:cxnSp>
+      <p:cxnSp>
+        <p:nvCxnSpPr>
+          <p:cNvPr id="38" name="Straight Arrow Connector 37">
+            <a:extLst>
+              <a:ext uri="{FF2B5EF4-FFF2-40B4-BE49-F238E27FC236}">
+                <a16:creationId xmlns:a16="http://schemas.microsoft.com/office/drawing/2014/main" id="{3D3DAD57-467F-469C-AA34-3530F67C1531}"/>
+              </a:ext>
+            </a:extLst>
+          </p:cNvPr>
+          <p:cNvCxnSpPr>
+            <a:cxnSpLocks/>
+          </p:cNvCxnSpPr>
+          <p:nvPr/>
+        </p:nvCxnSpPr>
+        <p:spPr>
+          <a:xfrm flipH="1" flipV="1">
+            <a:off x="8665290" y="5647488"/>
+            <a:ext cx="1079568" cy="336477"/>
+          </a:xfrm>
+          <a:prstGeom prst="straightConnector1">
+            <a:avLst/>
+          </a:prstGeom>
+          <a:ln w="57150">
+            <a:tailEnd type="triangle"/>
+          </a:ln>
+        </p:spPr>
+        <p:style>
+          <a:lnRef idx="1">
+            <a:schemeClr val="accent1"/>
+          </a:lnRef>
+          <a:fillRef idx="0">
+            <a:schemeClr val="accent1"/>
+          </a:fillRef>
+          <a:effectRef idx="0">
+            <a:schemeClr val="accent1"/>
+          </a:effectRef>
+          <a:fontRef idx="minor">
+            <a:schemeClr val="tx1"/>
+          </a:fontRef>
+        </p:style>
+      </p:cxnSp>
+      <p:sp>
+        <p:nvSpPr>
+          <p:cNvPr id="48" name="Rectangle: Rounded Corners 47">
+            <a:extLst>
+              <a:ext uri="{FF2B5EF4-FFF2-40B4-BE49-F238E27FC236}">
+                <a16:creationId xmlns:a16="http://schemas.microsoft.com/office/drawing/2014/main" id="{B0310296-5FE0-4F13-82A9-3C21ED63698F}"/>
+              </a:ext>
+            </a:extLst>
+          </p:cNvPr>
+          <p:cNvSpPr/>
+          <p:nvPr/>
+        </p:nvSpPr>
+        <p:spPr>
+          <a:xfrm>
+            <a:off x="460992" y="5134692"/>
+            <a:ext cx="2430725" cy="804105"/>
+          </a:xfrm>
+          <a:prstGeom prst="roundRect">
+            <a:avLst/>
+          </a:prstGeom>
+        </p:spPr>
+        <p:style>
+          <a:lnRef idx="2">
+            <a:schemeClr val="accent6">
+              <a:shade val="50%"/>
+            </a:schemeClr>
+          </a:lnRef>
+          <a:fillRef idx="1">
+            <a:schemeClr val="accent6"/>
+          </a:fillRef>
+          <a:effectRef idx="0">
+            <a:schemeClr val="accent6"/>
+          </a:effectRef>
+          <a:fontRef idx="minor">
+            <a:schemeClr val="lt1"/>
+          </a:fontRef>
+        </p:style>
+        <p:txBody>
+          <a:bodyPr rtlCol="0" anchor="ctr"/>
+          <a:lstStyle/>
+          <a:p>
+            <a:pPr algn="ctr"/>
+            <a:r>
+              <a:rPr lang="en-US" b="1" dirty="0"/>
+              <a:t>Reporting App</a:t>
+            </a:r>
+            <a:endParaRPr lang="en-US" dirty="0"/>
+          </a:p>
+        </p:txBody>
+      </p:sp>
+      <p:cxnSp>
+        <p:nvCxnSpPr>
+          <p:cNvPr id="49" name="Straight Arrow Connector 48">
+            <a:extLst>
+              <a:ext uri="{FF2B5EF4-FFF2-40B4-BE49-F238E27FC236}">
+                <a16:creationId xmlns:a16="http://schemas.microsoft.com/office/drawing/2014/main" id="{CB1CF07C-2B27-4208-A1D3-A041159D4E73}"/>
+              </a:ext>
+            </a:extLst>
+          </p:cNvPr>
+          <p:cNvCxnSpPr>
+            <a:cxnSpLocks/>
+          </p:cNvCxnSpPr>
+          <p:nvPr/>
+        </p:nvCxnSpPr>
+        <p:spPr>
+          <a:xfrm flipV="1">
+            <a:off x="2681893" y="5430463"/>
+            <a:ext cx="650374" cy="131396"/>
+          </a:xfrm>
+          <a:prstGeom prst="straightConnector1">
+            <a:avLst/>
+          </a:prstGeom>
+          <a:ln w="57150">
+            <a:tailEnd type="triangle"/>
+          </a:ln>
+        </p:spPr>
+        <p:style>
+          <a:lnRef idx="1">
+            <a:schemeClr val="accent1"/>
+          </a:lnRef>
+          <a:fillRef idx="0">
+            <a:schemeClr val="accent1"/>
+          </a:fillRef>
+          <a:effectRef idx="0">
+            <a:schemeClr val="accent1"/>
+          </a:effectRef>
+          <a:fontRef idx="minor">
+            <a:schemeClr val="tx1"/>
+          </a:fontRef>
+        </p:style>
+      </p:cxnSp>
+      <p:sp>
+        <p:nvSpPr>
+          <p:cNvPr id="51" name="Rectangle: Rounded Corners 50">
+            <a:extLst>
+              <a:ext uri="{FF2B5EF4-FFF2-40B4-BE49-F238E27FC236}">
+                <a16:creationId xmlns:a16="http://schemas.microsoft.com/office/drawing/2014/main" id="{1FC19EEC-0295-45AD-9F70-FC69F1BF080E}"/>
+              </a:ext>
+            </a:extLst>
+          </p:cNvPr>
+          <p:cNvSpPr/>
+          <p:nvPr/>
+        </p:nvSpPr>
+        <p:spPr>
+          <a:xfrm>
+            <a:off x="9562239" y="5832515"/>
+            <a:ext cx="2430725" cy="804105"/>
+          </a:xfrm>
+          <a:prstGeom prst="roundRect">
+            <a:avLst/>
+          </a:prstGeom>
+        </p:spPr>
+        <p:style>
+          <a:lnRef idx="2">
+            <a:schemeClr val="accent6">
+              <a:shade val="50%"/>
+            </a:schemeClr>
+          </a:lnRef>
+          <a:fillRef idx="1">
+            <a:schemeClr val="accent6"/>
+          </a:fillRef>
+          <a:effectRef idx="0">
+            <a:schemeClr val="accent6"/>
+          </a:effectRef>
+          <a:fontRef idx="minor">
+            <a:schemeClr val="lt1"/>
+          </a:fontRef>
+        </p:style>
+        <p:txBody>
+          <a:bodyPr rtlCol="0" anchor="ctr"/>
+          <a:lstStyle/>
+          <a:p>
+            <a:pPr algn="ctr"/>
+            <a:r>
+              <a:rPr lang="en-US" dirty="0"/>
+              <a:t>Bob running random SQL queries</a:t>
+            </a:r>
+          </a:p>
+        </p:txBody>
+      </p:sp>
+      <p:cxnSp>
+        <p:nvCxnSpPr>
+          <p:cNvPr id="53" name="Straight Arrow Connector 52">
+            <a:extLst>
+              <a:ext uri="{FF2B5EF4-FFF2-40B4-BE49-F238E27FC236}">
+                <a16:creationId xmlns:a16="http://schemas.microsoft.com/office/drawing/2014/main" id="{A73A2E31-30DD-4FBF-8E44-56FFA81D5078}"/>
+              </a:ext>
+            </a:extLst>
+          </p:cNvPr>
+          <p:cNvCxnSpPr>
+            <a:cxnSpLocks/>
+            <a:stCxn id="33" idx="1"/>
+          </p:cNvCxnSpPr>
+          <p:nvPr/>
+        </p:nvCxnSpPr>
+        <p:spPr>
+          <a:xfrm flipH="1">
+            <a:off x="8963591" y="5028411"/>
+            <a:ext cx="781268" cy="34486"/>
+          </a:xfrm>
+          <a:prstGeom prst="straightConnector1">
+            <a:avLst/>
+          </a:prstGeom>
+          <a:ln w="57150">
+            <a:tailEnd type="triangle"/>
+          </a:ln>
+        </p:spPr>
+        <p:style>
+          <a:lnRef idx="1">
+            <a:schemeClr val="accent1"/>
+          </a:lnRef>
+          <a:fillRef idx="0">
+            <a:schemeClr val="accent1"/>
+          </a:fillRef>
+          <a:effectRef idx="0">
+            <a:schemeClr val="accent1"/>
+          </a:effectRef>
+          <a:fontRef idx="minor">
+            <a:schemeClr val="tx1"/>
+          </a:fontRef>
+        </p:style>
+      </p:cxnSp>
     </p:spTree>
     <p:extLst>
       <p:ext uri="{BB962C8B-B14F-4D97-AF65-F5344CB8AC3E}">
-        <p14:creationId xmlns:p14="http://schemas.microsoft.com/office/powerpoint/2010/main" val="1878143345"/>
+        <p14:creationId xmlns:p14="http://schemas.microsoft.com/office/powerpoint/2010/main" val="965296804"/>
       </p:ext>
     </p:extLst>
   </p:cSld>
